--- a/Rel_slides_rev1.pptx
+++ b/Rel_slides_rev1.pptx
@@ -41,21 +41,21 @@
     <p:sldId id="290" r:id="rId29"/>
     <p:sldId id="280" r:id="rId30"/>
     <p:sldId id="279" r:id="rId31"/>
-    <p:sldId id="297" r:id="rId32"/>
-    <p:sldId id="298" r:id="rId33"/>
-    <p:sldId id="301" r:id="rId34"/>
-    <p:sldId id="300" r:id="rId35"/>
-    <p:sldId id="303" r:id="rId36"/>
-    <p:sldId id="304" r:id="rId37"/>
-    <p:sldId id="305" r:id="rId38"/>
-    <p:sldId id="306" r:id="rId39"/>
-    <p:sldId id="307" r:id="rId40"/>
-    <p:sldId id="292" r:id="rId41"/>
-    <p:sldId id="293" r:id="rId42"/>
-    <p:sldId id="296" r:id="rId43"/>
-    <p:sldId id="308" r:id="rId44"/>
-    <p:sldId id="309" r:id="rId45"/>
-    <p:sldId id="310" r:id="rId46"/>
+    <p:sldId id="298" r:id="rId32"/>
+    <p:sldId id="301" r:id="rId33"/>
+    <p:sldId id="300" r:id="rId34"/>
+    <p:sldId id="303" r:id="rId35"/>
+    <p:sldId id="304" r:id="rId36"/>
+    <p:sldId id="305" r:id="rId37"/>
+    <p:sldId id="306" r:id="rId38"/>
+    <p:sldId id="307" r:id="rId39"/>
+    <p:sldId id="292" r:id="rId40"/>
+    <p:sldId id="293" r:id="rId41"/>
+    <p:sldId id="296" r:id="rId42"/>
+    <p:sldId id="308" r:id="rId43"/>
+    <p:sldId id="309" r:id="rId44"/>
+    <p:sldId id="310" r:id="rId45"/>
+    <p:sldId id="312" r:id="rId46"/>
   </p:sldIdLst>
   <p:sldSz cx="12192000" cy="6858000"/>
   <p:notesSz cx="6858000" cy="9144000"/>
@@ -9668,34 +9668,6 @@
       </p:sp>
       <p:sp>
         <p:nvSpPr>
-          <p:cNvPr id="14" name="Espaço Reservado para Conteúdo 13">
-            <a:extLst>
-              <a:ext uri="{FF2B5EF4-FFF2-40B4-BE49-F238E27FC236}">
-                <a16:creationId xmlns:a16="http://schemas.microsoft.com/office/drawing/2014/main" id="{5F4F6A5E-DEE5-4B24-9527-A97C66F6DAD7}"/>
-              </a:ext>
-            </a:extLst>
-          </p:cNvPr>
-          <p:cNvSpPr>
-            <a:spLocks noGrp="1"/>
-          </p:cNvSpPr>
-          <p:nvPr>
-            <p:ph idx="1"/>
-          </p:nvPr>
-        </p:nvSpPr>
-        <p:spPr/>
-        <p:txBody>
-          <a:bodyPr/>
-          <a:lstStyle/>
-          <a:p>
-            <a:r>
-              <a:rPr lang="pt-BR" dirty="0"/>
-              <a:t>Cálculo MLT</a:t>
-            </a:r>
-          </a:p>
-        </p:txBody>
-      </p:sp>
-      <p:sp>
-        <p:nvSpPr>
           <p:cNvPr id="5" name="Espaço Reservado para Data 4">
             <a:extLst>
               <a:ext uri="{FF2B5EF4-FFF2-40B4-BE49-F238E27FC236}">
@@ -9793,16 +9765,15 @@
           </p:cNvPicPr>
           <p:nvPr/>
         </p:nvPicPr>
-        <p:blipFill>
+        <p:blipFill rotWithShape="1">
           <a:blip r:embed="rId2"/>
-          <a:stretch>
-            <a:fillRect/>
-          </a:stretch>
+          <a:srcRect l="7354" r="8387"/>
+          <a:stretch/>
         </p:blipFill>
         <p:spPr>
           <a:xfrm>
-            <a:off x="878506" y="2290762"/>
-            <a:ext cx="10434988" cy="3886201"/>
+            <a:off x="849923" y="1690688"/>
+            <a:ext cx="10492154" cy="4637533"/>
           </a:xfrm>
           <a:prstGeom prst="rect">
             <a:avLst/>
@@ -20432,8 +20403,8 @@
         </p:nvSpPr>
         <p:spPr>
           <a:xfrm>
-            <a:off x="3048000" y="4152932"/>
-            <a:ext cx="6096000" cy="1477328"/>
+            <a:off x="3048000" y="4357118"/>
+            <a:ext cx="6096000" cy="923330"/>
           </a:xfrm>
           <a:prstGeom prst="rect">
             <a:avLst/>
@@ -20481,7 +20452,7 @@
                 </a:solidFill>
                 <a:latin typeface="Courier New" panose="02070309020205020404" pitchFamily="49" charset="0"/>
               </a:rPr>
-              <a:t>trust-region-reflective</a:t>
+              <a:t>sqp</a:t>
             </a:r>
             <a:r>
               <a:rPr lang="pt-BR" dirty="0">
@@ -20491,109 +20462,6 @@
                 <a:latin typeface="Courier New" panose="02070309020205020404" pitchFamily="49" charset="0"/>
               </a:rPr>
               <a:t>' </a:t>
-            </a:r>
-          </a:p>
-          <a:p>
-            <a:r>
-              <a:rPr lang="pt-BR" dirty="0">
-                <a:solidFill>
-                  <a:srgbClr val="A020F0"/>
-                </a:solidFill>
-                <a:latin typeface="Courier New" panose="02070309020205020404" pitchFamily="49" charset="0"/>
-              </a:rPr>
-              <a:t>'</a:t>
-            </a:r>
-            <a:r>
-              <a:rPr lang="pt-BR" dirty="0" err="1">
-                <a:solidFill>
-                  <a:srgbClr val="A020F0"/>
-                </a:solidFill>
-                <a:latin typeface="Courier New" panose="02070309020205020404" pitchFamily="49" charset="0"/>
-              </a:rPr>
-              <a:t>sqp</a:t>
-            </a:r>
-            <a:r>
-              <a:rPr lang="pt-BR" dirty="0">
-                <a:solidFill>
-                  <a:srgbClr val="A020F0"/>
-                </a:solidFill>
-                <a:latin typeface="Courier New" panose="02070309020205020404" pitchFamily="49" charset="0"/>
-              </a:rPr>
-              <a:t>' </a:t>
-            </a:r>
-          </a:p>
-          <a:p>
-            <a:r>
-              <a:rPr lang="pt-BR" dirty="0">
-                <a:solidFill>
-                  <a:srgbClr val="A020F0"/>
-                </a:solidFill>
-                <a:latin typeface="Courier New" panose="02070309020205020404" pitchFamily="49" charset="0"/>
-              </a:rPr>
-              <a:t>'</a:t>
-            </a:r>
-            <a:r>
-              <a:rPr lang="pt-BR" dirty="0" err="1">
-                <a:solidFill>
-                  <a:srgbClr val="A020F0"/>
-                </a:solidFill>
-                <a:latin typeface="Courier New" panose="02070309020205020404" pitchFamily="49" charset="0"/>
-              </a:rPr>
-              <a:t>sqp-legacy</a:t>
-            </a:r>
-            <a:r>
-              <a:rPr lang="pt-BR" dirty="0">
-                <a:solidFill>
-                  <a:srgbClr val="A020F0"/>
-                </a:solidFill>
-                <a:latin typeface="Courier New" panose="02070309020205020404" pitchFamily="49" charset="0"/>
-              </a:rPr>
-              <a:t>'</a:t>
-            </a:r>
-            <a:r>
-              <a:rPr lang="pt-BR" dirty="0">
-                <a:solidFill>
-                  <a:srgbClr val="000000"/>
-                </a:solidFill>
-                <a:latin typeface="Courier New" panose="02070309020205020404" pitchFamily="49" charset="0"/>
-              </a:rPr>
-              <a:t> (</a:t>
-            </a:r>
-            <a:r>
-              <a:rPr lang="pt-BR" dirty="0" err="1">
-                <a:solidFill>
-                  <a:srgbClr val="000000"/>
-                </a:solidFill>
-                <a:latin typeface="Courier New" panose="02070309020205020404" pitchFamily="49" charset="0"/>
-              </a:rPr>
-              <a:t>optimoptions</a:t>
-            </a:r>
-            <a:r>
-              <a:rPr lang="pt-BR" dirty="0">
-                <a:solidFill>
-                  <a:srgbClr val="000000"/>
-                </a:solidFill>
-                <a:latin typeface="Courier New" panose="02070309020205020404" pitchFamily="49" charset="0"/>
-              </a:rPr>
-              <a:t> </a:t>
-            </a:r>
-            <a:r>
-              <a:rPr lang="pt-BR" dirty="0" err="1">
-                <a:solidFill>
-                  <a:srgbClr val="000000"/>
-                </a:solidFill>
-                <a:latin typeface="Courier New" panose="02070309020205020404" pitchFamily="49" charset="0"/>
-              </a:rPr>
-              <a:t>only</a:t>
-            </a:r>
-            <a:r>
-              <a:rPr lang="pt-BR" dirty="0">
-                <a:solidFill>
-                  <a:srgbClr val="000000"/>
-                </a:solidFill>
-                <a:latin typeface="Courier New" panose="02070309020205020404" pitchFamily="49" charset="0"/>
-              </a:rPr>
-              <a:t>) </a:t>
             </a:r>
           </a:p>
           <a:p>
@@ -20687,7 +20555,7 @@
     </p:spTree>
     <p:extLst>
       <p:ext uri="{BB962C8B-B14F-4D97-AF65-F5344CB8AC3E}">
-        <p14:creationId xmlns:p14="http://schemas.microsoft.com/office/powerpoint/2010/main" val="1741656056"/>
+        <p14:creationId xmlns:p14="http://schemas.microsoft.com/office/powerpoint/2010/main" val="2332200138"/>
       </p:ext>
     </p:extLst>
   </p:cSld>
@@ -20765,129 +20633,42 @@
           <a:lstStyle/>
           <a:p>
             <a:r>
+              <a:rPr lang="en-US" dirty="0"/>
+              <a:t>Testes para </a:t>
+            </a:r>
+            <a:r>
               <a:rPr lang="en-US" dirty="0" err="1"/>
-              <a:t>Resolução</a:t>
+              <a:t>escolha</a:t>
             </a:r>
             <a:r>
               <a:rPr lang="en-US" dirty="0"/>
-              <a:t> de um </a:t>
-            </a:r>
-            <a:r>
-              <a:rPr lang="en-US" dirty="0" err="1"/>
-              <a:t>problema</a:t>
-            </a:r>
-            <a:r>
-              <a:rPr lang="en-US" dirty="0"/>
-              <a:t> de </a:t>
-            </a:r>
-            <a:r>
-              <a:rPr lang="en-US" dirty="0" err="1"/>
-              <a:t>otimização</a:t>
-            </a:r>
-            <a:r>
-              <a:rPr lang="en-US" dirty="0"/>
-              <a:t> </a:t>
-            </a:r>
-            <a:r>
-              <a:rPr lang="en-US" dirty="0" err="1"/>
-              <a:t>em</a:t>
-            </a:r>
-            <a:r>
-              <a:rPr lang="en-US" dirty="0"/>
-              <a:t> que as </a:t>
-            </a:r>
-            <a:r>
-              <a:rPr lang="en-US" dirty="0" err="1"/>
-              <a:t>restrições</a:t>
-            </a:r>
-            <a:r>
-              <a:rPr lang="en-US" dirty="0"/>
-              <a:t> </a:t>
-            </a:r>
-            <a:r>
-              <a:rPr lang="en-US" dirty="0" err="1"/>
-              <a:t>ou</a:t>
-            </a:r>
-            <a:r>
-              <a:rPr lang="en-US" dirty="0"/>
-              <a:t>  a </a:t>
-            </a:r>
-            <a:r>
-              <a:rPr lang="en-US" dirty="0" err="1"/>
-              <a:t>função</a:t>
-            </a:r>
-            <a:r>
-              <a:rPr lang="en-US" dirty="0"/>
-              <a:t> </a:t>
-            </a:r>
-            <a:r>
-              <a:rPr lang="en-US" dirty="0" err="1"/>
-              <a:t>objetivo</a:t>
-            </a:r>
-            <a:r>
-              <a:rPr lang="en-US" dirty="0"/>
-              <a:t> </a:t>
-            </a:r>
-            <a:r>
-              <a:rPr lang="en-US" dirty="0" err="1"/>
-              <a:t>são</a:t>
-            </a:r>
-            <a:r>
-              <a:rPr lang="en-US" dirty="0"/>
-              <a:t> </a:t>
-            </a:r>
-            <a:r>
-              <a:rPr lang="en-US" dirty="0" err="1"/>
-              <a:t>não</a:t>
-            </a:r>
-            <a:r>
-              <a:rPr lang="en-US" dirty="0"/>
-              <a:t> </a:t>
-            </a:r>
-            <a:r>
-              <a:rPr lang="en-US" dirty="0" err="1"/>
-              <a:t>lineares</a:t>
-            </a:r>
-            <a:r>
-              <a:rPr lang="en-US" dirty="0"/>
-              <a:t>.</a:t>
-            </a:r>
-          </a:p>
-          <a:p>
-            <a:r>
-              <a:rPr lang="en-US" dirty="0"/>
-              <a:t>Solver MATLAB</a:t>
+              <a:t> do </a:t>
+            </a:r>
+            <a:r>
+              <a:rPr lang="pt-BR" dirty="0"/>
+              <a:t>algoritmo</a:t>
             </a:r>
           </a:p>
           <a:p>
             <a:pPr lvl="1"/>
-            <a:endParaRPr lang="en-US" dirty="0"/>
-          </a:p>
-          <a:p>
-            <a:r>
-              <a:rPr lang="en-US" dirty="0" err="1"/>
-              <a:t>Algoritmos</a:t>
-            </a:r>
-            <a:r>
-              <a:rPr lang="en-US" dirty="0"/>
-              <a:t> de </a:t>
-            </a:r>
-            <a:r>
-              <a:rPr lang="en-US" dirty="0" err="1"/>
-              <a:t>otimização</a:t>
-            </a:r>
-            <a:r>
-              <a:rPr lang="en-US" dirty="0"/>
-              <a:t> </a:t>
-            </a:r>
-            <a:r>
-              <a:rPr lang="en-US" dirty="0" err="1"/>
-              <a:t>disponíveis</a:t>
-            </a:r>
-            <a:endParaRPr lang="en-US" dirty="0"/>
-          </a:p>
-          <a:p>
-            <a:endParaRPr lang="pt-BR" dirty="0"/>
+            <a:r>
+              <a:rPr lang="pt-BR" dirty="0"/>
+              <a:t>Regime permanente horizonte 72 meses</a:t>
+            </a:r>
+          </a:p>
+          <a:p>
+            <a:pPr lvl="1"/>
+            <a:r>
+              <a:rPr lang="pt-BR" dirty="0"/>
+              <a:t>MLT 1931-2018</a:t>
+            </a:r>
+          </a:p>
+          <a:p>
+            <a:pPr lvl="1"/>
+            <a:r>
+              <a:rPr lang="pt-BR" dirty="0"/>
+              <a:t>Resultados idênticos</a:t>
+            </a:r>
           </a:p>
           <a:p>
             <a:endParaRPr lang="pt-BR" dirty="0"/>
@@ -20975,378 +20756,6 @@
             <a:fld id="{8579997A-84E9-4B38-967C-2D4A110C3049}" type="slidenum">
               <a:rPr lang="pt-BR" smtClean="0"/>
               <a:t>32</a:t>
-            </a:fld>
-            <a:endParaRPr lang="pt-BR"/>
-          </a:p>
-        </p:txBody>
-      </p:sp>
-      <p:sp>
-        <p:nvSpPr>
-          <p:cNvPr id="8" name="Retângulo 7">
-            <a:extLst>
-              <a:ext uri="{FF2B5EF4-FFF2-40B4-BE49-F238E27FC236}">
-                <a16:creationId xmlns:a16="http://schemas.microsoft.com/office/drawing/2014/main" id="{61185874-7E2C-40BA-B322-CE6579E93A34}"/>
-              </a:ext>
-            </a:extLst>
-          </p:cNvPr>
-          <p:cNvSpPr/>
-          <p:nvPr/>
-        </p:nvSpPr>
-        <p:spPr>
-          <a:xfrm>
-            <a:off x="3048000" y="4357118"/>
-            <a:ext cx="6096000" cy="923330"/>
-          </a:xfrm>
-          <a:prstGeom prst="rect">
-            <a:avLst/>
-          </a:prstGeom>
-        </p:spPr>
-        <p:txBody>
-          <a:bodyPr>
-            <a:spAutoFit/>
-          </a:bodyPr>
-          <a:lstStyle/>
-          <a:p>
-            <a:r>
-              <a:rPr lang="pt-BR" dirty="0">
-                <a:solidFill>
-                  <a:srgbClr val="A020F0"/>
-                </a:solidFill>
-                <a:latin typeface="Courier New" panose="02070309020205020404" pitchFamily="49" charset="0"/>
-              </a:rPr>
-              <a:t>'interior-point'</a:t>
-            </a:r>
-            <a:r>
-              <a:rPr lang="pt-BR" dirty="0">
-                <a:solidFill>
-                  <a:srgbClr val="000000"/>
-                </a:solidFill>
-                <a:latin typeface="Courier New" panose="02070309020205020404" pitchFamily="49" charset="0"/>
-              </a:rPr>
-              <a:t> (default)</a:t>
-            </a:r>
-          </a:p>
-          <a:p>
-            <a:r>
-              <a:rPr lang="pt-BR" dirty="0">
-                <a:solidFill>
-                  <a:srgbClr val="A020F0"/>
-                </a:solidFill>
-                <a:latin typeface="Courier New" panose="02070309020205020404" pitchFamily="49" charset="0"/>
-              </a:rPr>
-              <a:t>'</a:t>
-            </a:r>
-            <a:r>
-              <a:rPr lang="pt-BR" dirty="0" err="1">
-                <a:solidFill>
-                  <a:srgbClr val="A020F0"/>
-                </a:solidFill>
-                <a:latin typeface="Courier New" panose="02070309020205020404" pitchFamily="49" charset="0"/>
-              </a:rPr>
-              <a:t>sqp</a:t>
-            </a:r>
-            <a:r>
-              <a:rPr lang="pt-BR" dirty="0">
-                <a:solidFill>
-                  <a:srgbClr val="A020F0"/>
-                </a:solidFill>
-                <a:latin typeface="Courier New" panose="02070309020205020404" pitchFamily="49" charset="0"/>
-              </a:rPr>
-              <a:t>' </a:t>
-            </a:r>
-          </a:p>
-          <a:p>
-            <a:r>
-              <a:rPr lang="pt-BR" dirty="0">
-                <a:solidFill>
-                  <a:srgbClr val="A020F0"/>
-                </a:solidFill>
-                <a:latin typeface="Courier New" panose="02070309020205020404" pitchFamily="49" charset="0"/>
-              </a:rPr>
-              <a:t>'</a:t>
-            </a:r>
-            <a:r>
-              <a:rPr lang="pt-BR" dirty="0" err="1">
-                <a:solidFill>
-                  <a:srgbClr val="A020F0"/>
-                </a:solidFill>
-                <a:latin typeface="Courier New" panose="02070309020205020404" pitchFamily="49" charset="0"/>
-              </a:rPr>
-              <a:t>active-set</a:t>
-            </a:r>
-            <a:r>
-              <a:rPr lang="pt-BR" dirty="0">
-                <a:solidFill>
-                  <a:srgbClr val="A020F0"/>
-                </a:solidFill>
-                <a:latin typeface="Courier New" panose="02070309020205020404" pitchFamily="49" charset="0"/>
-              </a:rPr>
-              <a:t>'</a:t>
-            </a:r>
-          </a:p>
-        </p:txBody>
-      </p:sp>
-      <p:sp>
-        <p:nvSpPr>
-          <p:cNvPr id="9" name="Retângulo 8">
-            <a:extLst>
-              <a:ext uri="{FF2B5EF4-FFF2-40B4-BE49-F238E27FC236}">
-                <a16:creationId xmlns:a16="http://schemas.microsoft.com/office/drawing/2014/main" id="{2D1C5CCD-443C-4FC8-B3D8-F2E2BFDA2BB6}"/>
-              </a:ext>
-            </a:extLst>
-          </p:cNvPr>
-          <p:cNvSpPr/>
-          <p:nvPr/>
-        </p:nvSpPr>
-        <p:spPr>
-          <a:xfrm>
-            <a:off x="1861641" y="3228945"/>
-            <a:ext cx="8468718" cy="400110"/>
-          </a:xfrm>
-          <a:prstGeom prst="rect">
-            <a:avLst/>
-          </a:prstGeom>
-        </p:spPr>
-        <p:txBody>
-          <a:bodyPr wrap="square">
-            <a:spAutoFit/>
-          </a:bodyPr>
-          <a:lstStyle/>
-          <a:p>
-            <a:r>
-              <a:rPr lang="pt-BR" sz="2000" dirty="0">
-                <a:solidFill>
-                  <a:srgbClr val="000000"/>
-                </a:solidFill>
-                <a:latin typeface="Courier New" panose="02070309020205020404" pitchFamily="49" charset="0"/>
-              </a:rPr>
-              <a:t>x = </a:t>
-            </a:r>
-            <a:r>
-              <a:rPr lang="pt-BR" sz="2000" dirty="0" err="1">
-                <a:solidFill>
-                  <a:srgbClr val="000000"/>
-                </a:solidFill>
-                <a:latin typeface="Courier New" panose="02070309020205020404" pitchFamily="49" charset="0"/>
-              </a:rPr>
-              <a:t>fmincon</a:t>
-            </a:r>
-            <a:r>
-              <a:rPr lang="pt-BR" sz="2000" dirty="0">
-                <a:solidFill>
-                  <a:srgbClr val="000000"/>
-                </a:solidFill>
-                <a:latin typeface="Courier New" panose="02070309020205020404" pitchFamily="49" charset="0"/>
-              </a:rPr>
-              <a:t>(fun,x0,A,b,Aeq,beq,lb,ub,nonlcon,options)</a:t>
-            </a:r>
-          </a:p>
-        </p:txBody>
-      </p:sp>
-    </p:spTree>
-    <p:extLst>
-      <p:ext uri="{BB962C8B-B14F-4D97-AF65-F5344CB8AC3E}">
-        <p14:creationId xmlns:p14="http://schemas.microsoft.com/office/powerpoint/2010/main" val="2332200138"/>
-      </p:ext>
-    </p:extLst>
-  </p:cSld>
-  <p:clrMapOvr>
-    <a:masterClrMapping/>
-  </p:clrMapOvr>
-</p:sld>
-</file>
-
-<file path=ppt/slides/slide33.xml><?xml version="1.0" encoding="utf-8"?>
-<p:sld xmlns:a="http://schemas.openxmlformats.org/drawingml/2006/main" xmlns:r="http://schemas.openxmlformats.org/officeDocument/2006/relationships" xmlns:p="http://schemas.openxmlformats.org/presentationml/2006/main">
-  <p:cSld>
-    <p:spTree>
-      <p:nvGrpSpPr>
-        <p:cNvPr id="1" name=""/>
-        <p:cNvGrpSpPr/>
-        <p:nvPr/>
-      </p:nvGrpSpPr>
-      <p:grpSpPr>
-        <a:xfrm>
-          <a:off x="0" y="0"/>
-          <a:ext cx="0" cy="0"/>
-          <a:chOff x="0" y="0"/>
-          <a:chExt cx="0" cy="0"/>
-        </a:xfrm>
-      </p:grpSpPr>
-      <p:sp>
-        <p:nvSpPr>
-          <p:cNvPr id="2" name="Título 1">
-            <a:extLst>
-              <a:ext uri="{FF2B5EF4-FFF2-40B4-BE49-F238E27FC236}">
-                <a16:creationId xmlns:a16="http://schemas.microsoft.com/office/drawing/2014/main" id="{C786C0C3-DF52-417A-A71C-1FE35D7BFF56}"/>
-              </a:ext>
-            </a:extLst>
-          </p:cNvPr>
-          <p:cNvSpPr>
-            <a:spLocks noGrp="1"/>
-          </p:cNvSpPr>
-          <p:nvPr>
-            <p:ph type="title"/>
-          </p:nvPr>
-        </p:nvSpPr>
-        <p:spPr/>
-        <p:txBody>
-          <a:bodyPr/>
-          <a:lstStyle/>
-          <a:p>
-            <a:pPr algn="ctr"/>
-            <a:r>
-              <a:rPr lang="pt-BR" dirty="0"/>
-              <a:t>Programação Não Linear</a:t>
-            </a:r>
-          </a:p>
-        </p:txBody>
-      </p:sp>
-      <p:sp>
-        <p:nvSpPr>
-          <p:cNvPr id="3" name="Espaço Reservado para Conteúdo 2">
-            <a:extLst>
-              <a:ext uri="{FF2B5EF4-FFF2-40B4-BE49-F238E27FC236}">
-                <a16:creationId xmlns:a16="http://schemas.microsoft.com/office/drawing/2014/main" id="{1AE1BB08-EB09-488F-8303-B8DC3ABC23E5}"/>
-              </a:ext>
-            </a:extLst>
-          </p:cNvPr>
-          <p:cNvSpPr>
-            <a:spLocks noGrp="1"/>
-          </p:cNvSpPr>
-          <p:nvPr>
-            <p:ph idx="1"/>
-          </p:nvPr>
-        </p:nvSpPr>
-        <p:spPr/>
-        <p:txBody>
-          <a:bodyPr/>
-          <a:lstStyle/>
-          <a:p>
-            <a:r>
-              <a:rPr lang="en-US" dirty="0"/>
-              <a:t>Testes para </a:t>
-            </a:r>
-            <a:r>
-              <a:rPr lang="en-US" dirty="0" err="1"/>
-              <a:t>escolha</a:t>
-            </a:r>
-            <a:r>
-              <a:rPr lang="en-US" dirty="0"/>
-              <a:t> do </a:t>
-            </a:r>
-            <a:r>
-              <a:rPr lang="pt-BR" dirty="0"/>
-              <a:t>algoritmo</a:t>
-            </a:r>
-          </a:p>
-          <a:p>
-            <a:pPr lvl="1"/>
-            <a:r>
-              <a:rPr lang="pt-BR" dirty="0"/>
-              <a:t>Regime permanente horizonte 72 meses</a:t>
-            </a:r>
-          </a:p>
-          <a:p>
-            <a:pPr lvl="1"/>
-            <a:r>
-              <a:rPr lang="pt-BR" dirty="0"/>
-              <a:t>MLT 1931-2018</a:t>
-            </a:r>
-          </a:p>
-          <a:p>
-            <a:pPr lvl="1"/>
-            <a:r>
-              <a:rPr lang="pt-BR" dirty="0"/>
-              <a:t>Resultados idênticos</a:t>
-            </a:r>
-          </a:p>
-          <a:p>
-            <a:endParaRPr lang="pt-BR" dirty="0"/>
-          </a:p>
-        </p:txBody>
-      </p:sp>
-      <p:sp>
-        <p:nvSpPr>
-          <p:cNvPr id="4" name="Espaço Reservado para Data 3">
-            <a:extLst>
-              <a:ext uri="{FF2B5EF4-FFF2-40B4-BE49-F238E27FC236}">
-                <a16:creationId xmlns:a16="http://schemas.microsoft.com/office/drawing/2014/main" id="{FA7383F8-5832-4E1B-AC37-ABEB7C985B21}"/>
-              </a:ext>
-            </a:extLst>
-          </p:cNvPr>
-          <p:cNvSpPr>
-            <a:spLocks noGrp="1"/>
-          </p:cNvSpPr>
-          <p:nvPr>
-            <p:ph type="dt" sz="half" idx="10"/>
-          </p:nvPr>
-        </p:nvSpPr>
-        <p:spPr/>
-        <p:txBody>
-          <a:bodyPr/>
-          <a:lstStyle/>
-          <a:p>
-            <a:r>
-              <a:rPr lang="pt-BR"/>
-              <a:t>Novembro 2019</a:t>
-            </a:r>
-          </a:p>
-        </p:txBody>
-      </p:sp>
-      <p:sp>
-        <p:nvSpPr>
-          <p:cNvPr id="5" name="Espaço Reservado para Rodapé 4">
-            <a:extLst>
-              <a:ext uri="{FF2B5EF4-FFF2-40B4-BE49-F238E27FC236}">
-                <a16:creationId xmlns:a16="http://schemas.microsoft.com/office/drawing/2014/main" id="{24B4C247-B48C-4874-935B-B1B3DB77B616}"/>
-              </a:ext>
-            </a:extLst>
-          </p:cNvPr>
-          <p:cNvSpPr>
-            <a:spLocks noGrp="1"/>
-          </p:cNvSpPr>
-          <p:nvPr>
-            <p:ph type="ftr" sz="quarter" idx="11"/>
-          </p:nvPr>
-        </p:nvSpPr>
-        <p:spPr/>
-        <p:txBody>
-          <a:bodyPr/>
-          <a:lstStyle/>
-          <a:p>
-            <a:r>
-              <a:rPr lang="pt-BR"/>
-              <a:t>IT306U - Planejamento e Programação da Operação</a:t>
-            </a:r>
-            <a:endParaRPr lang="pt-BR" dirty="0"/>
-          </a:p>
-        </p:txBody>
-      </p:sp>
-      <p:sp>
-        <p:nvSpPr>
-          <p:cNvPr id="6" name="Espaço Reservado para Número de Slide 5">
-            <a:extLst>
-              <a:ext uri="{FF2B5EF4-FFF2-40B4-BE49-F238E27FC236}">
-                <a16:creationId xmlns:a16="http://schemas.microsoft.com/office/drawing/2014/main" id="{5FCDFF39-5721-45B6-8437-D164767F3933}"/>
-              </a:ext>
-            </a:extLst>
-          </p:cNvPr>
-          <p:cNvSpPr>
-            <a:spLocks noGrp="1"/>
-          </p:cNvSpPr>
-          <p:nvPr>
-            <p:ph type="sldNum" sz="quarter" idx="12"/>
-          </p:nvPr>
-        </p:nvSpPr>
-        <p:spPr/>
-        <p:txBody>
-          <a:bodyPr/>
-          <a:lstStyle/>
-          <a:p>
-            <a:fld id="{8579997A-84E9-4B38-967C-2D4A110C3049}" type="slidenum">
-              <a:rPr lang="pt-BR" smtClean="0"/>
-              <a:t>33</a:t>
             </a:fld>
             <a:endParaRPr lang="pt-BR"/>
           </a:p>
@@ -21770,7 +21179,7 @@
 </p:sld>
 </file>
 
-<file path=ppt/slides/slide34.xml><?xml version="1.0" encoding="utf-8"?>
+<file path=ppt/slides/slide33.xml><?xml version="1.0" encoding="utf-8"?>
 <p:sld xmlns:a="http://schemas.openxmlformats.org/drawingml/2006/main" xmlns:r="http://schemas.openxmlformats.org/officeDocument/2006/relationships" xmlns:p="http://schemas.openxmlformats.org/presentationml/2006/main">
   <p:cSld>
     <p:spTree>
@@ -21908,7 +21317,7 @@
           <a:p>
             <a:fld id="{8579997A-84E9-4B38-967C-2D4A110C3049}" type="slidenum">
               <a:rPr lang="pt-BR" smtClean="0"/>
-              <a:t>34</a:t>
+              <a:t>33</a:t>
             </a:fld>
             <a:endParaRPr lang="pt-BR"/>
           </a:p>
@@ -21956,6 +21365,210 @@
 </p:sld>
 </file>
 
+<file path=ppt/slides/slide34.xml><?xml version="1.0" encoding="utf-8"?>
+<p:sld xmlns:a="http://schemas.openxmlformats.org/drawingml/2006/main" xmlns:r="http://schemas.openxmlformats.org/officeDocument/2006/relationships" xmlns:p="http://schemas.openxmlformats.org/presentationml/2006/main">
+  <p:cSld>
+    <p:spTree>
+      <p:nvGrpSpPr>
+        <p:cNvPr id="1" name=""/>
+        <p:cNvGrpSpPr/>
+        <p:nvPr/>
+      </p:nvGrpSpPr>
+      <p:grpSpPr>
+        <a:xfrm>
+          <a:off x="0" y="0"/>
+          <a:ext cx="0" cy="0"/>
+          <a:chOff x="0" y="0"/>
+          <a:chExt cx="0" cy="0"/>
+        </a:xfrm>
+      </p:grpSpPr>
+      <p:sp>
+        <p:nvSpPr>
+          <p:cNvPr id="2" name="Título 1">
+            <a:extLst>
+              <a:ext uri="{FF2B5EF4-FFF2-40B4-BE49-F238E27FC236}">
+                <a16:creationId xmlns:a16="http://schemas.microsoft.com/office/drawing/2014/main" id="{C786C0C3-DF52-417A-A71C-1FE35D7BFF56}"/>
+              </a:ext>
+            </a:extLst>
+          </p:cNvPr>
+          <p:cNvSpPr>
+            <a:spLocks noGrp="1"/>
+          </p:cNvSpPr>
+          <p:nvPr>
+            <p:ph type="title"/>
+          </p:nvPr>
+        </p:nvSpPr>
+        <p:spPr/>
+        <p:txBody>
+          <a:bodyPr/>
+          <a:lstStyle/>
+          <a:p>
+            <a:pPr algn="ctr"/>
+            <a:r>
+              <a:rPr lang="pt-BR" dirty="0"/>
+              <a:t>Programação Não Linear</a:t>
+            </a:r>
+          </a:p>
+        </p:txBody>
+      </p:sp>
+      <p:sp>
+        <p:nvSpPr>
+          <p:cNvPr id="3" name="Espaço Reservado para Conteúdo 2">
+            <a:extLst>
+              <a:ext uri="{FF2B5EF4-FFF2-40B4-BE49-F238E27FC236}">
+                <a16:creationId xmlns:a16="http://schemas.microsoft.com/office/drawing/2014/main" id="{1AE1BB08-EB09-488F-8303-B8DC3ABC23E5}"/>
+              </a:ext>
+            </a:extLst>
+          </p:cNvPr>
+          <p:cNvSpPr>
+            <a:spLocks noGrp="1"/>
+          </p:cNvSpPr>
+          <p:nvPr>
+            <p:ph idx="1"/>
+          </p:nvPr>
+        </p:nvSpPr>
+        <p:spPr/>
+        <p:txBody>
+          <a:bodyPr/>
+          <a:lstStyle/>
+          <a:p>
+            <a:r>
+              <a:rPr lang="pt-BR" dirty="0"/>
+              <a:t>Problema para implementação do algoritmo para afluência histórica:</a:t>
+            </a:r>
+          </a:p>
+          <a:p>
+            <a:pPr lvl="1"/>
+            <a:r>
+              <a:rPr lang="pt-BR" dirty="0"/>
+              <a:t>Programação não linear não retorna tabelas de decisão das variáveis de estado</a:t>
+            </a:r>
+          </a:p>
+          <a:p>
+            <a:pPr lvl="1"/>
+            <a:r>
+              <a:rPr lang="pt-BR" dirty="0"/>
+              <a:t>Necessidade de resolver o problema de otimização para cada nova iteração da afluência histórica para o horizonte de convergência de regime permanente (72 meses +)</a:t>
+            </a:r>
+          </a:p>
+          <a:p>
+            <a:pPr marL="914400" lvl="1" indent="-457200">
+              <a:buFont typeface="+mj-lt"/>
+              <a:buAutoNum type="arabicPeriod"/>
+            </a:pPr>
+            <a:endParaRPr lang="pt-BR" dirty="0"/>
+          </a:p>
+          <a:p>
+            <a:pPr marL="914400" lvl="1" indent="-457200">
+              <a:buFont typeface="+mj-lt"/>
+              <a:buAutoNum type="arabicPeriod"/>
+            </a:pPr>
+            <a:endParaRPr lang="pt-BR" dirty="0"/>
+          </a:p>
+          <a:p>
+            <a:endParaRPr lang="pt-BR" dirty="0"/>
+          </a:p>
+        </p:txBody>
+      </p:sp>
+      <p:sp>
+        <p:nvSpPr>
+          <p:cNvPr id="4" name="Espaço Reservado para Data 3">
+            <a:extLst>
+              <a:ext uri="{FF2B5EF4-FFF2-40B4-BE49-F238E27FC236}">
+                <a16:creationId xmlns:a16="http://schemas.microsoft.com/office/drawing/2014/main" id="{FA7383F8-5832-4E1B-AC37-ABEB7C985B21}"/>
+              </a:ext>
+            </a:extLst>
+          </p:cNvPr>
+          <p:cNvSpPr>
+            <a:spLocks noGrp="1"/>
+          </p:cNvSpPr>
+          <p:nvPr>
+            <p:ph type="dt" sz="half" idx="10"/>
+          </p:nvPr>
+        </p:nvSpPr>
+        <p:spPr/>
+        <p:txBody>
+          <a:bodyPr/>
+          <a:lstStyle/>
+          <a:p>
+            <a:r>
+              <a:rPr lang="pt-BR"/>
+              <a:t>Novembro 2019</a:t>
+            </a:r>
+          </a:p>
+        </p:txBody>
+      </p:sp>
+      <p:sp>
+        <p:nvSpPr>
+          <p:cNvPr id="5" name="Espaço Reservado para Rodapé 4">
+            <a:extLst>
+              <a:ext uri="{FF2B5EF4-FFF2-40B4-BE49-F238E27FC236}">
+                <a16:creationId xmlns:a16="http://schemas.microsoft.com/office/drawing/2014/main" id="{24B4C247-B48C-4874-935B-B1B3DB77B616}"/>
+              </a:ext>
+            </a:extLst>
+          </p:cNvPr>
+          <p:cNvSpPr>
+            <a:spLocks noGrp="1"/>
+          </p:cNvSpPr>
+          <p:nvPr>
+            <p:ph type="ftr" sz="quarter" idx="11"/>
+          </p:nvPr>
+        </p:nvSpPr>
+        <p:spPr/>
+        <p:txBody>
+          <a:bodyPr/>
+          <a:lstStyle/>
+          <a:p>
+            <a:r>
+              <a:rPr lang="pt-BR"/>
+              <a:t>IT306U - Planejamento e Programação da Operação</a:t>
+            </a:r>
+            <a:endParaRPr lang="pt-BR" dirty="0"/>
+          </a:p>
+        </p:txBody>
+      </p:sp>
+      <p:sp>
+        <p:nvSpPr>
+          <p:cNvPr id="6" name="Espaço Reservado para Número de Slide 5">
+            <a:extLst>
+              <a:ext uri="{FF2B5EF4-FFF2-40B4-BE49-F238E27FC236}">
+                <a16:creationId xmlns:a16="http://schemas.microsoft.com/office/drawing/2014/main" id="{5FCDFF39-5721-45B6-8437-D164767F3933}"/>
+              </a:ext>
+            </a:extLst>
+          </p:cNvPr>
+          <p:cNvSpPr>
+            <a:spLocks noGrp="1"/>
+          </p:cNvSpPr>
+          <p:nvPr>
+            <p:ph type="sldNum" sz="quarter" idx="12"/>
+          </p:nvPr>
+        </p:nvSpPr>
+        <p:spPr/>
+        <p:txBody>
+          <a:bodyPr/>
+          <a:lstStyle/>
+          <a:p>
+            <a:fld id="{8579997A-84E9-4B38-967C-2D4A110C3049}" type="slidenum">
+              <a:rPr lang="pt-BR" smtClean="0"/>
+              <a:t>34</a:t>
+            </a:fld>
+            <a:endParaRPr lang="pt-BR"/>
+          </a:p>
+        </p:txBody>
+      </p:sp>
+    </p:spTree>
+    <p:extLst>
+      <p:ext uri="{BB962C8B-B14F-4D97-AF65-F5344CB8AC3E}">
+        <p14:creationId xmlns:p14="http://schemas.microsoft.com/office/powerpoint/2010/main" val="2039114022"/>
+      </p:ext>
+    </p:extLst>
+  </p:cSld>
+  <p:clrMapOvr>
+    <a:masterClrMapping/>
+  </p:clrMapOvr>
+</p:sld>
+</file>
+
 <file path=ppt/slides/slide35.xml><?xml version="1.0" encoding="utf-8"?>
 <p:sld xmlns:a="http://schemas.openxmlformats.org/drawingml/2006/main" xmlns:r="http://schemas.openxmlformats.org/officeDocument/2006/relationships" xmlns:p="http://schemas.openxmlformats.org/presentationml/2006/main">
   <p:cSld>
@@ -22025,22 +21638,11 @@
           <a:p>
             <a:r>
               <a:rPr lang="pt-BR" dirty="0"/>
-              <a:t>Problema para implementação do algoritmo para afluência histórica:</a:t>
-            </a:r>
-          </a:p>
-          <a:p>
-            <a:pPr lvl="1"/>
-            <a:r>
-              <a:rPr lang="pt-BR" dirty="0"/>
-              <a:t>Programação não linear não retorna tabelas de decisão das variáveis de estado</a:t>
-            </a:r>
-          </a:p>
-          <a:p>
-            <a:pPr lvl="1"/>
-            <a:r>
-              <a:rPr lang="pt-BR" dirty="0"/>
-              <a:t>Necessidade de resolver o problema de otimização para cada nova iteração da afluência histórica para o horizonte de convergência de regime permanente (72 meses +)</a:t>
-            </a:r>
+              <a:t>Implementação do algoritmo:</a:t>
+            </a:r>
+          </a:p>
+          <a:p>
+            <a:endParaRPr lang="pt-BR" dirty="0"/>
           </a:p>
           <a:p>
             <a:pPr marL="914400" lvl="1" indent="-457200">
@@ -22147,10 +21749,525 @@
           </a:p>
         </p:txBody>
       </p:sp>
+      <p:sp>
+        <p:nvSpPr>
+          <p:cNvPr id="7" name="Retângulo 6">
+            <a:extLst>
+              <a:ext uri="{FF2B5EF4-FFF2-40B4-BE49-F238E27FC236}">
+                <a16:creationId xmlns:a16="http://schemas.microsoft.com/office/drawing/2014/main" id="{D99939A2-AB74-4F2F-A9D1-647CF7B86983}"/>
+              </a:ext>
+            </a:extLst>
+          </p:cNvPr>
+          <p:cNvSpPr/>
+          <p:nvPr/>
+        </p:nvSpPr>
+        <p:spPr>
+          <a:xfrm>
+            <a:off x="3048000" y="2268201"/>
+            <a:ext cx="6096000" cy="3600986"/>
+          </a:xfrm>
+          <a:prstGeom prst="rect">
+            <a:avLst/>
+          </a:prstGeom>
+        </p:spPr>
+        <p:txBody>
+          <a:bodyPr>
+            <a:spAutoFit/>
+          </a:bodyPr>
+          <a:lstStyle/>
+          <a:p>
+            <a:r>
+              <a:rPr lang="pt-BR" sz="1200" dirty="0" err="1">
+                <a:solidFill>
+                  <a:srgbClr val="000000"/>
+                </a:solidFill>
+                <a:latin typeface="Courier New" panose="02070309020205020404" pitchFamily="49" charset="0"/>
+              </a:rPr>
+              <a:t>mes</a:t>
+            </a:r>
+            <a:r>
+              <a:rPr lang="pt-BR" sz="1200" dirty="0">
+                <a:solidFill>
+                  <a:srgbClr val="000000"/>
+                </a:solidFill>
+                <a:latin typeface="Courier New" panose="02070309020205020404" pitchFamily="49" charset="0"/>
+              </a:rPr>
+              <a:t>=1;</a:t>
+            </a:r>
+          </a:p>
+          <a:p>
+            <a:r>
+              <a:rPr lang="pt-BR" sz="1200" dirty="0">
+                <a:solidFill>
+                  <a:srgbClr val="0000FF"/>
+                </a:solidFill>
+                <a:latin typeface="Courier New" panose="02070309020205020404" pitchFamily="49" charset="0"/>
+              </a:rPr>
+              <a:t>for</a:t>
+            </a:r>
+            <a:r>
+              <a:rPr lang="pt-BR" sz="1200" dirty="0">
+                <a:solidFill>
+                  <a:srgbClr val="000000"/>
+                </a:solidFill>
+                <a:latin typeface="Courier New" panose="02070309020205020404" pitchFamily="49" charset="0"/>
+              </a:rPr>
+              <a:t> i=1:1:T_HISTORICO</a:t>
+            </a:r>
+          </a:p>
+          <a:p>
+            <a:r>
+              <a:rPr lang="pt-BR" sz="1200" dirty="0">
+                <a:solidFill>
+                  <a:srgbClr val="000000"/>
+                </a:solidFill>
+                <a:latin typeface="Courier New" panose="02070309020205020404" pitchFamily="49" charset="0"/>
+              </a:rPr>
+              <a:t>    </a:t>
+            </a:r>
+            <a:r>
+              <a:rPr lang="pt-BR" sz="1200" dirty="0">
+                <a:solidFill>
+                  <a:srgbClr val="228B22"/>
+                </a:solidFill>
+                <a:latin typeface="Courier New" panose="02070309020205020404" pitchFamily="49" charset="0"/>
+              </a:rPr>
+              <a:t>%===============DEFINIÇÃO DE VARIÁVEIS======================</a:t>
+            </a:r>
+          </a:p>
+          <a:p>
+            <a:pPr lvl="1"/>
+            <a:r>
+              <a:rPr lang="es-ES" sz="1200" dirty="0">
+                <a:solidFill>
+                  <a:srgbClr val="000000"/>
+                </a:solidFill>
+                <a:latin typeface="Courier New" panose="02070309020205020404" pitchFamily="49" charset="0"/>
+              </a:rPr>
+              <a:t>y=[Y_MLT </a:t>
+            </a:r>
+            <a:r>
+              <a:rPr lang="es-ES" sz="1200" dirty="0" err="1">
+                <a:solidFill>
+                  <a:srgbClr val="000000"/>
+                </a:solidFill>
+                <a:latin typeface="Courier New" panose="02070309020205020404" pitchFamily="49" charset="0"/>
+              </a:rPr>
+              <a:t>Y_MLT</a:t>
+            </a:r>
+            <a:r>
+              <a:rPr lang="es-ES" sz="1200" dirty="0">
+                <a:solidFill>
+                  <a:srgbClr val="000000"/>
+                </a:solidFill>
+                <a:latin typeface="Courier New" panose="02070309020205020404" pitchFamily="49" charset="0"/>
+              </a:rPr>
+              <a:t> </a:t>
+            </a:r>
+            <a:r>
+              <a:rPr lang="es-ES" sz="1200" dirty="0" err="1">
+                <a:solidFill>
+                  <a:srgbClr val="000000"/>
+                </a:solidFill>
+                <a:latin typeface="Courier New" panose="02070309020205020404" pitchFamily="49" charset="0"/>
+              </a:rPr>
+              <a:t>Y_MLT</a:t>
+            </a:r>
+            <a:r>
+              <a:rPr lang="es-ES" sz="1200" dirty="0">
+                <a:solidFill>
+                  <a:srgbClr val="000000"/>
+                </a:solidFill>
+                <a:latin typeface="Courier New" panose="02070309020205020404" pitchFamily="49" charset="0"/>
+              </a:rPr>
+              <a:t> Y_MLT];</a:t>
+            </a:r>
+          </a:p>
+          <a:p>
+            <a:pPr lvl="1"/>
+            <a:r>
+              <a:rPr lang="pt-BR" sz="1200" dirty="0">
+                <a:solidFill>
+                  <a:srgbClr val="000000"/>
+                </a:solidFill>
+                <a:latin typeface="Courier New" panose="02070309020205020404" pitchFamily="49" charset="0"/>
+              </a:rPr>
+              <a:t>y=y(</a:t>
+            </a:r>
+            <a:r>
+              <a:rPr lang="pt-BR" sz="1200" dirty="0" err="1">
+                <a:solidFill>
+                  <a:srgbClr val="000000"/>
+                </a:solidFill>
+                <a:latin typeface="Courier New" panose="02070309020205020404" pitchFamily="49" charset="0"/>
+              </a:rPr>
+              <a:t>mes:end</a:t>
+            </a:r>
+            <a:r>
+              <a:rPr lang="pt-BR" sz="1200" dirty="0">
+                <a:solidFill>
+                  <a:srgbClr val="000000"/>
+                </a:solidFill>
+                <a:latin typeface="Courier New" panose="02070309020205020404" pitchFamily="49" charset="0"/>
+              </a:rPr>
+              <a:t>);</a:t>
+            </a:r>
+          </a:p>
+          <a:p>
+            <a:pPr lvl="1"/>
+            <a:r>
+              <a:rPr lang="pt-BR" sz="1200" dirty="0">
+                <a:solidFill>
+                  <a:srgbClr val="000000"/>
+                </a:solidFill>
+                <a:latin typeface="Courier New" panose="02070309020205020404" pitchFamily="49" charset="0"/>
+              </a:rPr>
+              <a:t>T=</a:t>
+            </a:r>
+            <a:r>
+              <a:rPr lang="pt-BR" sz="1200" dirty="0" err="1">
+                <a:solidFill>
+                  <a:srgbClr val="000000"/>
+                </a:solidFill>
+                <a:latin typeface="Courier New" panose="02070309020205020404" pitchFamily="49" charset="0"/>
+              </a:rPr>
+              <a:t>length</a:t>
+            </a:r>
+            <a:r>
+              <a:rPr lang="pt-BR" sz="1200" dirty="0">
+                <a:solidFill>
+                  <a:srgbClr val="000000"/>
+                </a:solidFill>
+                <a:latin typeface="Courier New" panose="02070309020205020404" pitchFamily="49" charset="0"/>
+              </a:rPr>
+              <a:t>(y); </a:t>
+            </a:r>
+          </a:p>
+          <a:p>
+            <a:pPr lvl="1"/>
+            <a:r>
+              <a:rPr lang="pt-BR" sz="1200" dirty="0" err="1">
+                <a:solidFill>
+                  <a:srgbClr val="000000"/>
+                </a:solidFill>
+                <a:latin typeface="Courier New" panose="02070309020205020404" pitchFamily="49" charset="0"/>
+              </a:rPr>
+              <a:t>X_otimo</a:t>
+            </a:r>
+            <a:r>
+              <a:rPr lang="pt-BR" sz="1200" dirty="0">
+                <a:solidFill>
+                  <a:srgbClr val="000000"/>
+                </a:solidFill>
+                <a:latin typeface="Courier New" panose="02070309020205020404" pitchFamily="49" charset="0"/>
+              </a:rPr>
+              <a:t>=zeros(1,T);</a:t>
+            </a:r>
+          </a:p>
+          <a:p>
+            <a:pPr lvl="1"/>
+            <a:r>
+              <a:rPr lang="pt-BR" sz="1200" dirty="0" err="1">
+                <a:solidFill>
+                  <a:srgbClr val="000000"/>
+                </a:solidFill>
+                <a:latin typeface="Courier New" panose="02070309020205020404" pitchFamily="49" charset="0"/>
+              </a:rPr>
+              <a:t>Q_otimo</a:t>
+            </a:r>
+            <a:r>
+              <a:rPr lang="pt-BR" sz="1200" dirty="0">
+                <a:solidFill>
+                  <a:srgbClr val="000000"/>
+                </a:solidFill>
+                <a:latin typeface="Courier New" panose="02070309020205020404" pitchFamily="49" charset="0"/>
+              </a:rPr>
+              <a:t>=zeros(1,T);</a:t>
+            </a:r>
+          </a:p>
+          <a:p>
+            <a:pPr lvl="1"/>
+            <a:r>
+              <a:rPr lang="pt-BR" sz="1200" dirty="0" err="1">
+                <a:solidFill>
+                  <a:srgbClr val="000000"/>
+                </a:solidFill>
+                <a:latin typeface="Courier New" panose="02070309020205020404" pitchFamily="49" charset="0"/>
+              </a:rPr>
+              <a:t>G_otimo</a:t>
+            </a:r>
+            <a:r>
+              <a:rPr lang="pt-BR" sz="1200" dirty="0">
+                <a:solidFill>
+                  <a:srgbClr val="000000"/>
+                </a:solidFill>
+                <a:latin typeface="Courier New" panose="02070309020205020404" pitchFamily="49" charset="0"/>
+              </a:rPr>
+              <a:t>=zeros(1,T);</a:t>
+            </a:r>
+          </a:p>
+          <a:p>
+            <a:pPr lvl="1"/>
+            <a:r>
+              <a:rPr lang="pt-BR" sz="1200" dirty="0" err="1">
+                <a:solidFill>
+                  <a:srgbClr val="000000"/>
+                </a:solidFill>
+                <a:latin typeface="Courier New" panose="02070309020205020404" pitchFamily="49" charset="0"/>
+              </a:rPr>
+              <a:t>Vertimento_otimo</a:t>
+            </a:r>
+            <a:r>
+              <a:rPr lang="pt-BR" sz="1200" dirty="0">
+                <a:solidFill>
+                  <a:srgbClr val="000000"/>
+                </a:solidFill>
+                <a:latin typeface="Courier New" panose="02070309020205020404" pitchFamily="49" charset="0"/>
+              </a:rPr>
+              <a:t>=zeros(1,T);</a:t>
+            </a:r>
+          </a:p>
+          <a:p>
+            <a:r>
+              <a:rPr lang="de-DE" sz="1200" dirty="0">
+                <a:solidFill>
+                  <a:srgbClr val="000000"/>
+                </a:solidFill>
+                <a:latin typeface="Courier New" panose="02070309020205020404" pitchFamily="49" charset="0"/>
+              </a:rPr>
+              <a:t>	x=[</a:t>
+            </a:r>
+            <a:r>
+              <a:rPr lang="pt-BR" sz="1200" dirty="0" err="1">
+                <a:solidFill>
+                  <a:srgbClr val="000000"/>
+                </a:solidFill>
+                <a:latin typeface="Courier New" panose="02070309020205020404" pitchFamily="49" charset="0"/>
+              </a:rPr>
+              <a:t>X_otimo</a:t>
+            </a:r>
+            <a:r>
+              <a:rPr lang="pt-BR" sz="1200" dirty="0">
+                <a:solidFill>
+                  <a:srgbClr val="000000"/>
+                </a:solidFill>
+                <a:latin typeface="Courier New" panose="02070309020205020404" pitchFamily="49" charset="0"/>
+              </a:rPr>
+              <a:t> </a:t>
+            </a:r>
+            <a:r>
+              <a:rPr lang="pt-BR" sz="1200" dirty="0" err="1">
+                <a:solidFill>
+                  <a:srgbClr val="000000"/>
+                </a:solidFill>
+                <a:latin typeface="Courier New" panose="02070309020205020404" pitchFamily="49" charset="0"/>
+              </a:rPr>
+              <a:t>Q_otimo</a:t>
+            </a:r>
+            <a:r>
+              <a:rPr lang="pt-BR" sz="1200" dirty="0">
+                <a:solidFill>
+                  <a:srgbClr val="000000"/>
+                </a:solidFill>
+                <a:latin typeface="Courier New" panose="02070309020205020404" pitchFamily="49" charset="0"/>
+              </a:rPr>
+              <a:t> </a:t>
+            </a:r>
+            <a:r>
+              <a:rPr lang="pt-BR" sz="1200" dirty="0" err="1">
+                <a:solidFill>
+                  <a:srgbClr val="000000"/>
+                </a:solidFill>
+                <a:latin typeface="Courier New" panose="02070309020205020404" pitchFamily="49" charset="0"/>
+              </a:rPr>
+              <a:t>G_otimo</a:t>
+            </a:r>
+            <a:r>
+              <a:rPr lang="pt-BR" sz="1200" dirty="0">
+                <a:solidFill>
+                  <a:srgbClr val="000000"/>
+                </a:solidFill>
+                <a:latin typeface="Courier New" panose="02070309020205020404" pitchFamily="49" charset="0"/>
+              </a:rPr>
+              <a:t> </a:t>
+            </a:r>
+            <a:r>
+              <a:rPr lang="pt-BR" sz="1200" dirty="0" err="1">
+                <a:solidFill>
+                  <a:srgbClr val="000000"/>
+                </a:solidFill>
+                <a:latin typeface="Courier New" panose="02070309020205020404" pitchFamily="49" charset="0"/>
+              </a:rPr>
+              <a:t>Vertimento_otimo</a:t>
+            </a:r>
+            <a:r>
+              <a:rPr lang="de-DE" sz="1200" dirty="0">
+                <a:solidFill>
+                  <a:srgbClr val="000000"/>
+                </a:solidFill>
+                <a:latin typeface="Courier New" panose="02070309020205020404" pitchFamily="49" charset="0"/>
+              </a:rPr>
+              <a:t>];</a:t>
+            </a:r>
+          </a:p>
+          <a:p>
+            <a:r>
+              <a:rPr lang="de-DE" sz="1200" dirty="0">
+                <a:solidFill>
+                  <a:srgbClr val="000000"/>
+                </a:solidFill>
+                <a:latin typeface="Courier New" panose="02070309020205020404" pitchFamily="49" charset="0"/>
+              </a:rPr>
+              <a:t>.</a:t>
+            </a:r>
+          </a:p>
+          <a:p>
+            <a:r>
+              <a:rPr lang="de-DE" sz="1200" dirty="0">
+                <a:solidFill>
+                  <a:srgbClr val="000000"/>
+                </a:solidFill>
+                <a:latin typeface="Courier New" panose="02070309020205020404" pitchFamily="49" charset="0"/>
+              </a:rPr>
+              <a:t>.</a:t>
+            </a:r>
+          </a:p>
+          <a:p>
+            <a:r>
+              <a:rPr lang="de-DE" sz="1200" dirty="0">
+                <a:solidFill>
+                  <a:srgbClr val="000000"/>
+                </a:solidFill>
+                <a:latin typeface="Courier New" panose="02070309020205020404" pitchFamily="49" charset="0"/>
+              </a:rPr>
+              <a:t>.</a:t>
+            </a:r>
+          </a:p>
+          <a:p>
+            <a:pPr lvl="1"/>
+            <a:r>
+              <a:rPr lang="pt-BR" sz="1200" dirty="0" err="1">
+                <a:solidFill>
+                  <a:srgbClr val="000000"/>
+                </a:solidFill>
+                <a:latin typeface="Courier New" panose="02070309020205020404" pitchFamily="49" charset="0"/>
+              </a:rPr>
+              <a:t>mes</a:t>
+            </a:r>
+            <a:r>
+              <a:rPr lang="pt-BR" sz="1200" dirty="0">
+                <a:solidFill>
+                  <a:srgbClr val="000000"/>
+                </a:solidFill>
+                <a:latin typeface="Courier New" panose="02070309020205020404" pitchFamily="49" charset="0"/>
+              </a:rPr>
+              <a:t>=mes+1;</a:t>
+            </a:r>
+          </a:p>
+          <a:p>
+            <a:pPr lvl="1"/>
+            <a:r>
+              <a:rPr lang="pt-BR" sz="1200" dirty="0" err="1">
+                <a:solidFill>
+                  <a:srgbClr val="0000FF"/>
+                </a:solidFill>
+                <a:latin typeface="Courier New" panose="02070309020205020404" pitchFamily="49" charset="0"/>
+              </a:rPr>
+              <a:t>if</a:t>
+            </a:r>
+            <a:r>
+              <a:rPr lang="pt-BR" sz="1200" dirty="0">
+                <a:solidFill>
+                  <a:srgbClr val="000000"/>
+                </a:solidFill>
+                <a:latin typeface="Courier New" panose="02070309020205020404" pitchFamily="49" charset="0"/>
+              </a:rPr>
+              <a:t>(</a:t>
+            </a:r>
+            <a:r>
+              <a:rPr lang="pt-BR" sz="1200" dirty="0" err="1">
+                <a:solidFill>
+                  <a:srgbClr val="000000"/>
+                </a:solidFill>
+                <a:latin typeface="Courier New" panose="02070309020205020404" pitchFamily="49" charset="0"/>
+              </a:rPr>
+              <a:t>mes</a:t>
+            </a:r>
+            <a:r>
+              <a:rPr lang="pt-BR" sz="1200" dirty="0">
+                <a:solidFill>
+                  <a:srgbClr val="000000"/>
+                </a:solidFill>
+                <a:latin typeface="Courier New" panose="02070309020205020404" pitchFamily="49" charset="0"/>
+              </a:rPr>
+              <a:t>&gt;12)</a:t>
+            </a:r>
+          </a:p>
+          <a:p>
+            <a:pPr lvl="1"/>
+            <a:r>
+              <a:rPr lang="pt-BR" sz="1200" dirty="0">
+                <a:solidFill>
+                  <a:srgbClr val="000000"/>
+                </a:solidFill>
+                <a:latin typeface="Courier New" panose="02070309020205020404" pitchFamily="49" charset="0"/>
+              </a:rPr>
+              <a:t>	</a:t>
+            </a:r>
+            <a:r>
+              <a:rPr lang="pt-BR" sz="1200" dirty="0" err="1">
+                <a:solidFill>
+                  <a:srgbClr val="000000"/>
+                </a:solidFill>
+                <a:latin typeface="Courier New" panose="02070309020205020404" pitchFamily="49" charset="0"/>
+              </a:rPr>
+              <a:t>mes</a:t>
+            </a:r>
+            <a:r>
+              <a:rPr lang="pt-BR" sz="1200" dirty="0">
+                <a:solidFill>
+                  <a:srgbClr val="000000"/>
+                </a:solidFill>
+                <a:latin typeface="Courier New" panose="02070309020205020404" pitchFamily="49" charset="0"/>
+              </a:rPr>
+              <a:t>=1;</a:t>
+            </a:r>
+          </a:p>
+          <a:p>
+            <a:pPr lvl="1"/>
+            <a:r>
+              <a:rPr lang="pt-BR" sz="1200" dirty="0" err="1">
+                <a:solidFill>
+                  <a:srgbClr val="0000FF"/>
+                </a:solidFill>
+                <a:latin typeface="Courier New" panose="02070309020205020404" pitchFamily="49" charset="0"/>
+              </a:rPr>
+              <a:t>end</a:t>
+            </a:r>
+            <a:endParaRPr lang="pt-BR" sz="1200" dirty="0">
+              <a:solidFill>
+                <a:srgbClr val="0000FF"/>
+              </a:solidFill>
+              <a:latin typeface="Courier New" panose="02070309020205020404" pitchFamily="49" charset="0"/>
+            </a:endParaRPr>
+          </a:p>
+          <a:p>
+            <a:r>
+              <a:rPr lang="de-DE" sz="1200" dirty="0">
+                <a:solidFill>
+                  <a:srgbClr val="0000FF"/>
+                </a:solidFill>
+                <a:latin typeface="Courier New" panose="02070309020205020404" pitchFamily="49" charset="0"/>
+              </a:rPr>
+              <a:t>end</a:t>
+            </a:r>
+          </a:p>
+        </p:txBody>
+      </p:sp>
     </p:spTree>
     <p:extLst>
       <p:ext uri="{BB962C8B-B14F-4D97-AF65-F5344CB8AC3E}">
-        <p14:creationId xmlns:p14="http://schemas.microsoft.com/office/powerpoint/2010/main" val="2039114022"/>
+        <p14:creationId xmlns:p14="http://schemas.microsoft.com/office/powerpoint/2010/main" val="1015259868"/>
       </p:ext>
     </p:extLst>
   </p:cSld>
@@ -22342,10 +22459,10 @@
       </p:sp>
       <p:sp>
         <p:nvSpPr>
-          <p:cNvPr id="7" name="Retângulo 6">
-            <a:extLst>
-              <a:ext uri="{FF2B5EF4-FFF2-40B4-BE49-F238E27FC236}">
-                <a16:creationId xmlns:a16="http://schemas.microsoft.com/office/drawing/2014/main" id="{D99939A2-AB74-4F2F-A9D1-647CF7B86983}"/>
+          <p:cNvPr id="8" name="Retângulo 7">
+            <a:extLst>
+              <a:ext uri="{FF2B5EF4-FFF2-40B4-BE49-F238E27FC236}">
+                <a16:creationId xmlns:a16="http://schemas.microsoft.com/office/drawing/2014/main" id="{31131A16-EB51-45B1-9031-0A2E273698D4}"/>
               </a:ext>
             </a:extLst>
           </p:cNvPr>
@@ -22354,27 +22471,235 @@
         </p:nvSpPr>
         <p:spPr>
           <a:xfrm>
-            <a:off x="3048000" y="2268201"/>
-            <a:ext cx="6096000" cy="3600986"/>
+            <a:off x="2093280" y="2453301"/>
+            <a:ext cx="8005439" cy="3785652"/>
           </a:xfrm>
           <a:prstGeom prst="rect">
             <a:avLst/>
           </a:prstGeom>
         </p:spPr>
         <p:txBody>
-          <a:bodyPr>
+          <a:bodyPr wrap="square">
             <a:spAutoFit/>
           </a:bodyPr>
           <a:lstStyle/>
           <a:p>
             <a:r>
+              <a:rPr lang="pt-BR" sz="1200" dirty="0">
+                <a:solidFill>
+                  <a:srgbClr val="000000"/>
+                </a:solidFill>
+                <a:latin typeface="Courier New" panose="02070309020205020404" pitchFamily="49" charset="0"/>
+              </a:rPr>
+              <a:t>    </a:t>
+            </a:r>
+            <a:r>
+              <a:rPr lang="pt-BR" sz="1200" dirty="0">
+                <a:solidFill>
+                  <a:srgbClr val="228B22"/>
+                </a:solidFill>
+                <a:latin typeface="Courier New" panose="02070309020205020404" pitchFamily="49" charset="0"/>
+              </a:rPr>
+              <a:t>%===============DEFINIÇÃO DE LIMITES========================</a:t>
+            </a:r>
+          </a:p>
+          <a:p>
+            <a:r>
+              <a:rPr lang="de-DE" sz="1200" dirty="0">
+                <a:solidFill>
+                  <a:srgbClr val="000000"/>
+                </a:solidFill>
+                <a:latin typeface="Courier New" panose="02070309020205020404" pitchFamily="49" charset="0"/>
+              </a:rPr>
+              <a:t>    lb = [Xmin*ones(1,T) qmin*ones(1,T) zeros(1,T) zeros(1,T)];</a:t>
+            </a:r>
+          </a:p>
+          <a:p>
+            <a:r>
+              <a:rPr lang="fr-FR" sz="1200" dirty="0">
+                <a:solidFill>
+                  <a:srgbClr val="000000"/>
+                </a:solidFill>
+                <a:latin typeface="Courier New" panose="02070309020205020404" pitchFamily="49" charset="0"/>
+              </a:rPr>
+              <a:t>    </a:t>
+            </a:r>
+            <a:r>
+              <a:rPr lang="fr-FR" sz="1200" dirty="0" err="1">
+                <a:solidFill>
+                  <a:srgbClr val="000000"/>
+                </a:solidFill>
+                <a:latin typeface="Courier New" panose="02070309020205020404" pitchFamily="49" charset="0"/>
+              </a:rPr>
+              <a:t>ub</a:t>
+            </a:r>
+            <a:r>
+              <a:rPr lang="fr-FR" sz="1200" dirty="0">
+                <a:solidFill>
+                  <a:srgbClr val="000000"/>
+                </a:solidFill>
+                <a:latin typeface="Courier New" panose="02070309020205020404" pitchFamily="49" charset="0"/>
+              </a:rPr>
+              <a:t> = [</a:t>
+            </a:r>
+            <a:r>
+              <a:rPr lang="fr-FR" sz="1200" dirty="0" err="1">
+                <a:solidFill>
+                  <a:srgbClr val="000000"/>
+                </a:solidFill>
+                <a:latin typeface="Courier New" panose="02070309020205020404" pitchFamily="49" charset="0"/>
+              </a:rPr>
+              <a:t>Xmax</a:t>
+            </a:r>
+            <a:r>
+              <a:rPr lang="fr-FR" sz="1200" dirty="0">
+                <a:solidFill>
+                  <a:srgbClr val="000000"/>
+                </a:solidFill>
+                <a:latin typeface="Courier New" panose="02070309020205020404" pitchFamily="49" charset="0"/>
+              </a:rPr>
+              <a:t>*</a:t>
+            </a:r>
+            <a:r>
+              <a:rPr lang="fr-FR" sz="1200" dirty="0" err="1">
+                <a:solidFill>
+                  <a:srgbClr val="000000"/>
+                </a:solidFill>
+                <a:latin typeface="Courier New" panose="02070309020205020404" pitchFamily="49" charset="0"/>
+              </a:rPr>
+              <a:t>ones</a:t>
+            </a:r>
+            <a:r>
+              <a:rPr lang="fr-FR" sz="1200" dirty="0">
+                <a:solidFill>
+                  <a:srgbClr val="000000"/>
+                </a:solidFill>
+                <a:latin typeface="Courier New" panose="02070309020205020404" pitchFamily="49" charset="0"/>
+              </a:rPr>
+              <a:t>(1,T) </a:t>
+            </a:r>
+            <a:r>
+              <a:rPr lang="fr-FR" sz="1200" dirty="0" err="1">
+                <a:solidFill>
+                  <a:srgbClr val="000000"/>
+                </a:solidFill>
+                <a:latin typeface="Courier New" panose="02070309020205020404" pitchFamily="49" charset="0"/>
+              </a:rPr>
+              <a:t>qmax</a:t>
+            </a:r>
+            <a:r>
+              <a:rPr lang="fr-FR" sz="1200" dirty="0">
+                <a:solidFill>
+                  <a:srgbClr val="000000"/>
+                </a:solidFill>
+                <a:latin typeface="Courier New" panose="02070309020205020404" pitchFamily="49" charset="0"/>
+              </a:rPr>
+              <a:t>*</a:t>
+            </a:r>
+            <a:r>
+              <a:rPr lang="fr-FR" sz="1200" dirty="0" err="1">
+                <a:solidFill>
+                  <a:srgbClr val="000000"/>
+                </a:solidFill>
+                <a:latin typeface="Courier New" panose="02070309020205020404" pitchFamily="49" charset="0"/>
+              </a:rPr>
+              <a:t>ones</a:t>
+            </a:r>
+            <a:r>
+              <a:rPr lang="fr-FR" sz="1200" dirty="0">
+                <a:solidFill>
+                  <a:srgbClr val="000000"/>
+                </a:solidFill>
+                <a:latin typeface="Courier New" panose="02070309020205020404" pitchFamily="49" charset="0"/>
+              </a:rPr>
+              <a:t>(1,T) 1312*</a:t>
+            </a:r>
+            <a:r>
+              <a:rPr lang="fr-FR" sz="1200" dirty="0" err="1">
+                <a:solidFill>
+                  <a:srgbClr val="000000"/>
+                </a:solidFill>
+                <a:latin typeface="Courier New" panose="02070309020205020404" pitchFamily="49" charset="0"/>
+              </a:rPr>
+              <a:t>ones</a:t>
+            </a:r>
+            <a:r>
+              <a:rPr lang="fr-FR" sz="1200" dirty="0">
+                <a:solidFill>
+                  <a:srgbClr val="000000"/>
+                </a:solidFill>
+                <a:latin typeface="Courier New" panose="02070309020205020404" pitchFamily="49" charset="0"/>
+              </a:rPr>
+              <a:t>(1,T) 9999*</a:t>
+            </a:r>
+            <a:r>
+              <a:rPr lang="fr-FR" sz="1200" dirty="0" err="1">
+                <a:solidFill>
+                  <a:srgbClr val="000000"/>
+                </a:solidFill>
+                <a:latin typeface="Courier New" panose="02070309020205020404" pitchFamily="49" charset="0"/>
+              </a:rPr>
+              <a:t>ones</a:t>
+            </a:r>
+            <a:r>
+              <a:rPr lang="fr-FR" sz="1200" dirty="0">
+                <a:solidFill>
+                  <a:srgbClr val="000000"/>
+                </a:solidFill>
+                <a:latin typeface="Courier New" panose="02070309020205020404" pitchFamily="49" charset="0"/>
+              </a:rPr>
+              <a:t>(1,T)];    </a:t>
+            </a:r>
+          </a:p>
+          <a:p>
+            <a:r>
+              <a:rPr lang="pt-BR" sz="1200" dirty="0">
+                <a:solidFill>
+                  <a:srgbClr val="000000"/>
+                </a:solidFill>
+                <a:latin typeface="Courier New" panose="02070309020205020404" pitchFamily="49" charset="0"/>
+              </a:rPr>
+              <a:t>    </a:t>
+            </a:r>
+          </a:p>
+          <a:p>
+            <a:r>
+              <a:rPr lang="pt-BR" sz="1200" dirty="0">
+                <a:solidFill>
+                  <a:srgbClr val="000000"/>
+                </a:solidFill>
+                <a:latin typeface="Courier New" panose="02070309020205020404" pitchFamily="49" charset="0"/>
+              </a:rPr>
+              <a:t>    </a:t>
+            </a:r>
+            <a:r>
+              <a:rPr lang="pt-BR" sz="1200" dirty="0">
+                <a:solidFill>
+                  <a:srgbClr val="228B22"/>
+                </a:solidFill>
+                <a:latin typeface="Courier New" panose="02070309020205020404" pitchFamily="49" charset="0"/>
+              </a:rPr>
+              <a:t>%===========DEFINIÇÃO DE RESTRIÇÕES LINEARES================</a:t>
+            </a:r>
+          </a:p>
+          <a:p>
+            <a:r>
+              <a:rPr lang="pt-BR" sz="1200" dirty="0">
+                <a:solidFill>
+                  <a:srgbClr val="000000"/>
+                </a:solidFill>
+                <a:latin typeface="Courier New" panose="02070309020205020404" pitchFamily="49" charset="0"/>
+              </a:rPr>
+              <a:t>    </a:t>
+            </a:r>
+            <a:r>
               <a:rPr lang="pt-BR" sz="1200" dirty="0" err="1">
                 <a:solidFill>
                   <a:srgbClr val="000000"/>
                 </a:solidFill>
                 <a:latin typeface="Courier New" panose="02070309020205020404" pitchFamily="49" charset="0"/>
               </a:rPr>
-              <a:t>mes</a:t>
+              <a:t>Aeq</a:t>
             </a:r>
             <a:r>
               <a:rPr lang="pt-BR" sz="1200" dirty="0">
@@ -22383,13 +22708,80 @@
                 </a:solidFill>
                 <a:latin typeface="Courier New" panose="02070309020205020404" pitchFamily="49" charset="0"/>
               </a:rPr>
-              <a:t>=1;</a:t>
-            </a:r>
-          </a:p>
-          <a:p>
+              <a:t>=zeros(T+1,4*T); </a:t>
+            </a:r>
             <a:r>
               <a:rPr lang="pt-BR" sz="1200" dirty="0">
                 <a:solidFill>
+                  <a:srgbClr val="228B22"/>
+                </a:solidFill>
+                <a:latin typeface="Courier New" panose="02070309020205020404" pitchFamily="49" charset="0"/>
+              </a:rPr>
+              <a:t>%T restrições de transição de estado e 1 de condição inicial</a:t>
+            </a:r>
+          </a:p>
+          <a:p>
+            <a:r>
+              <a:rPr lang="pt-BR" sz="1200" dirty="0">
+                <a:solidFill>
+                  <a:srgbClr val="000000"/>
+                </a:solidFill>
+                <a:latin typeface="Courier New" panose="02070309020205020404" pitchFamily="49" charset="0"/>
+              </a:rPr>
+              <a:t>    </a:t>
+            </a:r>
+            <a:r>
+              <a:rPr lang="pt-BR" sz="1200" dirty="0" err="1">
+                <a:solidFill>
+                  <a:srgbClr val="000000"/>
+                </a:solidFill>
+                <a:latin typeface="Courier New" panose="02070309020205020404" pitchFamily="49" charset="0"/>
+              </a:rPr>
+              <a:t>beq</a:t>
+            </a:r>
+            <a:r>
+              <a:rPr lang="pt-BR" sz="1200" dirty="0">
+                <a:solidFill>
+                  <a:srgbClr val="000000"/>
+                </a:solidFill>
+                <a:latin typeface="Courier New" panose="02070309020205020404" pitchFamily="49" charset="0"/>
+              </a:rPr>
+              <a:t>=zeros(T+1,1);</a:t>
+            </a:r>
+          </a:p>
+          <a:p>
+            <a:r>
+              <a:rPr lang="pt-BR" sz="1200" dirty="0">
+                <a:solidFill>
+                  <a:srgbClr val="000000"/>
+                </a:solidFill>
+                <a:latin typeface="Courier New" panose="02070309020205020404" pitchFamily="49" charset="0"/>
+              </a:rPr>
+              <a:t>    </a:t>
+            </a:r>
+            <a:r>
+              <a:rPr lang="pt-BR" sz="1200" dirty="0">
+                <a:solidFill>
+                  <a:srgbClr val="228B22"/>
+                </a:solidFill>
+                <a:latin typeface="Courier New" panose="02070309020205020404" pitchFamily="49" charset="0"/>
+              </a:rPr>
+              <a:t>%x(t+1)-x(t)+beta*q(t)+beta*v(t)=beta*y(t) transição de estado</a:t>
+            </a:r>
+          </a:p>
+          <a:p>
+            <a:r>
+              <a:rPr lang="pt-BR" sz="1200" dirty="0">
+                <a:solidFill>
+                  <a:srgbClr val="000000"/>
+                </a:solidFill>
+                <a:latin typeface="Courier New" panose="02070309020205020404" pitchFamily="49" charset="0"/>
+              </a:rPr>
+              <a:t>    </a:t>
+            </a:r>
+            <a:r>
+              <a:rPr lang="pt-BR" sz="1200" dirty="0">
+                <a:solidFill>
                   <a:srgbClr val="0000FF"/>
                 </a:solidFill>
                 <a:latin typeface="Courier New" panose="02070309020205020404" pitchFamily="49" charset="0"/>
@@ -22403,7 +22795,7 @@
                 </a:solidFill>
                 <a:latin typeface="Courier New" panose="02070309020205020404" pitchFamily="49" charset="0"/>
               </a:rPr>
-              <a:t> i=1:1:T_HISTORICO</a:t>
+              <a:t> t=1:1:T</a:t>
             </a:r>
           </a:p>
           <a:p>
@@ -22414,418 +22806,252 @@
                 </a:solidFill>
                 <a:latin typeface="Courier New" panose="02070309020205020404" pitchFamily="49" charset="0"/>
               </a:rPr>
+              <a:t>        </a:t>
+            </a:r>
+            <a:r>
+              <a:rPr lang="pt-BR" sz="1200" dirty="0" err="1">
+                <a:solidFill>
+                  <a:srgbClr val="000000"/>
+                </a:solidFill>
+                <a:latin typeface="Courier New" panose="02070309020205020404" pitchFamily="49" charset="0"/>
+              </a:rPr>
+              <a:t>Aeq</a:t>
+            </a:r>
+            <a:r>
+              <a:rPr lang="pt-BR" sz="1200" dirty="0">
+                <a:solidFill>
+                  <a:srgbClr val="000000"/>
+                </a:solidFill>
+                <a:latin typeface="Courier New" panose="02070309020205020404" pitchFamily="49" charset="0"/>
+              </a:rPr>
+              <a:t>(t,t+1)=1; </a:t>
+            </a:r>
+            <a:r>
+              <a:rPr lang="pt-BR" sz="1200" dirty="0">
+                <a:solidFill>
+                  <a:srgbClr val="228B22"/>
+                </a:solidFill>
+                <a:latin typeface="Courier New" panose="02070309020205020404" pitchFamily="49" charset="0"/>
+              </a:rPr>
+              <a:t>%x(t+1)</a:t>
+            </a:r>
+          </a:p>
+          <a:p>
+            <a:r>
+              <a:rPr lang="pt-BR" sz="1200" dirty="0">
+                <a:solidFill>
+                  <a:srgbClr val="000000"/>
+                </a:solidFill>
+                <a:latin typeface="Courier New" panose="02070309020205020404" pitchFamily="49" charset="0"/>
+              </a:rPr>
+              <a:t>        </a:t>
+            </a:r>
+            <a:r>
+              <a:rPr lang="pt-BR" sz="1200" dirty="0" err="1">
+                <a:solidFill>
+                  <a:srgbClr val="000000"/>
+                </a:solidFill>
+                <a:latin typeface="Courier New" panose="02070309020205020404" pitchFamily="49" charset="0"/>
+              </a:rPr>
+              <a:t>Aeq</a:t>
+            </a:r>
+            <a:r>
+              <a:rPr lang="pt-BR" sz="1200" dirty="0">
+                <a:solidFill>
+                  <a:srgbClr val="000000"/>
+                </a:solidFill>
+                <a:latin typeface="Courier New" panose="02070309020205020404" pitchFamily="49" charset="0"/>
+              </a:rPr>
+              <a:t>(</a:t>
+            </a:r>
+            <a:r>
+              <a:rPr lang="pt-BR" sz="1200" dirty="0" err="1">
+                <a:solidFill>
+                  <a:srgbClr val="000000"/>
+                </a:solidFill>
+                <a:latin typeface="Courier New" panose="02070309020205020404" pitchFamily="49" charset="0"/>
+              </a:rPr>
+              <a:t>t,t</a:t>
+            </a:r>
+            <a:r>
+              <a:rPr lang="pt-BR" sz="1200" dirty="0">
+                <a:solidFill>
+                  <a:srgbClr val="000000"/>
+                </a:solidFill>
+                <a:latin typeface="Courier New" panose="02070309020205020404" pitchFamily="49" charset="0"/>
+              </a:rPr>
+              <a:t>)=-1; </a:t>
+            </a:r>
+            <a:r>
+              <a:rPr lang="pt-BR" sz="1200" dirty="0">
+                <a:solidFill>
+                  <a:srgbClr val="228B22"/>
+                </a:solidFill>
+                <a:latin typeface="Courier New" panose="02070309020205020404" pitchFamily="49" charset="0"/>
+              </a:rPr>
+              <a:t>%x(t)</a:t>
+            </a:r>
+          </a:p>
+          <a:p>
+            <a:r>
+              <a:rPr lang="pt-BR" sz="1200" dirty="0">
+                <a:solidFill>
+                  <a:srgbClr val="000000"/>
+                </a:solidFill>
+                <a:latin typeface="Courier New" panose="02070309020205020404" pitchFamily="49" charset="0"/>
+              </a:rPr>
+              <a:t>        </a:t>
+            </a:r>
+            <a:r>
+              <a:rPr lang="pt-BR" sz="1200" dirty="0" err="1">
+                <a:solidFill>
+                  <a:srgbClr val="000000"/>
+                </a:solidFill>
+                <a:latin typeface="Courier New" panose="02070309020205020404" pitchFamily="49" charset="0"/>
+              </a:rPr>
+              <a:t>Aeq</a:t>
+            </a:r>
+            <a:r>
+              <a:rPr lang="pt-BR" sz="1200" dirty="0">
+                <a:solidFill>
+                  <a:srgbClr val="000000"/>
+                </a:solidFill>
+                <a:latin typeface="Courier New" panose="02070309020205020404" pitchFamily="49" charset="0"/>
+              </a:rPr>
+              <a:t>(</a:t>
+            </a:r>
+            <a:r>
+              <a:rPr lang="pt-BR" sz="1200" dirty="0" err="1">
+                <a:solidFill>
+                  <a:srgbClr val="000000"/>
+                </a:solidFill>
+                <a:latin typeface="Courier New" panose="02070309020205020404" pitchFamily="49" charset="0"/>
+              </a:rPr>
+              <a:t>t,t+T</a:t>
+            </a:r>
+            <a:r>
+              <a:rPr lang="pt-BR" sz="1200" dirty="0">
+                <a:solidFill>
+                  <a:srgbClr val="000000"/>
+                </a:solidFill>
+                <a:latin typeface="Courier New" panose="02070309020205020404" pitchFamily="49" charset="0"/>
+              </a:rPr>
+              <a:t>)=beta; </a:t>
+            </a:r>
+            <a:r>
+              <a:rPr lang="pt-BR" sz="1200" dirty="0">
+                <a:solidFill>
+                  <a:srgbClr val="228B22"/>
+                </a:solidFill>
+                <a:latin typeface="Courier New" panose="02070309020205020404" pitchFamily="49" charset="0"/>
+              </a:rPr>
+              <a:t>%q(t)</a:t>
+            </a:r>
+          </a:p>
+          <a:p>
+            <a:r>
+              <a:rPr lang="pt-BR" sz="1200" dirty="0">
+                <a:solidFill>
+                  <a:srgbClr val="000000"/>
+                </a:solidFill>
+                <a:latin typeface="Courier New" panose="02070309020205020404" pitchFamily="49" charset="0"/>
+              </a:rPr>
+              <a:t>        </a:t>
+            </a:r>
+            <a:r>
+              <a:rPr lang="pt-BR" sz="1200" dirty="0" err="1">
+                <a:solidFill>
+                  <a:srgbClr val="000000"/>
+                </a:solidFill>
+                <a:latin typeface="Courier New" panose="02070309020205020404" pitchFamily="49" charset="0"/>
+              </a:rPr>
+              <a:t>Aeq</a:t>
+            </a:r>
+            <a:r>
+              <a:rPr lang="pt-BR" sz="1200" dirty="0">
+                <a:solidFill>
+                  <a:srgbClr val="000000"/>
+                </a:solidFill>
+                <a:latin typeface="Courier New" panose="02070309020205020404" pitchFamily="49" charset="0"/>
+              </a:rPr>
+              <a:t>(t,t+3*T)=beta; </a:t>
+            </a:r>
+            <a:r>
+              <a:rPr lang="pt-BR" sz="1200" dirty="0">
+                <a:solidFill>
+                  <a:srgbClr val="228B22"/>
+                </a:solidFill>
+                <a:latin typeface="Courier New" panose="02070309020205020404" pitchFamily="49" charset="0"/>
+              </a:rPr>
+              <a:t>%</a:t>
+            </a:r>
+            <a:r>
+              <a:rPr lang="pt-BR" sz="1200" dirty="0" err="1">
+                <a:solidFill>
+                  <a:srgbClr val="228B22"/>
+                </a:solidFill>
+                <a:latin typeface="Courier New" panose="02070309020205020404" pitchFamily="49" charset="0"/>
+              </a:rPr>
+              <a:t>vertimento</a:t>
+            </a:r>
+            <a:r>
+              <a:rPr lang="pt-BR" sz="1200" dirty="0">
+                <a:solidFill>
+                  <a:srgbClr val="228B22"/>
+                </a:solidFill>
+                <a:latin typeface="Courier New" panose="02070309020205020404" pitchFamily="49" charset="0"/>
+              </a:rPr>
+              <a:t>(t)</a:t>
+            </a:r>
+          </a:p>
+          <a:p>
+            <a:r>
+              <a:rPr lang="fr-FR" sz="1200" dirty="0">
+                <a:solidFill>
+                  <a:srgbClr val="000000"/>
+                </a:solidFill>
+                <a:latin typeface="Courier New" panose="02070309020205020404" pitchFamily="49" charset="0"/>
+              </a:rPr>
+              <a:t>        </a:t>
+            </a:r>
+            <a:r>
+              <a:rPr lang="fr-FR" sz="1200" dirty="0" err="1">
+                <a:solidFill>
+                  <a:srgbClr val="000000"/>
+                </a:solidFill>
+                <a:latin typeface="Courier New" panose="02070309020205020404" pitchFamily="49" charset="0"/>
+              </a:rPr>
+              <a:t>beq</a:t>
+            </a:r>
+            <a:r>
+              <a:rPr lang="fr-FR" sz="1200" dirty="0">
+                <a:solidFill>
+                  <a:srgbClr val="000000"/>
+                </a:solidFill>
+                <a:latin typeface="Courier New" panose="02070309020205020404" pitchFamily="49" charset="0"/>
+              </a:rPr>
+              <a:t>(t,1)=beta*y(t); </a:t>
+            </a:r>
+            <a:r>
+              <a:rPr lang="fr-FR" sz="1200" dirty="0">
+                <a:solidFill>
+                  <a:srgbClr val="228B22"/>
+                </a:solidFill>
+                <a:latin typeface="Courier New" panose="02070309020205020404" pitchFamily="49" charset="0"/>
+              </a:rPr>
+              <a:t>%y(t)</a:t>
+            </a:r>
+          </a:p>
+          <a:p>
+            <a:r>
+              <a:rPr lang="pt-BR" sz="1200" dirty="0">
+                <a:solidFill>
+                  <a:srgbClr val="000000"/>
+                </a:solidFill>
+                <a:latin typeface="Courier New" panose="02070309020205020404" pitchFamily="49" charset="0"/>
+              </a:rPr>
               <a:t>    </a:t>
             </a:r>
-            <a:r>
-              <a:rPr lang="pt-BR" sz="1200" dirty="0">
-                <a:solidFill>
-                  <a:srgbClr val="228B22"/>
-                </a:solidFill>
-                <a:latin typeface="Courier New" panose="02070309020205020404" pitchFamily="49" charset="0"/>
-              </a:rPr>
-              <a:t>%===============DEFINIÇÃO DE VARIÁVEIS======================</a:t>
-            </a:r>
-          </a:p>
-          <a:p>
-            <a:pPr lvl="1"/>
-            <a:r>
-              <a:rPr lang="es-ES" sz="1200" dirty="0">
-                <a:solidFill>
-                  <a:srgbClr val="000000"/>
-                </a:solidFill>
-                <a:latin typeface="Courier New" panose="02070309020205020404" pitchFamily="49" charset="0"/>
-              </a:rPr>
-              <a:t>y=[Y_MLT </a:t>
-            </a:r>
-            <a:r>
-              <a:rPr lang="es-ES" sz="1200" dirty="0" err="1">
-                <a:solidFill>
-                  <a:srgbClr val="000000"/>
-                </a:solidFill>
-                <a:latin typeface="Courier New" panose="02070309020205020404" pitchFamily="49" charset="0"/>
-              </a:rPr>
-              <a:t>Y_MLT</a:t>
-            </a:r>
-            <a:r>
-              <a:rPr lang="es-ES" sz="1200" dirty="0">
-                <a:solidFill>
-                  <a:srgbClr val="000000"/>
-                </a:solidFill>
-                <a:latin typeface="Courier New" panose="02070309020205020404" pitchFamily="49" charset="0"/>
-              </a:rPr>
-              <a:t> </a:t>
-            </a:r>
-            <a:r>
-              <a:rPr lang="es-ES" sz="1200" dirty="0" err="1">
-                <a:solidFill>
-                  <a:srgbClr val="000000"/>
-                </a:solidFill>
-                <a:latin typeface="Courier New" panose="02070309020205020404" pitchFamily="49" charset="0"/>
-              </a:rPr>
-              <a:t>Y_MLT</a:t>
-            </a:r>
-            <a:r>
-              <a:rPr lang="es-ES" sz="1200" dirty="0">
-                <a:solidFill>
-                  <a:srgbClr val="000000"/>
-                </a:solidFill>
-                <a:latin typeface="Courier New" panose="02070309020205020404" pitchFamily="49" charset="0"/>
-              </a:rPr>
-              <a:t> Y_MLT];</a:t>
-            </a:r>
-          </a:p>
-          <a:p>
-            <a:pPr lvl="1"/>
-            <a:r>
-              <a:rPr lang="pt-BR" sz="1200" dirty="0">
-                <a:solidFill>
-                  <a:srgbClr val="000000"/>
-                </a:solidFill>
-                <a:latin typeface="Courier New" panose="02070309020205020404" pitchFamily="49" charset="0"/>
-              </a:rPr>
-              <a:t>y=y(</a:t>
-            </a:r>
-            <a:r>
-              <a:rPr lang="pt-BR" sz="1200" dirty="0" err="1">
-                <a:solidFill>
-                  <a:srgbClr val="000000"/>
-                </a:solidFill>
-                <a:latin typeface="Courier New" panose="02070309020205020404" pitchFamily="49" charset="0"/>
-              </a:rPr>
-              <a:t>mes:end</a:t>
-            </a:r>
-            <a:r>
-              <a:rPr lang="pt-BR" sz="1200" dirty="0">
-                <a:solidFill>
-                  <a:srgbClr val="000000"/>
-                </a:solidFill>
-                <a:latin typeface="Courier New" panose="02070309020205020404" pitchFamily="49" charset="0"/>
-              </a:rPr>
-              <a:t>);</a:t>
-            </a:r>
-          </a:p>
-          <a:p>
-            <a:pPr lvl="1"/>
-            <a:r>
-              <a:rPr lang="pt-BR" sz="1200" dirty="0">
-                <a:solidFill>
-                  <a:srgbClr val="000000"/>
-                </a:solidFill>
-                <a:latin typeface="Courier New" panose="02070309020205020404" pitchFamily="49" charset="0"/>
-              </a:rPr>
-              <a:t>T=</a:t>
-            </a:r>
-            <a:r>
-              <a:rPr lang="pt-BR" sz="1200" dirty="0" err="1">
-                <a:solidFill>
-                  <a:srgbClr val="000000"/>
-                </a:solidFill>
-                <a:latin typeface="Courier New" panose="02070309020205020404" pitchFamily="49" charset="0"/>
-              </a:rPr>
-              <a:t>length</a:t>
-            </a:r>
-            <a:r>
-              <a:rPr lang="pt-BR" sz="1200" dirty="0">
-                <a:solidFill>
-                  <a:srgbClr val="000000"/>
-                </a:solidFill>
-                <a:latin typeface="Courier New" panose="02070309020205020404" pitchFamily="49" charset="0"/>
-              </a:rPr>
-              <a:t>(y); </a:t>
-            </a:r>
-          </a:p>
-          <a:p>
-            <a:pPr lvl="1"/>
-            <a:r>
-              <a:rPr lang="pt-BR" sz="1200" dirty="0" err="1">
-                <a:solidFill>
-                  <a:srgbClr val="000000"/>
-                </a:solidFill>
-                <a:latin typeface="Courier New" panose="02070309020205020404" pitchFamily="49" charset="0"/>
-              </a:rPr>
-              <a:t>X_otimo</a:t>
-            </a:r>
-            <a:r>
-              <a:rPr lang="pt-BR" sz="1200" dirty="0">
-                <a:solidFill>
-                  <a:srgbClr val="000000"/>
-                </a:solidFill>
-                <a:latin typeface="Courier New" panose="02070309020205020404" pitchFamily="49" charset="0"/>
-              </a:rPr>
-              <a:t>=zeros(1,T);</a:t>
-            </a:r>
-          </a:p>
-          <a:p>
-            <a:pPr lvl="1"/>
-            <a:r>
-              <a:rPr lang="pt-BR" sz="1200" dirty="0" err="1">
-                <a:solidFill>
-                  <a:srgbClr val="000000"/>
-                </a:solidFill>
-                <a:latin typeface="Courier New" panose="02070309020205020404" pitchFamily="49" charset="0"/>
-              </a:rPr>
-              <a:t>Q_otimo</a:t>
-            </a:r>
-            <a:r>
-              <a:rPr lang="pt-BR" sz="1200" dirty="0">
-                <a:solidFill>
-                  <a:srgbClr val="000000"/>
-                </a:solidFill>
-                <a:latin typeface="Courier New" panose="02070309020205020404" pitchFamily="49" charset="0"/>
-              </a:rPr>
-              <a:t>=zeros(1,T);</a:t>
-            </a:r>
-          </a:p>
-          <a:p>
-            <a:pPr lvl="1"/>
-            <a:r>
-              <a:rPr lang="pt-BR" sz="1200" dirty="0" err="1">
-                <a:solidFill>
-                  <a:srgbClr val="000000"/>
-                </a:solidFill>
-                <a:latin typeface="Courier New" panose="02070309020205020404" pitchFamily="49" charset="0"/>
-              </a:rPr>
-              <a:t>G_otimo</a:t>
-            </a:r>
-            <a:r>
-              <a:rPr lang="pt-BR" sz="1200" dirty="0">
-                <a:solidFill>
-                  <a:srgbClr val="000000"/>
-                </a:solidFill>
-                <a:latin typeface="Courier New" panose="02070309020205020404" pitchFamily="49" charset="0"/>
-              </a:rPr>
-              <a:t>=zeros(1,T);</a:t>
-            </a:r>
-          </a:p>
-          <a:p>
-            <a:pPr lvl="1"/>
-            <a:r>
-              <a:rPr lang="pt-BR" sz="1200" dirty="0" err="1">
-                <a:solidFill>
-                  <a:srgbClr val="000000"/>
-                </a:solidFill>
-                <a:latin typeface="Courier New" panose="02070309020205020404" pitchFamily="49" charset="0"/>
-              </a:rPr>
-              <a:t>Vertimento_otimo</a:t>
-            </a:r>
-            <a:r>
-              <a:rPr lang="pt-BR" sz="1200" dirty="0">
-                <a:solidFill>
-                  <a:srgbClr val="000000"/>
-                </a:solidFill>
-                <a:latin typeface="Courier New" panose="02070309020205020404" pitchFamily="49" charset="0"/>
-              </a:rPr>
-              <a:t>=zeros(1,T);</a:t>
-            </a:r>
-          </a:p>
-          <a:p>
-            <a:r>
-              <a:rPr lang="de-DE" sz="1200" dirty="0">
-                <a:solidFill>
-                  <a:srgbClr val="000000"/>
-                </a:solidFill>
-                <a:latin typeface="Courier New" panose="02070309020205020404" pitchFamily="49" charset="0"/>
-              </a:rPr>
-              <a:t>	x=[</a:t>
-            </a:r>
-            <a:r>
-              <a:rPr lang="pt-BR" sz="1200" dirty="0" err="1">
-                <a:solidFill>
-                  <a:srgbClr val="000000"/>
-                </a:solidFill>
-                <a:latin typeface="Courier New" panose="02070309020205020404" pitchFamily="49" charset="0"/>
-              </a:rPr>
-              <a:t>X_otimo</a:t>
-            </a:r>
-            <a:r>
-              <a:rPr lang="pt-BR" sz="1200" dirty="0">
-                <a:solidFill>
-                  <a:srgbClr val="000000"/>
-                </a:solidFill>
-                <a:latin typeface="Courier New" panose="02070309020205020404" pitchFamily="49" charset="0"/>
-              </a:rPr>
-              <a:t> </a:t>
-            </a:r>
-            <a:r>
-              <a:rPr lang="pt-BR" sz="1200" dirty="0" err="1">
-                <a:solidFill>
-                  <a:srgbClr val="000000"/>
-                </a:solidFill>
-                <a:latin typeface="Courier New" panose="02070309020205020404" pitchFamily="49" charset="0"/>
-              </a:rPr>
-              <a:t>Q_otimo</a:t>
-            </a:r>
-            <a:r>
-              <a:rPr lang="pt-BR" sz="1200" dirty="0">
-                <a:solidFill>
-                  <a:srgbClr val="000000"/>
-                </a:solidFill>
-                <a:latin typeface="Courier New" panose="02070309020205020404" pitchFamily="49" charset="0"/>
-              </a:rPr>
-              <a:t> </a:t>
-            </a:r>
-            <a:r>
-              <a:rPr lang="pt-BR" sz="1200" dirty="0" err="1">
-                <a:solidFill>
-                  <a:srgbClr val="000000"/>
-                </a:solidFill>
-                <a:latin typeface="Courier New" panose="02070309020205020404" pitchFamily="49" charset="0"/>
-              </a:rPr>
-              <a:t>G_otimo</a:t>
-            </a:r>
-            <a:r>
-              <a:rPr lang="pt-BR" sz="1200" dirty="0">
-                <a:solidFill>
-                  <a:srgbClr val="000000"/>
-                </a:solidFill>
-                <a:latin typeface="Courier New" panose="02070309020205020404" pitchFamily="49" charset="0"/>
-              </a:rPr>
-              <a:t> </a:t>
-            </a:r>
-            <a:r>
-              <a:rPr lang="pt-BR" sz="1200" dirty="0" err="1">
-                <a:solidFill>
-                  <a:srgbClr val="000000"/>
-                </a:solidFill>
-                <a:latin typeface="Courier New" panose="02070309020205020404" pitchFamily="49" charset="0"/>
-              </a:rPr>
-              <a:t>Vertimento_otimo</a:t>
-            </a:r>
-            <a:r>
-              <a:rPr lang="de-DE" sz="1200" dirty="0">
-                <a:solidFill>
-                  <a:srgbClr val="000000"/>
-                </a:solidFill>
-                <a:latin typeface="Courier New" panose="02070309020205020404" pitchFamily="49" charset="0"/>
-              </a:rPr>
-              <a:t>];</a:t>
-            </a:r>
-          </a:p>
-          <a:p>
-            <a:r>
-              <a:rPr lang="de-DE" sz="1200" dirty="0">
-                <a:solidFill>
-                  <a:srgbClr val="000000"/>
-                </a:solidFill>
-                <a:latin typeface="Courier New" panose="02070309020205020404" pitchFamily="49" charset="0"/>
-              </a:rPr>
-              <a:t>.</a:t>
-            </a:r>
-          </a:p>
-          <a:p>
-            <a:r>
-              <a:rPr lang="de-DE" sz="1200" dirty="0">
-                <a:solidFill>
-                  <a:srgbClr val="000000"/>
-                </a:solidFill>
-                <a:latin typeface="Courier New" panose="02070309020205020404" pitchFamily="49" charset="0"/>
-              </a:rPr>
-              <a:t>.</a:t>
-            </a:r>
-          </a:p>
-          <a:p>
-            <a:r>
-              <a:rPr lang="de-DE" sz="1200" dirty="0">
-                <a:solidFill>
-                  <a:srgbClr val="000000"/>
-                </a:solidFill>
-                <a:latin typeface="Courier New" panose="02070309020205020404" pitchFamily="49" charset="0"/>
-              </a:rPr>
-              <a:t>.</a:t>
-            </a:r>
-          </a:p>
-          <a:p>
-            <a:pPr lvl="1"/>
-            <a:r>
-              <a:rPr lang="pt-BR" sz="1200" dirty="0" err="1">
-                <a:solidFill>
-                  <a:srgbClr val="000000"/>
-                </a:solidFill>
-                <a:latin typeface="Courier New" panose="02070309020205020404" pitchFamily="49" charset="0"/>
-              </a:rPr>
-              <a:t>mes</a:t>
-            </a:r>
-            <a:r>
-              <a:rPr lang="pt-BR" sz="1200" dirty="0">
-                <a:solidFill>
-                  <a:srgbClr val="000000"/>
-                </a:solidFill>
-                <a:latin typeface="Courier New" panose="02070309020205020404" pitchFamily="49" charset="0"/>
-              </a:rPr>
-              <a:t>=mes+1;</a:t>
-            </a:r>
-          </a:p>
-          <a:p>
-            <a:pPr lvl="1"/>
-            <a:r>
-              <a:rPr lang="pt-BR" sz="1200" dirty="0" err="1">
-                <a:solidFill>
-                  <a:srgbClr val="0000FF"/>
-                </a:solidFill>
-                <a:latin typeface="Courier New" panose="02070309020205020404" pitchFamily="49" charset="0"/>
-              </a:rPr>
-              <a:t>if</a:t>
-            </a:r>
-            <a:r>
-              <a:rPr lang="pt-BR" sz="1200" dirty="0">
-                <a:solidFill>
-                  <a:srgbClr val="000000"/>
-                </a:solidFill>
-                <a:latin typeface="Courier New" panose="02070309020205020404" pitchFamily="49" charset="0"/>
-              </a:rPr>
-              <a:t>(</a:t>
-            </a:r>
-            <a:r>
-              <a:rPr lang="pt-BR" sz="1200" dirty="0" err="1">
-                <a:solidFill>
-                  <a:srgbClr val="000000"/>
-                </a:solidFill>
-                <a:latin typeface="Courier New" panose="02070309020205020404" pitchFamily="49" charset="0"/>
-              </a:rPr>
-              <a:t>mes</a:t>
-            </a:r>
-            <a:r>
-              <a:rPr lang="pt-BR" sz="1200" dirty="0">
-                <a:solidFill>
-                  <a:srgbClr val="000000"/>
-                </a:solidFill>
-                <a:latin typeface="Courier New" panose="02070309020205020404" pitchFamily="49" charset="0"/>
-              </a:rPr>
-              <a:t>&gt;12)</a:t>
-            </a:r>
-          </a:p>
-          <a:p>
-            <a:pPr lvl="1"/>
-            <a:r>
-              <a:rPr lang="pt-BR" sz="1200" dirty="0">
-                <a:solidFill>
-                  <a:srgbClr val="000000"/>
-                </a:solidFill>
-                <a:latin typeface="Courier New" panose="02070309020205020404" pitchFamily="49" charset="0"/>
-              </a:rPr>
-              <a:t>	</a:t>
-            </a:r>
-            <a:r>
-              <a:rPr lang="pt-BR" sz="1200" dirty="0" err="1">
-                <a:solidFill>
-                  <a:srgbClr val="000000"/>
-                </a:solidFill>
-                <a:latin typeface="Courier New" panose="02070309020205020404" pitchFamily="49" charset="0"/>
-              </a:rPr>
-              <a:t>mes</a:t>
-            </a:r>
-            <a:r>
-              <a:rPr lang="pt-BR" sz="1200" dirty="0">
-                <a:solidFill>
-                  <a:srgbClr val="000000"/>
-                </a:solidFill>
-                <a:latin typeface="Courier New" panose="02070309020205020404" pitchFamily="49" charset="0"/>
-              </a:rPr>
-              <a:t>=1;</a:t>
-            </a:r>
-          </a:p>
-          <a:p>
-            <a:pPr lvl="1"/>
             <a:r>
               <a:rPr lang="pt-BR" sz="1200" dirty="0" err="1">
                 <a:solidFill>
@@ -22844,21 +23070,111 @@
           </a:p>
           <a:p>
             <a:r>
-              <a:rPr lang="de-DE" sz="1200" dirty="0">
-                <a:solidFill>
-                  <a:srgbClr val="0000FF"/>
-                </a:solidFill>
-                <a:latin typeface="Courier New" panose="02070309020205020404" pitchFamily="49" charset="0"/>
-              </a:rPr>
-              <a:t>end</a:t>
-            </a:r>
+              <a:rPr lang="pt-BR" sz="1200" dirty="0">
+                <a:solidFill>
+                  <a:srgbClr val="000000"/>
+                </a:solidFill>
+                <a:latin typeface="Courier New" panose="02070309020205020404" pitchFamily="49" charset="0"/>
+              </a:rPr>
+              <a:t>    </a:t>
+            </a:r>
+            <a:r>
+              <a:rPr lang="pt-BR" sz="1200" dirty="0">
+                <a:solidFill>
+                  <a:srgbClr val="228B22"/>
+                </a:solidFill>
+                <a:latin typeface="Courier New" panose="02070309020205020404" pitchFamily="49" charset="0"/>
+              </a:rPr>
+              <a:t>%X(t=1)=</a:t>
+            </a:r>
+            <a:r>
+              <a:rPr lang="pt-BR" sz="1200" dirty="0" err="1">
+                <a:solidFill>
+                  <a:srgbClr val="228B22"/>
+                </a:solidFill>
+                <a:latin typeface="Courier New" panose="02070309020205020404" pitchFamily="49" charset="0"/>
+              </a:rPr>
+              <a:t>Xmax</a:t>
+            </a:r>
+            <a:r>
+              <a:rPr lang="pt-BR" sz="1200" dirty="0">
+                <a:solidFill>
+                  <a:srgbClr val="228B22"/>
+                </a:solidFill>
+                <a:latin typeface="Courier New" panose="02070309020205020404" pitchFamily="49" charset="0"/>
+              </a:rPr>
+              <a:t> estado inicial</a:t>
+            </a:r>
+          </a:p>
+          <a:p>
+            <a:r>
+              <a:rPr lang="pt-BR" sz="1200" dirty="0">
+                <a:solidFill>
+                  <a:srgbClr val="000000"/>
+                </a:solidFill>
+                <a:latin typeface="Courier New" panose="02070309020205020404" pitchFamily="49" charset="0"/>
+              </a:rPr>
+              <a:t>    </a:t>
+            </a:r>
+            <a:r>
+              <a:rPr lang="pt-BR" sz="1200" dirty="0" err="1">
+                <a:solidFill>
+                  <a:srgbClr val="000000"/>
+                </a:solidFill>
+                <a:latin typeface="Courier New" panose="02070309020205020404" pitchFamily="49" charset="0"/>
+              </a:rPr>
+              <a:t>Aeq</a:t>
+            </a:r>
+            <a:r>
+              <a:rPr lang="pt-BR" sz="1200" dirty="0">
+                <a:solidFill>
+                  <a:srgbClr val="000000"/>
+                </a:solidFill>
+                <a:latin typeface="Courier New" panose="02070309020205020404" pitchFamily="49" charset="0"/>
+              </a:rPr>
+              <a:t>(T+1,1)=1;</a:t>
+            </a:r>
+          </a:p>
+          <a:p>
+            <a:r>
+              <a:rPr lang="it-IT" sz="1200" dirty="0">
+                <a:solidFill>
+                  <a:srgbClr val="000000"/>
+                </a:solidFill>
+                <a:latin typeface="Courier New" panose="02070309020205020404" pitchFamily="49" charset="0"/>
+              </a:rPr>
+              <a:t>    beq(T+1,1)=X_otimo(i);</a:t>
+            </a:r>
+          </a:p>
+          <a:p>
+            <a:r>
+              <a:rPr lang="pt-BR" sz="1200" dirty="0">
+                <a:solidFill>
+                  <a:srgbClr val="000000"/>
+                </a:solidFill>
+                <a:latin typeface="Courier New" panose="02070309020205020404" pitchFamily="49" charset="0"/>
+              </a:rPr>
+              <a:t>    A = [];</a:t>
+            </a:r>
+          </a:p>
+          <a:p>
+            <a:r>
+              <a:rPr lang="pt-BR" sz="1200" dirty="0">
+                <a:solidFill>
+                  <a:srgbClr val="000000"/>
+                </a:solidFill>
+                <a:latin typeface="Courier New" panose="02070309020205020404" pitchFamily="49" charset="0"/>
+              </a:rPr>
+              <a:t>    b = [];</a:t>
+            </a:r>
+            <a:endParaRPr lang="pt-BR" sz="1200" dirty="0"/>
           </a:p>
         </p:txBody>
       </p:sp>
     </p:spTree>
     <p:extLst>
       <p:ext uri="{BB962C8B-B14F-4D97-AF65-F5344CB8AC3E}">
-        <p14:creationId xmlns:p14="http://schemas.microsoft.com/office/powerpoint/2010/main" val="1015259868"/>
+        <p14:creationId xmlns:p14="http://schemas.microsoft.com/office/powerpoint/2010/main" val="266129985"/>
       </p:ext>
     </p:extLst>
   </p:cSld>
@@ -23050,10 +23366,10 @@
       </p:sp>
       <p:sp>
         <p:nvSpPr>
-          <p:cNvPr id="8" name="Retângulo 7">
-            <a:extLst>
-              <a:ext uri="{FF2B5EF4-FFF2-40B4-BE49-F238E27FC236}">
-                <a16:creationId xmlns:a16="http://schemas.microsoft.com/office/drawing/2014/main" id="{31131A16-EB51-45B1-9031-0A2E273698D4}"/>
+          <p:cNvPr id="7" name="Retângulo 6">
+            <a:extLst>
+              <a:ext uri="{FF2B5EF4-FFF2-40B4-BE49-F238E27FC236}">
+                <a16:creationId xmlns:a16="http://schemas.microsoft.com/office/drawing/2014/main" id="{DD50CE3D-C10D-4F46-A8F7-5581978719B7}"/>
               </a:ext>
             </a:extLst>
           </p:cNvPr>
@@ -23062,8 +23378,8 @@
         </p:nvSpPr>
         <p:spPr>
           <a:xfrm>
-            <a:off x="2093280" y="2453301"/>
-            <a:ext cx="8005439" cy="3785652"/>
+            <a:off x="482354" y="2644170"/>
+            <a:ext cx="11629747" cy="3416320"/>
           </a:xfrm>
           <a:prstGeom prst="rect">
             <a:avLst/>
@@ -23075,6 +23391,7 @@
           </a:bodyPr>
           <a:lstStyle/>
           <a:p>
+            <a:pPr lvl="1"/>
             <a:r>
               <a:rPr lang="pt-BR" sz="1200" dirty="0">
                 <a:solidFill>
@@ -23082,19 +23399,332 @@
                 </a:solidFill>
                 <a:latin typeface="Courier New" panose="02070309020205020404" pitchFamily="49" charset="0"/>
               </a:rPr>
+              <a:t>.</a:t>
+            </a:r>
+          </a:p>
+          <a:p>
+            <a:pPr lvl="1"/>
+            <a:r>
+              <a:rPr lang="pt-BR" sz="1200" dirty="0">
+                <a:solidFill>
+                  <a:srgbClr val="000000"/>
+                </a:solidFill>
+                <a:latin typeface="Courier New" panose="02070309020205020404" pitchFamily="49" charset="0"/>
+              </a:rPr>
+              <a:t>.</a:t>
+            </a:r>
+          </a:p>
+          <a:p>
+            <a:pPr lvl="1"/>
+            <a:r>
+              <a:rPr lang="pt-BR" sz="1200" dirty="0">
+                <a:solidFill>
+                  <a:srgbClr val="000000"/>
+                </a:solidFill>
+                <a:latin typeface="Courier New" panose="02070309020205020404" pitchFamily="49" charset="0"/>
+              </a:rPr>
+              <a:t>.</a:t>
+            </a:r>
+          </a:p>
+          <a:p>
+            <a:r>
+              <a:rPr lang="pt-BR" sz="1200" dirty="0">
+                <a:solidFill>
+                  <a:srgbClr val="228B22"/>
+                </a:solidFill>
+                <a:latin typeface="Courier New" panose="02070309020205020404" pitchFamily="49" charset="0"/>
+              </a:rPr>
+              <a:t>    %restrições não lineares igualdades</a:t>
+            </a:r>
+          </a:p>
+          <a:p>
+            <a:r>
+              <a:rPr lang="pt-BR" sz="1200" dirty="0">
+                <a:solidFill>
+                  <a:srgbClr val="000000"/>
+                </a:solidFill>
+                <a:latin typeface="Courier New" panose="02070309020205020404" pitchFamily="49" charset="0"/>
+              </a:rPr>
               <a:t>    </a:t>
             </a:r>
             <a:r>
+              <a:rPr lang="pt-BR" sz="1200" dirty="0" err="1">
+                <a:solidFill>
+                  <a:srgbClr val="000000"/>
+                </a:solidFill>
+                <a:latin typeface="Courier New" panose="02070309020205020404" pitchFamily="49" charset="0"/>
+              </a:rPr>
+              <a:t>ceq</a:t>
+            </a:r>
+            <a:r>
               <a:rPr lang="pt-BR" sz="1200" dirty="0">
                 <a:solidFill>
+                  <a:srgbClr val="000000"/>
+                </a:solidFill>
+                <a:latin typeface="Courier New" panose="02070309020205020404" pitchFamily="49" charset="0"/>
+              </a:rPr>
+              <a:t>=zeros(1,T);</a:t>
+            </a:r>
+          </a:p>
+          <a:p>
+            <a:r>
+              <a:rPr lang="pt-BR" sz="1200" dirty="0">
+                <a:solidFill>
+                  <a:srgbClr val="000000"/>
+                </a:solidFill>
+                <a:latin typeface="Courier New" panose="02070309020205020404" pitchFamily="49" charset="0"/>
+              </a:rPr>
+              <a:t>    </a:t>
+            </a:r>
+            <a:r>
+              <a:rPr lang="pt-BR" sz="1200" dirty="0">
+                <a:solidFill>
+                  <a:srgbClr val="0000FF"/>
+                </a:solidFill>
+                <a:latin typeface="Courier New" panose="02070309020205020404" pitchFamily="49" charset="0"/>
+              </a:rPr>
+              <a:t>for</a:t>
+            </a:r>
+            <a:r>
+              <a:rPr lang="pt-BR" sz="1200" dirty="0">
+                <a:solidFill>
+                  <a:srgbClr val="000000"/>
+                </a:solidFill>
+                <a:latin typeface="Courier New" panose="02070309020205020404" pitchFamily="49" charset="0"/>
+              </a:rPr>
+              <a:t> t=1:1:T</a:t>
+            </a:r>
+          </a:p>
+          <a:p>
+            <a:pPr lvl="1"/>
+            <a:r>
+              <a:rPr lang="fr-FR" sz="1200" dirty="0" err="1">
+                <a:solidFill>
+                  <a:srgbClr val="000000"/>
+                </a:solidFill>
+                <a:latin typeface="Courier New" panose="02070309020205020404" pitchFamily="49" charset="0"/>
+              </a:rPr>
+              <a:t>ceq</a:t>
+            </a:r>
+            <a:r>
+              <a:rPr lang="fr-FR" sz="1200" dirty="0">
+                <a:solidFill>
+                  <a:srgbClr val="000000"/>
+                </a:solidFill>
+                <a:latin typeface="Courier New" panose="02070309020205020404" pitchFamily="49" charset="0"/>
+              </a:rPr>
+              <a:t>(t)=x(t+2*T)+k*x(</a:t>
+            </a:r>
+            <a:r>
+              <a:rPr lang="fr-FR" sz="1200" dirty="0" err="1">
+                <a:solidFill>
+                  <a:srgbClr val="000000"/>
+                </a:solidFill>
+                <a:latin typeface="Courier New" panose="02070309020205020404" pitchFamily="49" charset="0"/>
+              </a:rPr>
+              <a:t>t+T</a:t>
+            </a:r>
+            <a:r>
+              <a:rPr lang="fr-FR" sz="1200" dirty="0">
+                <a:solidFill>
+                  <a:srgbClr val="000000"/>
+                </a:solidFill>
+                <a:latin typeface="Courier New" panose="02070309020205020404" pitchFamily="49" charset="0"/>
+              </a:rPr>
+              <a:t>)*(a0+a1*x(t)+a2*(x(t)^2)+a3*(x(t)^3)+a4*(x(t)^4)-b0-b1*x(</a:t>
+            </a:r>
+            <a:r>
+              <a:rPr lang="fr-FR" sz="1200" dirty="0" err="1">
+                <a:solidFill>
+                  <a:srgbClr val="000000"/>
+                </a:solidFill>
+                <a:latin typeface="Courier New" panose="02070309020205020404" pitchFamily="49" charset="0"/>
+              </a:rPr>
+              <a:t>t+T</a:t>
+            </a:r>
+            <a:r>
+              <a:rPr lang="fr-FR" sz="1200" dirty="0">
+                <a:solidFill>
+                  <a:srgbClr val="000000"/>
+                </a:solidFill>
+                <a:latin typeface="Courier New" panose="02070309020205020404" pitchFamily="49" charset="0"/>
+              </a:rPr>
+              <a:t>)-b2*(x(</a:t>
+            </a:r>
+            <a:r>
+              <a:rPr lang="fr-FR" sz="1200" dirty="0" err="1">
+                <a:solidFill>
+                  <a:srgbClr val="000000"/>
+                </a:solidFill>
+                <a:latin typeface="Courier New" panose="02070309020205020404" pitchFamily="49" charset="0"/>
+              </a:rPr>
+              <a:t>t+T</a:t>
+            </a:r>
+            <a:r>
+              <a:rPr lang="fr-FR" sz="1200" dirty="0">
+                <a:solidFill>
+                  <a:srgbClr val="000000"/>
+                </a:solidFill>
+                <a:latin typeface="Courier New" panose="02070309020205020404" pitchFamily="49" charset="0"/>
+              </a:rPr>
+              <a:t>)^2)-b3*(x(</a:t>
+            </a:r>
+            <a:r>
+              <a:rPr lang="fr-FR" sz="1200" dirty="0" err="1">
+                <a:solidFill>
+                  <a:srgbClr val="000000"/>
+                </a:solidFill>
+                <a:latin typeface="Courier New" panose="02070309020205020404" pitchFamily="49" charset="0"/>
+              </a:rPr>
+              <a:t>t+T</a:t>
+            </a:r>
+            <a:r>
+              <a:rPr lang="fr-FR" sz="1200" dirty="0">
+                <a:solidFill>
+                  <a:srgbClr val="000000"/>
+                </a:solidFill>
+                <a:latin typeface="Courier New" panose="02070309020205020404" pitchFamily="49" charset="0"/>
+              </a:rPr>
+              <a:t>)^3)-b4*(x(</a:t>
+            </a:r>
+            <a:r>
+              <a:rPr lang="fr-FR" sz="1200" dirty="0" err="1">
+                <a:solidFill>
+                  <a:srgbClr val="000000"/>
+                </a:solidFill>
+                <a:latin typeface="Courier New" panose="02070309020205020404" pitchFamily="49" charset="0"/>
+              </a:rPr>
+              <a:t>t+T</a:t>
+            </a:r>
+            <a:r>
+              <a:rPr lang="fr-FR" sz="1200" dirty="0">
+                <a:solidFill>
+                  <a:srgbClr val="000000"/>
+                </a:solidFill>
+                <a:latin typeface="Courier New" panose="02070309020205020404" pitchFamily="49" charset="0"/>
+              </a:rPr>
+              <a:t>)^4))-d;</a:t>
+            </a:r>
+          </a:p>
+          <a:p>
+            <a:r>
+              <a:rPr lang="pt-BR" sz="1200" dirty="0">
+                <a:solidFill>
+                  <a:srgbClr val="000000"/>
+                </a:solidFill>
+                <a:latin typeface="Courier New" panose="02070309020205020404" pitchFamily="49" charset="0"/>
+              </a:rPr>
+              <a:t>    </a:t>
+            </a:r>
+            <a:r>
+              <a:rPr lang="pt-BR" sz="1200" dirty="0" err="1">
+                <a:solidFill>
+                  <a:srgbClr val="0000FF"/>
+                </a:solidFill>
+                <a:latin typeface="Courier New" panose="02070309020205020404" pitchFamily="49" charset="0"/>
+              </a:rPr>
+              <a:t>end</a:t>
+            </a:r>
+            <a:r>
+              <a:rPr lang="pt-BR" sz="1200" dirty="0">
+                <a:solidFill>
+                  <a:srgbClr val="000000"/>
+                </a:solidFill>
+                <a:latin typeface="Courier New" panose="02070309020205020404" pitchFamily="49" charset="0"/>
+              </a:rPr>
+              <a:t> </a:t>
+            </a:r>
+          </a:p>
+          <a:p>
+            <a:r>
+              <a:rPr lang="pt-BR" sz="1200" dirty="0">
+                <a:solidFill>
+                  <a:srgbClr val="000000"/>
+                </a:solidFill>
+                <a:latin typeface="Courier New" panose="02070309020205020404" pitchFamily="49" charset="0"/>
+              </a:rPr>
+              <a:t>    </a:t>
+            </a:r>
+            <a:r>
+              <a:rPr lang="pt-BR" sz="1200" dirty="0">
+                <a:solidFill>
                   <a:srgbClr val="228B22"/>
                 </a:solidFill>
                 <a:latin typeface="Courier New" panose="02070309020205020404" pitchFamily="49" charset="0"/>
               </a:rPr>
-              <a:t>%===============DEFINIÇÃO DE LIMITES========================</a:t>
-            </a:r>
-          </a:p>
-          <a:p>
+              <a:t>%restrições não lineares desigualdades</a:t>
+            </a:r>
+          </a:p>
+          <a:p>
+            <a:r>
+              <a:rPr lang="pt-BR" sz="1200" dirty="0">
+                <a:solidFill>
+                  <a:srgbClr val="000000"/>
+                </a:solidFill>
+                <a:latin typeface="Courier New" panose="02070309020205020404" pitchFamily="49" charset="0"/>
+              </a:rPr>
+              <a:t>    c = []; </a:t>
+            </a:r>
+            <a:r>
+              <a:rPr lang="pt-BR" sz="1200" dirty="0">
+                <a:solidFill>
+                  <a:srgbClr val="228B22"/>
+                </a:solidFill>
+                <a:latin typeface="Courier New" panose="02070309020205020404" pitchFamily="49" charset="0"/>
+              </a:rPr>
+              <a:t>%&lt;=0</a:t>
+            </a:r>
+          </a:p>
+          <a:p>
+            <a:pPr lvl="1"/>
+            <a:r>
+              <a:rPr lang="pt-BR" sz="1200" dirty="0">
+                <a:solidFill>
+                  <a:srgbClr val="228B22"/>
+                </a:solidFill>
+                <a:latin typeface="Courier New" panose="02070309020205020404" pitchFamily="49" charset="0"/>
+              </a:rPr>
+              <a:t>.</a:t>
+            </a:r>
+          </a:p>
+          <a:p>
+            <a:pPr lvl="1"/>
+            <a:r>
+              <a:rPr lang="pt-BR" sz="1200" dirty="0">
+                <a:solidFill>
+                  <a:srgbClr val="228B22"/>
+                </a:solidFill>
+                <a:latin typeface="Courier New" panose="02070309020205020404" pitchFamily="49" charset="0"/>
+              </a:rPr>
+              <a:t>.</a:t>
+            </a:r>
+          </a:p>
+          <a:p>
+            <a:pPr lvl="1"/>
+            <a:r>
+              <a:rPr lang="pt-BR" sz="1200" dirty="0">
+                <a:solidFill>
+                  <a:srgbClr val="228B22"/>
+                </a:solidFill>
+                <a:latin typeface="Courier New" panose="02070309020205020404" pitchFamily="49" charset="0"/>
+              </a:rPr>
+              <a:t>.</a:t>
+            </a:r>
+          </a:p>
+          <a:p>
+            <a:pPr lvl="1"/>
+            <a:r>
+              <a:rPr lang="pt-BR" sz="1200" dirty="0">
+                <a:solidFill>
+                  <a:srgbClr val="228B22"/>
+                </a:solidFill>
+                <a:latin typeface="Courier New" panose="02070309020205020404" pitchFamily="49" charset="0"/>
+              </a:rPr>
+              <a:t>%Função objetivo</a:t>
+            </a:r>
+          </a:p>
+          <a:p>
+            <a:pPr lvl="1"/>
             <a:r>
               <a:rPr lang="de-DE" sz="1200" dirty="0">
                 <a:solidFill>
@@ -23102,662 +23732,19 @@
                 </a:solidFill>
                 <a:latin typeface="Courier New" panose="02070309020205020404" pitchFamily="49" charset="0"/>
               </a:rPr>
-              <a:t>    lb = [Xmin*ones(1,T) qmin*ones(1,T) zeros(1,T) zeros(1,T)];</a:t>
-            </a:r>
-          </a:p>
-          <a:p>
-            <a:r>
-              <a:rPr lang="fr-FR" sz="1200" dirty="0">
-                <a:solidFill>
-                  <a:srgbClr val="000000"/>
-                </a:solidFill>
-                <a:latin typeface="Courier New" panose="02070309020205020404" pitchFamily="49" charset="0"/>
-              </a:rPr>
-              <a:t>    </a:t>
-            </a:r>
-            <a:r>
-              <a:rPr lang="fr-FR" sz="1200" dirty="0" err="1">
-                <a:solidFill>
-                  <a:srgbClr val="000000"/>
-                </a:solidFill>
-                <a:latin typeface="Courier New" panose="02070309020205020404" pitchFamily="49" charset="0"/>
-              </a:rPr>
-              <a:t>ub</a:t>
-            </a:r>
-            <a:r>
-              <a:rPr lang="fr-FR" sz="1200" dirty="0">
-                <a:solidFill>
-                  <a:srgbClr val="000000"/>
-                </a:solidFill>
-                <a:latin typeface="Courier New" panose="02070309020205020404" pitchFamily="49" charset="0"/>
-              </a:rPr>
-              <a:t> = [</a:t>
-            </a:r>
-            <a:r>
-              <a:rPr lang="fr-FR" sz="1200" dirty="0" err="1">
-                <a:solidFill>
-                  <a:srgbClr val="000000"/>
-                </a:solidFill>
-                <a:latin typeface="Courier New" panose="02070309020205020404" pitchFamily="49" charset="0"/>
-              </a:rPr>
-              <a:t>Xmax</a:t>
-            </a:r>
-            <a:r>
-              <a:rPr lang="fr-FR" sz="1200" dirty="0">
-                <a:solidFill>
-                  <a:srgbClr val="000000"/>
-                </a:solidFill>
-                <a:latin typeface="Courier New" panose="02070309020205020404" pitchFamily="49" charset="0"/>
-              </a:rPr>
-              <a:t>*</a:t>
-            </a:r>
-            <a:r>
-              <a:rPr lang="fr-FR" sz="1200" dirty="0" err="1">
-                <a:solidFill>
-                  <a:srgbClr val="000000"/>
-                </a:solidFill>
-                <a:latin typeface="Courier New" panose="02070309020205020404" pitchFamily="49" charset="0"/>
-              </a:rPr>
-              <a:t>ones</a:t>
-            </a:r>
-            <a:r>
-              <a:rPr lang="fr-FR" sz="1200" dirty="0">
-                <a:solidFill>
-                  <a:srgbClr val="000000"/>
-                </a:solidFill>
-                <a:latin typeface="Courier New" panose="02070309020205020404" pitchFamily="49" charset="0"/>
-              </a:rPr>
-              <a:t>(1,T) </a:t>
-            </a:r>
-            <a:r>
-              <a:rPr lang="fr-FR" sz="1200" dirty="0" err="1">
-                <a:solidFill>
-                  <a:srgbClr val="000000"/>
-                </a:solidFill>
-                <a:latin typeface="Courier New" panose="02070309020205020404" pitchFamily="49" charset="0"/>
-              </a:rPr>
-              <a:t>qmax</a:t>
-            </a:r>
-            <a:r>
-              <a:rPr lang="fr-FR" sz="1200" dirty="0">
-                <a:solidFill>
-                  <a:srgbClr val="000000"/>
-                </a:solidFill>
-                <a:latin typeface="Courier New" panose="02070309020205020404" pitchFamily="49" charset="0"/>
-              </a:rPr>
-              <a:t>*</a:t>
-            </a:r>
-            <a:r>
-              <a:rPr lang="fr-FR" sz="1200" dirty="0" err="1">
-                <a:solidFill>
-                  <a:srgbClr val="000000"/>
-                </a:solidFill>
-                <a:latin typeface="Courier New" panose="02070309020205020404" pitchFamily="49" charset="0"/>
-              </a:rPr>
-              <a:t>ones</a:t>
-            </a:r>
-            <a:r>
-              <a:rPr lang="fr-FR" sz="1200" dirty="0">
-                <a:solidFill>
-                  <a:srgbClr val="000000"/>
-                </a:solidFill>
-                <a:latin typeface="Courier New" panose="02070309020205020404" pitchFamily="49" charset="0"/>
-              </a:rPr>
-              <a:t>(1,T) 1312*</a:t>
-            </a:r>
-            <a:r>
-              <a:rPr lang="fr-FR" sz="1200" dirty="0" err="1">
-                <a:solidFill>
-                  <a:srgbClr val="000000"/>
-                </a:solidFill>
-                <a:latin typeface="Courier New" panose="02070309020205020404" pitchFamily="49" charset="0"/>
-              </a:rPr>
-              <a:t>ones</a:t>
-            </a:r>
-            <a:r>
-              <a:rPr lang="fr-FR" sz="1200" dirty="0">
-                <a:solidFill>
-                  <a:srgbClr val="000000"/>
-                </a:solidFill>
-                <a:latin typeface="Courier New" panose="02070309020205020404" pitchFamily="49" charset="0"/>
-              </a:rPr>
-              <a:t>(1,T) 9999*</a:t>
-            </a:r>
-            <a:r>
-              <a:rPr lang="fr-FR" sz="1200" dirty="0" err="1">
-                <a:solidFill>
-                  <a:srgbClr val="000000"/>
-                </a:solidFill>
-                <a:latin typeface="Courier New" panose="02070309020205020404" pitchFamily="49" charset="0"/>
-              </a:rPr>
-              <a:t>ones</a:t>
-            </a:r>
-            <a:r>
-              <a:rPr lang="fr-FR" sz="1200" dirty="0">
-                <a:solidFill>
-                  <a:srgbClr val="000000"/>
-                </a:solidFill>
-                <a:latin typeface="Courier New" panose="02070309020205020404" pitchFamily="49" charset="0"/>
-              </a:rPr>
-              <a:t>(1,T)];    </a:t>
-            </a:r>
-          </a:p>
-          <a:p>
-            <a:r>
-              <a:rPr lang="pt-BR" sz="1200" dirty="0">
-                <a:solidFill>
-                  <a:srgbClr val="000000"/>
-                </a:solidFill>
-                <a:latin typeface="Courier New" panose="02070309020205020404" pitchFamily="49" charset="0"/>
-              </a:rPr>
-              <a:t>    </a:t>
-            </a:r>
-          </a:p>
-          <a:p>
-            <a:r>
-              <a:rPr lang="pt-BR" sz="1200" dirty="0">
-                <a:solidFill>
-                  <a:srgbClr val="000000"/>
-                </a:solidFill>
-                <a:latin typeface="Courier New" panose="02070309020205020404" pitchFamily="49" charset="0"/>
-              </a:rPr>
-              <a:t>    </a:t>
-            </a:r>
-            <a:r>
-              <a:rPr lang="pt-BR" sz="1200" dirty="0">
-                <a:solidFill>
-                  <a:srgbClr val="228B22"/>
-                </a:solidFill>
-                <a:latin typeface="Courier New" panose="02070309020205020404" pitchFamily="49" charset="0"/>
-              </a:rPr>
-              <a:t>%===========DEFINIÇÃO DE RESTRIÇÕES LINEARES================</a:t>
-            </a:r>
-          </a:p>
-          <a:p>
-            <a:r>
-              <a:rPr lang="pt-BR" sz="1200" dirty="0">
-                <a:solidFill>
-                  <a:srgbClr val="000000"/>
-                </a:solidFill>
-                <a:latin typeface="Courier New" panose="02070309020205020404" pitchFamily="49" charset="0"/>
-              </a:rPr>
-              <a:t>    </a:t>
-            </a:r>
-            <a:r>
-              <a:rPr lang="pt-BR" sz="1200" dirty="0" err="1">
-                <a:solidFill>
-                  <a:srgbClr val="000000"/>
-                </a:solidFill>
-                <a:latin typeface="Courier New" panose="02070309020205020404" pitchFamily="49" charset="0"/>
-              </a:rPr>
-              <a:t>Aeq</a:t>
-            </a:r>
-            <a:r>
-              <a:rPr lang="pt-BR" sz="1200" dirty="0">
-                <a:solidFill>
-                  <a:srgbClr val="000000"/>
-                </a:solidFill>
-                <a:latin typeface="Courier New" panose="02070309020205020404" pitchFamily="49" charset="0"/>
-              </a:rPr>
-              <a:t>=zeros(T+1,4*T); </a:t>
-            </a:r>
-            <a:r>
-              <a:rPr lang="pt-BR" sz="1200" dirty="0">
-                <a:solidFill>
-                  <a:srgbClr val="228B22"/>
-                </a:solidFill>
-                <a:latin typeface="Courier New" panose="02070309020205020404" pitchFamily="49" charset="0"/>
-              </a:rPr>
-              <a:t>%T restrições de transição de estado e 1 de condição inicial</a:t>
-            </a:r>
-          </a:p>
-          <a:p>
-            <a:r>
-              <a:rPr lang="pt-BR" sz="1200" dirty="0">
-                <a:solidFill>
-                  <a:srgbClr val="000000"/>
-                </a:solidFill>
-                <a:latin typeface="Courier New" panose="02070309020205020404" pitchFamily="49" charset="0"/>
-              </a:rPr>
-              <a:t>    </a:t>
-            </a:r>
-            <a:r>
-              <a:rPr lang="pt-BR" sz="1200" dirty="0" err="1">
-                <a:solidFill>
-                  <a:srgbClr val="000000"/>
-                </a:solidFill>
-                <a:latin typeface="Courier New" panose="02070309020205020404" pitchFamily="49" charset="0"/>
-              </a:rPr>
-              <a:t>beq</a:t>
-            </a:r>
-            <a:r>
-              <a:rPr lang="pt-BR" sz="1200" dirty="0">
-                <a:solidFill>
-                  <a:srgbClr val="000000"/>
-                </a:solidFill>
-                <a:latin typeface="Courier New" panose="02070309020205020404" pitchFamily="49" charset="0"/>
-              </a:rPr>
-              <a:t>=zeros(T+1,1);</a:t>
-            </a:r>
-          </a:p>
-          <a:p>
-            <a:r>
-              <a:rPr lang="pt-BR" sz="1200" dirty="0">
-                <a:solidFill>
-                  <a:srgbClr val="000000"/>
-                </a:solidFill>
-                <a:latin typeface="Courier New" panose="02070309020205020404" pitchFamily="49" charset="0"/>
-              </a:rPr>
-              <a:t>    </a:t>
-            </a:r>
-            <a:r>
-              <a:rPr lang="pt-BR" sz="1200" dirty="0">
-                <a:solidFill>
-                  <a:srgbClr val="228B22"/>
-                </a:solidFill>
-                <a:latin typeface="Courier New" panose="02070309020205020404" pitchFamily="49" charset="0"/>
-              </a:rPr>
-              <a:t>%x(t+1)-x(t)+beta*q(t)+beta*v(t)=beta*y(t) transição de estado</a:t>
-            </a:r>
-          </a:p>
-          <a:p>
-            <a:r>
-              <a:rPr lang="pt-BR" sz="1200" dirty="0">
-                <a:solidFill>
-                  <a:srgbClr val="000000"/>
-                </a:solidFill>
-                <a:latin typeface="Courier New" panose="02070309020205020404" pitchFamily="49" charset="0"/>
-              </a:rPr>
-              <a:t>    </a:t>
-            </a:r>
-            <a:r>
-              <a:rPr lang="pt-BR" sz="1200" dirty="0">
-                <a:solidFill>
-                  <a:srgbClr val="0000FF"/>
-                </a:solidFill>
-                <a:latin typeface="Courier New" panose="02070309020205020404" pitchFamily="49" charset="0"/>
-              </a:rPr>
-              <a:t>for</a:t>
-            </a:r>
-            <a:r>
-              <a:rPr lang="pt-BR" sz="1200" dirty="0">
-                <a:solidFill>
-                  <a:srgbClr val="000000"/>
-                </a:solidFill>
-                <a:latin typeface="Courier New" panose="02070309020205020404" pitchFamily="49" charset="0"/>
-              </a:rPr>
-              <a:t> t=1:1:T</a:t>
-            </a:r>
-          </a:p>
-          <a:p>
-            <a:r>
-              <a:rPr lang="pt-BR" sz="1200" dirty="0">
-                <a:solidFill>
-                  <a:srgbClr val="000000"/>
-                </a:solidFill>
-                <a:latin typeface="Courier New" panose="02070309020205020404" pitchFamily="49" charset="0"/>
-              </a:rPr>
-              <a:t>        </a:t>
-            </a:r>
-            <a:r>
-              <a:rPr lang="pt-BR" sz="1200" dirty="0" err="1">
-                <a:solidFill>
-                  <a:srgbClr val="000000"/>
-                </a:solidFill>
-                <a:latin typeface="Courier New" panose="02070309020205020404" pitchFamily="49" charset="0"/>
-              </a:rPr>
-              <a:t>Aeq</a:t>
-            </a:r>
-            <a:r>
-              <a:rPr lang="pt-BR" sz="1200" dirty="0">
-                <a:solidFill>
-                  <a:srgbClr val="000000"/>
-                </a:solidFill>
-                <a:latin typeface="Courier New" panose="02070309020205020404" pitchFamily="49" charset="0"/>
-              </a:rPr>
-              <a:t>(t,t+1)=1; </a:t>
-            </a:r>
-            <a:r>
-              <a:rPr lang="pt-BR" sz="1200" dirty="0">
-                <a:solidFill>
-                  <a:srgbClr val="228B22"/>
-                </a:solidFill>
-                <a:latin typeface="Courier New" panose="02070309020205020404" pitchFamily="49" charset="0"/>
-              </a:rPr>
-              <a:t>%x(t+1)</a:t>
-            </a:r>
-          </a:p>
-          <a:p>
-            <a:r>
-              <a:rPr lang="pt-BR" sz="1200" dirty="0">
-                <a:solidFill>
-                  <a:srgbClr val="000000"/>
-                </a:solidFill>
-                <a:latin typeface="Courier New" panose="02070309020205020404" pitchFamily="49" charset="0"/>
-              </a:rPr>
-              <a:t>        </a:t>
-            </a:r>
-            <a:r>
-              <a:rPr lang="pt-BR" sz="1200" dirty="0" err="1">
-                <a:solidFill>
-                  <a:srgbClr val="000000"/>
-                </a:solidFill>
-                <a:latin typeface="Courier New" panose="02070309020205020404" pitchFamily="49" charset="0"/>
-              </a:rPr>
-              <a:t>Aeq</a:t>
-            </a:r>
-            <a:r>
-              <a:rPr lang="pt-BR" sz="1200" dirty="0">
-                <a:solidFill>
-                  <a:srgbClr val="000000"/>
-                </a:solidFill>
-                <a:latin typeface="Courier New" panose="02070309020205020404" pitchFamily="49" charset="0"/>
-              </a:rPr>
-              <a:t>(</a:t>
-            </a:r>
-            <a:r>
-              <a:rPr lang="pt-BR" sz="1200" dirty="0" err="1">
-                <a:solidFill>
-                  <a:srgbClr val="000000"/>
-                </a:solidFill>
-                <a:latin typeface="Courier New" panose="02070309020205020404" pitchFamily="49" charset="0"/>
-              </a:rPr>
-              <a:t>t,t</a:t>
-            </a:r>
-            <a:r>
-              <a:rPr lang="pt-BR" sz="1200" dirty="0">
-                <a:solidFill>
-                  <a:srgbClr val="000000"/>
-                </a:solidFill>
-                <a:latin typeface="Courier New" panose="02070309020205020404" pitchFamily="49" charset="0"/>
-              </a:rPr>
-              <a:t>)=-1; </a:t>
-            </a:r>
-            <a:r>
-              <a:rPr lang="pt-BR" sz="1200" dirty="0">
-                <a:solidFill>
-                  <a:srgbClr val="228B22"/>
-                </a:solidFill>
-                <a:latin typeface="Courier New" panose="02070309020205020404" pitchFamily="49" charset="0"/>
-              </a:rPr>
-              <a:t>%x(t)</a:t>
-            </a:r>
-          </a:p>
-          <a:p>
-            <a:r>
-              <a:rPr lang="pt-BR" sz="1200" dirty="0">
-                <a:solidFill>
-                  <a:srgbClr val="000000"/>
-                </a:solidFill>
-                <a:latin typeface="Courier New" panose="02070309020205020404" pitchFamily="49" charset="0"/>
-              </a:rPr>
-              <a:t>        </a:t>
-            </a:r>
-            <a:r>
-              <a:rPr lang="pt-BR" sz="1200" dirty="0" err="1">
-                <a:solidFill>
-                  <a:srgbClr val="000000"/>
-                </a:solidFill>
-                <a:latin typeface="Courier New" panose="02070309020205020404" pitchFamily="49" charset="0"/>
-              </a:rPr>
-              <a:t>Aeq</a:t>
-            </a:r>
-            <a:r>
-              <a:rPr lang="pt-BR" sz="1200" dirty="0">
-                <a:solidFill>
-                  <a:srgbClr val="000000"/>
-                </a:solidFill>
-                <a:latin typeface="Courier New" panose="02070309020205020404" pitchFamily="49" charset="0"/>
-              </a:rPr>
-              <a:t>(</a:t>
-            </a:r>
-            <a:r>
-              <a:rPr lang="pt-BR" sz="1200" dirty="0" err="1">
-                <a:solidFill>
-                  <a:srgbClr val="000000"/>
-                </a:solidFill>
-                <a:latin typeface="Courier New" panose="02070309020205020404" pitchFamily="49" charset="0"/>
-              </a:rPr>
-              <a:t>t,t+T</a:t>
-            </a:r>
-            <a:r>
-              <a:rPr lang="pt-BR" sz="1200" dirty="0">
-                <a:solidFill>
-                  <a:srgbClr val="000000"/>
-                </a:solidFill>
-                <a:latin typeface="Courier New" panose="02070309020205020404" pitchFamily="49" charset="0"/>
-              </a:rPr>
-              <a:t>)=beta; </a:t>
-            </a:r>
-            <a:r>
-              <a:rPr lang="pt-BR" sz="1200" dirty="0">
-                <a:solidFill>
-                  <a:srgbClr val="228B22"/>
-                </a:solidFill>
-                <a:latin typeface="Courier New" panose="02070309020205020404" pitchFamily="49" charset="0"/>
-              </a:rPr>
-              <a:t>%q(t)</a:t>
-            </a:r>
-          </a:p>
-          <a:p>
-            <a:r>
-              <a:rPr lang="pt-BR" sz="1200" dirty="0">
-                <a:solidFill>
-                  <a:srgbClr val="000000"/>
-                </a:solidFill>
-                <a:latin typeface="Courier New" panose="02070309020205020404" pitchFamily="49" charset="0"/>
-              </a:rPr>
-              <a:t>        </a:t>
-            </a:r>
-            <a:r>
-              <a:rPr lang="pt-BR" sz="1200" dirty="0" err="1">
-                <a:solidFill>
-                  <a:srgbClr val="000000"/>
-                </a:solidFill>
-                <a:latin typeface="Courier New" panose="02070309020205020404" pitchFamily="49" charset="0"/>
-              </a:rPr>
-              <a:t>Aeq</a:t>
-            </a:r>
-            <a:r>
-              <a:rPr lang="pt-BR" sz="1200" dirty="0">
-                <a:solidFill>
-                  <a:srgbClr val="000000"/>
-                </a:solidFill>
-                <a:latin typeface="Courier New" panose="02070309020205020404" pitchFamily="49" charset="0"/>
-              </a:rPr>
-              <a:t>(t,t+3*T)=beta; </a:t>
-            </a:r>
-            <a:r>
-              <a:rPr lang="pt-BR" sz="1200" dirty="0">
-                <a:solidFill>
-                  <a:srgbClr val="228B22"/>
-                </a:solidFill>
-                <a:latin typeface="Courier New" panose="02070309020205020404" pitchFamily="49" charset="0"/>
-              </a:rPr>
-              <a:t>%</a:t>
-            </a:r>
-            <a:r>
-              <a:rPr lang="pt-BR" sz="1200" dirty="0" err="1">
-                <a:solidFill>
-                  <a:srgbClr val="228B22"/>
-                </a:solidFill>
-                <a:latin typeface="Courier New" panose="02070309020205020404" pitchFamily="49" charset="0"/>
-              </a:rPr>
-              <a:t>vertimento</a:t>
-            </a:r>
-            <a:r>
-              <a:rPr lang="pt-BR" sz="1200" dirty="0">
-                <a:solidFill>
-                  <a:srgbClr val="228B22"/>
-                </a:solidFill>
-                <a:latin typeface="Courier New" panose="02070309020205020404" pitchFamily="49" charset="0"/>
-              </a:rPr>
-              <a:t>(t)</a:t>
-            </a:r>
-          </a:p>
-          <a:p>
-            <a:r>
-              <a:rPr lang="fr-FR" sz="1200" dirty="0">
-                <a:solidFill>
-                  <a:srgbClr val="000000"/>
-                </a:solidFill>
-                <a:latin typeface="Courier New" panose="02070309020205020404" pitchFamily="49" charset="0"/>
-              </a:rPr>
-              <a:t>        </a:t>
-            </a:r>
-            <a:r>
-              <a:rPr lang="fr-FR" sz="1200" dirty="0" err="1">
-                <a:solidFill>
-                  <a:srgbClr val="000000"/>
-                </a:solidFill>
-                <a:latin typeface="Courier New" panose="02070309020205020404" pitchFamily="49" charset="0"/>
-              </a:rPr>
-              <a:t>beq</a:t>
-            </a:r>
-            <a:r>
-              <a:rPr lang="fr-FR" sz="1200" dirty="0">
-                <a:solidFill>
-                  <a:srgbClr val="000000"/>
-                </a:solidFill>
-                <a:latin typeface="Courier New" panose="02070309020205020404" pitchFamily="49" charset="0"/>
-              </a:rPr>
-              <a:t>(t,1)=beta*y(t); </a:t>
-            </a:r>
-            <a:r>
-              <a:rPr lang="fr-FR" sz="1200" dirty="0">
-                <a:solidFill>
-                  <a:srgbClr val="228B22"/>
-                </a:solidFill>
-                <a:latin typeface="Courier New" panose="02070309020205020404" pitchFamily="49" charset="0"/>
-              </a:rPr>
-              <a:t>%y(t)</a:t>
-            </a:r>
-          </a:p>
-          <a:p>
-            <a:r>
-              <a:rPr lang="pt-BR" sz="1200" dirty="0">
-                <a:solidFill>
-                  <a:srgbClr val="000000"/>
-                </a:solidFill>
-                <a:latin typeface="Courier New" panose="02070309020205020404" pitchFamily="49" charset="0"/>
-              </a:rPr>
-              <a:t>    </a:t>
-            </a:r>
-            <a:r>
-              <a:rPr lang="pt-BR" sz="1200" dirty="0" err="1">
-                <a:solidFill>
-                  <a:srgbClr val="0000FF"/>
-                </a:solidFill>
-                <a:latin typeface="Courier New" panose="02070309020205020404" pitchFamily="49" charset="0"/>
-              </a:rPr>
-              <a:t>end</a:t>
-            </a:r>
+              <a:t>J=@(x) 0.02*sum(x(2*T+1:3*T).^2); </a:t>
+            </a:r>
+          </a:p>
+          <a:p>
+            <a:pPr lvl="1"/>
             <a:endParaRPr lang="pt-BR" sz="1200" dirty="0">
               <a:solidFill>
-                <a:srgbClr val="0000FF"/>
+                <a:srgbClr val="228B22"/>
               </a:solidFill>
               <a:latin typeface="Courier New" panose="02070309020205020404" pitchFamily="49" charset="0"/>
             </a:endParaRPr>
           </a:p>
           <a:p>
-            <a:r>
-              <a:rPr lang="pt-BR" sz="1200" dirty="0">
-                <a:solidFill>
-                  <a:srgbClr val="000000"/>
-                </a:solidFill>
-                <a:latin typeface="Courier New" panose="02070309020205020404" pitchFamily="49" charset="0"/>
-              </a:rPr>
-              <a:t>    </a:t>
-            </a:r>
-            <a:r>
-              <a:rPr lang="pt-BR" sz="1200" dirty="0">
-                <a:solidFill>
-                  <a:srgbClr val="228B22"/>
-                </a:solidFill>
-                <a:latin typeface="Courier New" panose="02070309020205020404" pitchFamily="49" charset="0"/>
-              </a:rPr>
-              <a:t>%X(t=1)=</a:t>
-            </a:r>
-            <a:r>
-              <a:rPr lang="pt-BR" sz="1200" dirty="0" err="1">
-                <a:solidFill>
-                  <a:srgbClr val="228B22"/>
-                </a:solidFill>
-                <a:latin typeface="Courier New" panose="02070309020205020404" pitchFamily="49" charset="0"/>
-              </a:rPr>
-              <a:t>Xmax</a:t>
-            </a:r>
-            <a:r>
-              <a:rPr lang="pt-BR" sz="1200" dirty="0">
-                <a:solidFill>
-                  <a:srgbClr val="228B22"/>
-                </a:solidFill>
-                <a:latin typeface="Courier New" panose="02070309020205020404" pitchFamily="49" charset="0"/>
-              </a:rPr>
-              <a:t> estado inicial</a:t>
-            </a:r>
-          </a:p>
-          <a:p>
-            <a:r>
-              <a:rPr lang="pt-BR" sz="1200" dirty="0">
-                <a:solidFill>
-                  <a:srgbClr val="000000"/>
-                </a:solidFill>
-                <a:latin typeface="Courier New" panose="02070309020205020404" pitchFamily="49" charset="0"/>
-              </a:rPr>
-              <a:t>    </a:t>
-            </a:r>
-            <a:r>
-              <a:rPr lang="pt-BR" sz="1200" dirty="0" err="1">
-                <a:solidFill>
-                  <a:srgbClr val="000000"/>
-                </a:solidFill>
-                <a:latin typeface="Courier New" panose="02070309020205020404" pitchFamily="49" charset="0"/>
-              </a:rPr>
-              <a:t>Aeq</a:t>
-            </a:r>
-            <a:r>
-              <a:rPr lang="pt-BR" sz="1200" dirty="0">
-                <a:solidFill>
-                  <a:srgbClr val="000000"/>
-                </a:solidFill>
-                <a:latin typeface="Courier New" panose="02070309020205020404" pitchFamily="49" charset="0"/>
-              </a:rPr>
-              <a:t>(T+1,1)=1;</a:t>
-            </a:r>
-          </a:p>
-          <a:p>
-            <a:r>
-              <a:rPr lang="it-IT" sz="1200" dirty="0">
-                <a:solidFill>
-                  <a:srgbClr val="000000"/>
-                </a:solidFill>
-                <a:latin typeface="Courier New" panose="02070309020205020404" pitchFamily="49" charset="0"/>
-              </a:rPr>
-              <a:t>    beq(T+1,1)=X_otimo(i);</a:t>
-            </a:r>
-          </a:p>
-          <a:p>
-            <a:r>
-              <a:rPr lang="pt-BR" sz="1200" dirty="0">
-                <a:solidFill>
-                  <a:srgbClr val="000000"/>
-                </a:solidFill>
-                <a:latin typeface="Courier New" panose="02070309020205020404" pitchFamily="49" charset="0"/>
-              </a:rPr>
-              <a:t>    A = [];</a:t>
-            </a:r>
-          </a:p>
-          <a:p>
-            <a:r>
-              <a:rPr lang="pt-BR" sz="1200" dirty="0">
-                <a:solidFill>
-                  <a:srgbClr val="000000"/>
-                </a:solidFill>
-                <a:latin typeface="Courier New" panose="02070309020205020404" pitchFamily="49" charset="0"/>
-              </a:rPr>
-              <a:t>    b = [];</a:t>
-            </a:r>
             <a:endParaRPr lang="pt-BR" sz="1200" dirty="0"/>
           </a:p>
         </p:txBody>
@@ -23765,7 +23752,7 @@
     </p:spTree>
     <p:extLst>
       <p:ext uri="{BB962C8B-B14F-4D97-AF65-F5344CB8AC3E}">
-        <p14:creationId xmlns:p14="http://schemas.microsoft.com/office/powerpoint/2010/main" val="266129985"/>
+        <p14:creationId xmlns:p14="http://schemas.microsoft.com/office/powerpoint/2010/main" val="4007241495"/>
       </p:ext>
     </p:extLst>
   </p:cSld>
@@ -23957,10 +23944,10 @@
       </p:sp>
       <p:sp>
         <p:nvSpPr>
-          <p:cNvPr id="7" name="Retângulo 6">
-            <a:extLst>
-              <a:ext uri="{FF2B5EF4-FFF2-40B4-BE49-F238E27FC236}">
-                <a16:creationId xmlns:a16="http://schemas.microsoft.com/office/drawing/2014/main" id="{DD50CE3D-C10D-4F46-A8F7-5581978719B7}"/>
+          <p:cNvPr id="8" name="Retângulo 7">
+            <a:extLst>
+              <a:ext uri="{FF2B5EF4-FFF2-40B4-BE49-F238E27FC236}">
+                <a16:creationId xmlns:a16="http://schemas.microsoft.com/office/drawing/2014/main" id="{2036A7F4-7696-4007-AB70-0B46BEF189A8}"/>
               </a:ext>
             </a:extLst>
           </p:cNvPr>
@@ -23969,8 +23956,8 @@
         </p:nvSpPr>
         <p:spPr>
           <a:xfrm>
-            <a:off x="482354" y="2644170"/>
-            <a:ext cx="11629747" cy="3416320"/>
+            <a:off x="838200" y="3013501"/>
+            <a:ext cx="10374297" cy="646331"/>
           </a:xfrm>
           <a:prstGeom prst="rect">
             <a:avLst/>
@@ -23982,7 +23969,6 @@
           </a:bodyPr>
           <a:lstStyle/>
           <a:p>
-            <a:pPr lvl="1"/>
             <a:r>
               <a:rPr lang="pt-BR" sz="1200" dirty="0">
                 <a:solidFill>
@@ -23990,11 +23976,17 @@
                 </a:solidFill>
                 <a:latin typeface="Courier New" panose="02070309020205020404" pitchFamily="49" charset="0"/>
               </a:rPr>
-              <a:t>.</a:t>
-            </a:r>
-          </a:p>
-          <a:p>
-            <a:pPr lvl="1"/>
+              <a:t> </a:t>
+            </a:r>
+            <a:r>
+              <a:rPr lang="pt-BR" sz="1200" dirty="0" err="1">
+                <a:solidFill>
+                  <a:srgbClr val="000000"/>
+                </a:solidFill>
+                <a:latin typeface="Courier New" panose="02070309020205020404" pitchFamily="49" charset="0"/>
+              </a:rPr>
+              <a:t>options</a:t>
+            </a:r>
             <a:r>
               <a:rPr lang="pt-BR" sz="1200" dirty="0">
                 <a:solidFill>
@@ -24002,11 +23994,17 @@
                 </a:solidFill>
                 <a:latin typeface="Courier New" panose="02070309020205020404" pitchFamily="49" charset="0"/>
               </a:rPr>
-              <a:t>.</a:t>
-            </a:r>
-          </a:p>
-          <a:p>
-            <a:pPr lvl="1"/>
+              <a:t> = </a:t>
+            </a:r>
+            <a:r>
+              <a:rPr lang="pt-BR" sz="1200" dirty="0" err="1">
+                <a:solidFill>
+                  <a:srgbClr val="000000"/>
+                </a:solidFill>
+                <a:latin typeface="Courier New" panose="02070309020205020404" pitchFamily="49" charset="0"/>
+              </a:rPr>
+              <a:t>optimset</a:t>
+            </a:r>
             <a:r>
               <a:rPr lang="pt-BR" sz="1200" dirty="0">
                 <a:solidFill>
@@ -24014,18 +24012,142 @@
                 </a:solidFill>
                 <a:latin typeface="Courier New" panose="02070309020205020404" pitchFamily="49" charset="0"/>
               </a:rPr>
-              <a:t>.</a:t>
-            </a:r>
-          </a:p>
-          <a:p>
+              <a:t>(</a:t>
+            </a:r>
             <a:r>
               <a:rPr lang="pt-BR" sz="1200" dirty="0">
                 <a:solidFill>
+                  <a:srgbClr val="A020F0"/>
+                </a:solidFill>
+                <a:latin typeface="Courier New" panose="02070309020205020404" pitchFamily="49" charset="0"/>
+              </a:rPr>
+              <a:t>'</a:t>
+            </a:r>
+            <a:r>
+              <a:rPr lang="pt-BR" sz="1200" dirty="0" err="1">
+                <a:solidFill>
+                  <a:srgbClr val="A020F0"/>
+                </a:solidFill>
+                <a:latin typeface="Courier New" panose="02070309020205020404" pitchFamily="49" charset="0"/>
+              </a:rPr>
+              <a:t>MaxFunEvals</a:t>
+            </a:r>
+            <a:r>
+              <a:rPr lang="pt-BR" sz="1200" dirty="0">
+                <a:solidFill>
+                  <a:srgbClr val="A020F0"/>
+                </a:solidFill>
+                <a:latin typeface="Courier New" panose="02070309020205020404" pitchFamily="49" charset="0"/>
+              </a:rPr>
+              <a:t>'</a:t>
+            </a:r>
+            <a:r>
+              <a:rPr lang="pt-BR" sz="1200" dirty="0">
+                <a:solidFill>
+                  <a:srgbClr val="000000"/>
+                </a:solidFill>
+                <a:latin typeface="Courier New" panose="02070309020205020404" pitchFamily="49" charset="0"/>
+              </a:rPr>
+              <a:t>, 99999, </a:t>
+            </a:r>
+            <a:r>
+              <a:rPr lang="pt-BR" sz="1200" dirty="0">
+                <a:solidFill>
+                  <a:srgbClr val="A020F0"/>
+                </a:solidFill>
+                <a:latin typeface="Courier New" panose="02070309020205020404" pitchFamily="49" charset="0"/>
+              </a:rPr>
+              <a:t>'</a:t>
+            </a:r>
+            <a:r>
+              <a:rPr lang="pt-BR" sz="1200" dirty="0" err="1">
+                <a:solidFill>
+                  <a:srgbClr val="A020F0"/>
+                </a:solidFill>
+                <a:latin typeface="Courier New" panose="02070309020205020404" pitchFamily="49" charset="0"/>
+              </a:rPr>
+              <a:t>MaxIter</a:t>
+            </a:r>
+            <a:r>
+              <a:rPr lang="pt-BR" sz="1200" dirty="0">
+                <a:solidFill>
+                  <a:srgbClr val="A020F0"/>
+                </a:solidFill>
+                <a:latin typeface="Courier New" panose="02070309020205020404" pitchFamily="49" charset="0"/>
+              </a:rPr>
+              <a:t>'</a:t>
+            </a:r>
+            <a:r>
+              <a:rPr lang="pt-BR" sz="1200" dirty="0">
+                <a:solidFill>
+                  <a:srgbClr val="000000"/>
+                </a:solidFill>
+                <a:latin typeface="Courier New" panose="02070309020205020404" pitchFamily="49" charset="0"/>
+              </a:rPr>
+              <a:t>, 999, </a:t>
+            </a:r>
+            <a:r>
+              <a:rPr lang="pt-BR" sz="1200" dirty="0">
+                <a:solidFill>
+                  <a:srgbClr val="A020F0"/>
+                </a:solidFill>
+                <a:latin typeface="Courier New" panose="02070309020205020404" pitchFamily="49" charset="0"/>
+              </a:rPr>
+              <a:t>'</a:t>
+            </a:r>
+            <a:r>
+              <a:rPr lang="pt-BR" sz="1200" dirty="0" err="1">
+                <a:solidFill>
+                  <a:srgbClr val="A020F0"/>
+                </a:solidFill>
+                <a:latin typeface="Courier New" panose="02070309020205020404" pitchFamily="49" charset="0"/>
+              </a:rPr>
+              <a:t>Algorithm</a:t>
+            </a:r>
+            <a:r>
+              <a:rPr lang="pt-BR" sz="1200" dirty="0">
+                <a:solidFill>
+                  <a:srgbClr val="A020F0"/>
+                </a:solidFill>
+                <a:latin typeface="Courier New" panose="02070309020205020404" pitchFamily="49" charset="0"/>
+              </a:rPr>
+              <a:t>'</a:t>
+            </a:r>
+            <a:r>
+              <a:rPr lang="pt-BR" sz="1200" dirty="0">
+                <a:solidFill>
+                  <a:srgbClr val="000000"/>
+                </a:solidFill>
+                <a:latin typeface="Courier New" panose="02070309020205020404" pitchFamily="49" charset="0"/>
+              </a:rPr>
+              <a:t>,</a:t>
+            </a:r>
+            <a:r>
+              <a:rPr lang="pt-BR" sz="1200" dirty="0">
+                <a:solidFill>
+                  <a:srgbClr val="A020F0"/>
+                </a:solidFill>
+                <a:latin typeface="Courier New" panose="02070309020205020404" pitchFamily="49" charset="0"/>
+              </a:rPr>
+              <a:t>'interior-point'</a:t>
+            </a:r>
+            <a:r>
+              <a:rPr lang="pt-BR" sz="1200" dirty="0">
+                <a:solidFill>
+                  <a:srgbClr val="000000"/>
+                </a:solidFill>
+                <a:latin typeface="Courier New" panose="02070309020205020404" pitchFamily="49" charset="0"/>
+              </a:rPr>
+              <a:t>); </a:t>
+            </a:r>
+            <a:r>
+              <a:rPr lang="pt-BR" sz="1200" dirty="0">
+                <a:solidFill>
                   <a:srgbClr val="228B22"/>
                 </a:solidFill>
                 <a:latin typeface="Courier New" panose="02070309020205020404" pitchFamily="49" charset="0"/>
               </a:rPr>
-              <a:t>    %restrições não lineares igualdades</a:t>
+              <a:t>%necessário aumentar o numero de iterações do default (400) para convergir </a:t>
             </a:r>
           </a:p>
           <a:p>
@@ -24036,7 +24158,7 @@
                 </a:solidFill>
                 <a:latin typeface="Courier New" panose="02070309020205020404" pitchFamily="49" charset="0"/>
               </a:rPr>
-              <a:t>    </a:t>
+              <a:t> [</a:t>
             </a:r>
             <a:r>
               <a:rPr lang="pt-BR" sz="1200" dirty="0" err="1">
@@ -24045,7 +24167,7 @@
                 </a:solidFill>
                 <a:latin typeface="Courier New" panose="02070309020205020404" pitchFamily="49" charset="0"/>
               </a:rPr>
-              <a:t>ceq</a:t>
+              <a:t>X,fval,ef,output,lambda</a:t>
             </a:r>
             <a:r>
               <a:rPr lang="pt-BR" sz="1200" dirty="0">
@@ -24054,10 +24176,17 @@
                 </a:solidFill>
                 <a:latin typeface="Courier New" panose="02070309020205020404" pitchFamily="49" charset="0"/>
               </a:rPr>
-              <a:t>=zeros(1,T);</a:t>
-            </a:r>
-          </a:p>
-          <a:p>
+              <a:t>] = </a:t>
+            </a:r>
+            <a:r>
+              <a:rPr lang="pt-BR" sz="1200" dirty="0" err="1">
+                <a:solidFill>
+                  <a:srgbClr val="000000"/>
+                </a:solidFill>
+                <a:latin typeface="Courier New" panose="02070309020205020404" pitchFamily="49" charset="0"/>
+              </a:rPr>
+              <a:t>fmincon</a:t>
+            </a:r>
             <a:r>
               <a:rPr lang="pt-BR" sz="1200" dirty="0">
                 <a:solidFill>
@@ -24065,277 +24194,26 @@
                 </a:solidFill>
                 <a:latin typeface="Courier New" panose="02070309020205020404" pitchFamily="49" charset="0"/>
               </a:rPr>
-              <a:t>    </a:t>
+              <a:t>(</a:t>
+            </a:r>
+            <a:r>
+              <a:rPr lang="pt-BR" sz="1200" dirty="0" err="1">
+                <a:solidFill>
+                  <a:srgbClr val="000000"/>
+                </a:solidFill>
+                <a:latin typeface="Courier New" panose="02070309020205020404" pitchFamily="49" charset="0"/>
+              </a:rPr>
+              <a:t>J,x,A,b,Aeq,beq,lb,ub,nonlincon,options</a:t>
             </a:r>
             <a:r>
               <a:rPr lang="pt-BR" sz="1200" dirty="0">
                 <a:solidFill>
-                  <a:srgbClr val="0000FF"/>
-                </a:solidFill>
-                <a:latin typeface="Courier New" panose="02070309020205020404" pitchFamily="49" charset="0"/>
-              </a:rPr>
-              <a:t>for</a:t>
-            </a:r>
-            <a:r>
-              <a:rPr lang="pt-BR" sz="1200" dirty="0">
-                <a:solidFill>
-                  <a:srgbClr val="000000"/>
-                </a:solidFill>
-                <a:latin typeface="Courier New" panose="02070309020205020404" pitchFamily="49" charset="0"/>
-              </a:rPr>
-              <a:t> t=1:1:T</a:t>
-            </a:r>
-          </a:p>
-          <a:p>
-            <a:pPr lvl="1"/>
-            <a:r>
-              <a:rPr lang="fr-FR" sz="1200" dirty="0" err="1">
-                <a:solidFill>
-                  <a:srgbClr val="000000"/>
-                </a:solidFill>
-                <a:latin typeface="Courier New" panose="02070309020205020404" pitchFamily="49" charset="0"/>
-              </a:rPr>
-              <a:t>ceq</a:t>
-            </a:r>
-            <a:r>
-              <a:rPr lang="fr-FR" sz="1200" dirty="0">
-                <a:solidFill>
-                  <a:srgbClr val="000000"/>
-                </a:solidFill>
-                <a:latin typeface="Courier New" panose="02070309020205020404" pitchFamily="49" charset="0"/>
-              </a:rPr>
-              <a:t>(t)=x(t+2*T)+k*x(</a:t>
-            </a:r>
-            <a:r>
-              <a:rPr lang="fr-FR" sz="1200" dirty="0" err="1">
-                <a:solidFill>
-                  <a:srgbClr val="000000"/>
-                </a:solidFill>
-                <a:latin typeface="Courier New" panose="02070309020205020404" pitchFamily="49" charset="0"/>
-              </a:rPr>
-              <a:t>t+T</a:t>
-            </a:r>
-            <a:r>
-              <a:rPr lang="fr-FR" sz="1200" dirty="0">
-                <a:solidFill>
-                  <a:srgbClr val="000000"/>
-                </a:solidFill>
-                <a:latin typeface="Courier New" panose="02070309020205020404" pitchFamily="49" charset="0"/>
-              </a:rPr>
-              <a:t>)*(a0+a1*x(t)+a2*(x(t)^2)+a3*(x(t)^3)+a4*(x(t)^4)-b0-b1*x(</a:t>
-            </a:r>
-            <a:r>
-              <a:rPr lang="fr-FR" sz="1200" dirty="0" err="1">
-                <a:solidFill>
-                  <a:srgbClr val="000000"/>
-                </a:solidFill>
-                <a:latin typeface="Courier New" panose="02070309020205020404" pitchFamily="49" charset="0"/>
-              </a:rPr>
-              <a:t>t+T</a:t>
-            </a:r>
-            <a:r>
-              <a:rPr lang="fr-FR" sz="1200" dirty="0">
-                <a:solidFill>
-                  <a:srgbClr val="000000"/>
-                </a:solidFill>
-                <a:latin typeface="Courier New" panose="02070309020205020404" pitchFamily="49" charset="0"/>
-              </a:rPr>
-              <a:t>)-b2*(x(</a:t>
-            </a:r>
-            <a:r>
-              <a:rPr lang="fr-FR" sz="1200" dirty="0" err="1">
-                <a:solidFill>
-                  <a:srgbClr val="000000"/>
-                </a:solidFill>
-                <a:latin typeface="Courier New" panose="02070309020205020404" pitchFamily="49" charset="0"/>
-              </a:rPr>
-              <a:t>t+T</a:t>
-            </a:r>
-            <a:r>
-              <a:rPr lang="fr-FR" sz="1200" dirty="0">
-                <a:solidFill>
-                  <a:srgbClr val="000000"/>
-                </a:solidFill>
-                <a:latin typeface="Courier New" panose="02070309020205020404" pitchFamily="49" charset="0"/>
-              </a:rPr>
-              <a:t>)^2)-b3*(x(</a:t>
-            </a:r>
-            <a:r>
-              <a:rPr lang="fr-FR" sz="1200" dirty="0" err="1">
-                <a:solidFill>
-                  <a:srgbClr val="000000"/>
-                </a:solidFill>
-                <a:latin typeface="Courier New" panose="02070309020205020404" pitchFamily="49" charset="0"/>
-              </a:rPr>
-              <a:t>t+T</a:t>
-            </a:r>
-            <a:r>
-              <a:rPr lang="fr-FR" sz="1200" dirty="0">
-                <a:solidFill>
-                  <a:srgbClr val="000000"/>
-                </a:solidFill>
-                <a:latin typeface="Courier New" panose="02070309020205020404" pitchFamily="49" charset="0"/>
-              </a:rPr>
-              <a:t>)^3)-b4*(x(</a:t>
-            </a:r>
-            <a:r>
-              <a:rPr lang="fr-FR" sz="1200" dirty="0" err="1">
-                <a:solidFill>
-                  <a:srgbClr val="000000"/>
-                </a:solidFill>
-                <a:latin typeface="Courier New" panose="02070309020205020404" pitchFamily="49" charset="0"/>
-              </a:rPr>
-              <a:t>t+T</a:t>
-            </a:r>
-            <a:r>
-              <a:rPr lang="fr-FR" sz="1200" dirty="0">
-                <a:solidFill>
-                  <a:srgbClr val="000000"/>
-                </a:solidFill>
-                <a:latin typeface="Courier New" panose="02070309020205020404" pitchFamily="49" charset="0"/>
-              </a:rPr>
-              <a:t>)^4))-d;</a:t>
-            </a:r>
-          </a:p>
-          <a:p>
-            <a:r>
-              <a:rPr lang="pt-BR" sz="1200" dirty="0">
-                <a:solidFill>
-                  <a:srgbClr val="000000"/>
-                </a:solidFill>
-                <a:latin typeface="Courier New" panose="02070309020205020404" pitchFamily="49" charset="0"/>
-              </a:rPr>
-              <a:t>    </a:t>
-            </a:r>
-            <a:r>
-              <a:rPr lang="pt-BR" sz="1200" dirty="0" err="1">
-                <a:solidFill>
-                  <a:srgbClr val="0000FF"/>
-                </a:solidFill>
-                <a:latin typeface="Courier New" panose="02070309020205020404" pitchFamily="49" charset="0"/>
-              </a:rPr>
-              <a:t>end</a:t>
-            </a:r>
-            <a:r>
-              <a:rPr lang="pt-BR" sz="1200" dirty="0">
-                <a:solidFill>
-                  <a:srgbClr val="000000"/>
-                </a:solidFill>
-                <a:latin typeface="Courier New" panose="02070309020205020404" pitchFamily="49" charset="0"/>
-              </a:rPr>
-              <a:t> </a:t>
-            </a:r>
-          </a:p>
-          <a:p>
-            <a:r>
-              <a:rPr lang="pt-BR" sz="1200" dirty="0">
-                <a:solidFill>
-                  <a:srgbClr val="000000"/>
-                </a:solidFill>
-                <a:latin typeface="Courier New" panose="02070309020205020404" pitchFamily="49" charset="0"/>
-              </a:rPr>
-              <a:t>    </a:t>
-            </a:r>
-            <a:r>
-              <a:rPr lang="pt-BR" sz="1200" dirty="0">
-                <a:solidFill>
-                  <a:srgbClr val="228B22"/>
-                </a:solidFill>
-                <a:latin typeface="Courier New" panose="02070309020205020404" pitchFamily="49" charset="0"/>
-              </a:rPr>
-              <a:t>%restrições não lineares desigualdades</a:t>
-            </a:r>
-          </a:p>
-          <a:p>
-            <a:r>
-              <a:rPr lang="pt-BR" sz="1200" dirty="0">
-                <a:solidFill>
-                  <a:srgbClr val="000000"/>
-                </a:solidFill>
-                <a:latin typeface="Courier New" panose="02070309020205020404" pitchFamily="49" charset="0"/>
-              </a:rPr>
-              <a:t>    c = []; </a:t>
-            </a:r>
-            <a:r>
-              <a:rPr lang="pt-BR" sz="1200" dirty="0">
-                <a:solidFill>
-                  <a:srgbClr val="228B22"/>
-                </a:solidFill>
-                <a:latin typeface="Courier New" panose="02070309020205020404" pitchFamily="49" charset="0"/>
-              </a:rPr>
-              <a:t>%&lt;=0</a:t>
-            </a:r>
-          </a:p>
-          <a:p>
-            <a:pPr lvl="1"/>
-            <a:r>
-              <a:rPr lang="pt-BR" sz="1200" dirty="0">
-                <a:solidFill>
-                  <a:srgbClr val="228B22"/>
-                </a:solidFill>
-                <a:latin typeface="Courier New" panose="02070309020205020404" pitchFamily="49" charset="0"/>
-              </a:rPr>
-              <a:t>.</a:t>
-            </a:r>
-          </a:p>
-          <a:p>
-            <a:pPr lvl="1"/>
-            <a:r>
-              <a:rPr lang="pt-BR" sz="1200" dirty="0">
-                <a:solidFill>
-                  <a:srgbClr val="228B22"/>
-                </a:solidFill>
-                <a:latin typeface="Courier New" panose="02070309020205020404" pitchFamily="49" charset="0"/>
-              </a:rPr>
-              <a:t>.</a:t>
-            </a:r>
-          </a:p>
-          <a:p>
-            <a:pPr lvl="1"/>
-            <a:r>
-              <a:rPr lang="pt-BR" sz="1200" dirty="0">
-                <a:solidFill>
-                  <a:srgbClr val="228B22"/>
-                </a:solidFill>
-                <a:latin typeface="Courier New" panose="02070309020205020404" pitchFamily="49" charset="0"/>
-              </a:rPr>
-              <a:t>.</a:t>
-            </a:r>
-          </a:p>
-          <a:p>
-            <a:pPr lvl="1"/>
-            <a:r>
-              <a:rPr lang="pt-BR" sz="1200" dirty="0">
-                <a:solidFill>
-                  <a:srgbClr val="228B22"/>
-                </a:solidFill>
-                <a:latin typeface="Courier New" panose="02070309020205020404" pitchFamily="49" charset="0"/>
-              </a:rPr>
-              <a:t>%Função objetivo</a:t>
-            </a:r>
-          </a:p>
-          <a:p>
-            <a:pPr lvl="1"/>
-            <a:r>
-              <a:rPr lang="de-DE" sz="1200" dirty="0">
-                <a:solidFill>
-                  <a:srgbClr val="000000"/>
-                </a:solidFill>
-                <a:latin typeface="Courier New" panose="02070309020205020404" pitchFamily="49" charset="0"/>
-              </a:rPr>
-              <a:t>J=@(x) 0.02*sum(x(2*T+1:3*T).^2); </a:t>
-            </a:r>
-          </a:p>
-          <a:p>
-            <a:pPr lvl="1"/>
-            <a:endParaRPr lang="pt-BR" sz="1200" dirty="0">
-              <a:solidFill>
-                <a:srgbClr val="228B22"/>
-              </a:solidFill>
-              <a:latin typeface="Courier New" panose="02070309020205020404" pitchFamily="49" charset="0"/>
-            </a:endParaRPr>
-          </a:p>
-          <a:p>
+                  <a:srgbClr val="000000"/>
+                </a:solidFill>
+                <a:latin typeface="Courier New" panose="02070309020205020404" pitchFamily="49" charset="0"/>
+              </a:rPr>
+              <a:t>);</a:t>
+            </a:r>
             <a:endParaRPr lang="pt-BR" sz="1200" dirty="0"/>
           </a:p>
         </p:txBody>
@@ -24343,7 +24221,7 @@
     </p:spTree>
     <p:extLst>
       <p:ext uri="{BB962C8B-B14F-4D97-AF65-F5344CB8AC3E}">
-        <p14:creationId xmlns:p14="http://schemas.microsoft.com/office/powerpoint/2010/main" val="4007241495"/>
+        <p14:creationId xmlns:p14="http://schemas.microsoft.com/office/powerpoint/2010/main" val="2353882798"/>
       </p:ext>
     </p:extLst>
   </p:cSld>
@@ -24372,10 +24250,10 @@
       </p:grpSpPr>
       <p:sp>
         <p:nvSpPr>
-          <p:cNvPr id="2" name="Título 1">
-            <a:extLst>
-              <a:ext uri="{FF2B5EF4-FFF2-40B4-BE49-F238E27FC236}">
-                <a16:creationId xmlns:a16="http://schemas.microsoft.com/office/drawing/2014/main" id="{C786C0C3-DF52-417A-A71C-1FE35D7BFF56}"/>
+          <p:cNvPr id="12" name="Título 11">
+            <a:extLst>
+              <a:ext uri="{FF2B5EF4-FFF2-40B4-BE49-F238E27FC236}">
+                <a16:creationId xmlns:a16="http://schemas.microsoft.com/office/drawing/2014/main" id="{2832DA7E-F139-47C2-9BD0-C653F237A067}"/>
               </a:ext>
             </a:extLst>
           </p:cNvPr>
@@ -24394,65 +24272,21 @@
             <a:pPr algn="ctr"/>
             <a:r>
               <a:rPr lang="pt-BR" dirty="0"/>
-              <a:t>Programação Não Linear</a:t>
-            </a:r>
-          </a:p>
-        </p:txBody>
-      </p:sp>
-      <p:sp>
-        <p:nvSpPr>
-          <p:cNvPr id="3" name="Espaço Reservado para Conteúdo 2">
-            <a:extLst>
-              <a:ext uri="{FF2B5EF4-FFF2-40B4-BE49-F238E27FC236}">
-                <a16:creationId xmlns:a16="http://schemas.microsoft.com/office/drawing/2014/main" id="{1AE1BB08-EB09-488F-8303-B8DC3ABC23E5}"/>
-              </a:ext>
-            </a:extLst>
-          </p:cNvPr>
-          <p:cNvSpPr>
-            <a:spLocks noGrp="1"/>
-          </p:cNvSpPr>
-          <p:nvPr>
-            <p:ph idx="1"/>
-          </p:nvPr>
-        </p:nvSpPr>
-        <p:spPr/>
-        <p:txBody>
-          <a:bodyPr/>
-          <a:lstStyle/>
-          <a:p>
-            <a:r>
-              <a:rPr lang="pt-BR" dirty="0"/>
-              <a:t>Implementação do algoritmo:</a:t>
-            </a:r>
-          </a:p>
-          <a:p>
-            <a:endParaRPr lang="pt-BR" dirty="0"/>
-          </a:p>
-          <a:p>
-            <a:pPr marL="914400" lvl="1" indent="-457200">
-              <a:buFont typeface="+mj-lt"/>
-              <a:buAutoNum type="arabicPeriod"/>
-            </a:pPr>
-            <a:endParaRPr lang="pt-BR" dirty="0"/>
-          </a:p>
-          <a:p>
-            <a:pPr marL="914400" lvl="1" indent="-457200">
-              <a:buFont typeface="+mj-lt"/>
-              <a:buAutoNum type="arabicPeriod"/>
-            </a:pPr>
-            <a:endParaRPr lang="pt-BR" dirty="0"/>
-          </a:p>
-          <a:p>
-            <a:endParaRPr lang="pt-BR" dirty="0"/>
-          </a:p>
-        </p:txBody>
-      </p:sp>
-      <p:sp>
-        <p:nvSpPr>
-          <p:cNvPr id="4" name="Espaço Reservado para Data 3">
-            <a:extLst>
-              <a:ext uri="{FF2B5EF4-FFF2-40B4-BE49-F238E27FC236}">
-                <a16:creationId xmlns:a16="http://schemas.microsoft.com/office/drawing/2014/main" id="{FA7383F8-5832-4E1B-AC37-ABEB7C985B21}"/>
+              <a:t>Simulação PNL – Afluência Histórica </a:t>
+            </a:r>
+            <a:r>
+              <a:rPr lang="pt-BR" sz="1400" dirty="0"/>
+              <a:t>(1056 meses: t_exec~3,5h)</a:t>
+            </a:r>
+          </a:p>
+        </p:txBody>
+      </p:sp>
+      <p:sp>
+        <p:nvSpPr>
+          <p:cNvPr id="5" name="Espaço Reservado para Data 4">
+            <a:extLst>
+              <a:ext uri="{FF2B5EF4-FFF2-40B4-BE49-F238E27FC236}">
+                <a16:creationId xmlns:a16="http://schemas.microsoft.com/office/drawing/2014/main" id="{9A39578D-D67D-4E86-BD5B-E6236E7EDD22}"/>
               </a:ext>
             </a:extLst>
           </p:cNvPr>
@@ -24477,10 +24311,10 @@
       </p:sp>
       <p:sp>
         <p:nvSpPr>
-          <p:cNvPr id="5" name="Espaço Reservado para Rodapé 4">
-            <a:extLst>
-              <a:ext uri="{FF2B5EF4-FFF2-40B4-BE49-F238E27FC236}">
-                <a16:creationId xmlns:a16="http://schemas.microsoft.com/office/drawing/2014/main" id="{24B4C247-B48C-4874-935B-B1B3DB77B616}"/>
+          <p:cNvPr id="6" name="Espaço Reservado para Rodapé 5">
+            <a:extLst>
+              <a:ext uri="{FF2B5EF4-FFF2-40B4-BE49-F238E27FC236}">
+                <a16:creationId xmlns:a16="http://schemas.microsoft.com/office/drawing/2014/main" id="{0C651934-FD18-4828-A880-88E5D4FDE4EF}"/>
               </a:ext>
             </a:extLst>
           </p:cNvPr>
@@ -24500,16 +24334,15 @@
               <a:rPr lang="pt-BR"/>
               <a:t>IT306U - Planejamento e Programação da Operação</a:t>
             </a:r>
-            <a:endParaRPr lang="pt-BR" dirty="0"/>
-          </a:p>
-        </p:txBody>
-      </p:sp>
-      <p:sp>
-        <p:nvSpPr>
-          <p:cNvPr id="6" name="Espaço Reservado para Número de Slide 5">
-            <a:extLst>
-              <a:ext uri="{FF2B5EF4-FFF2-40B4-BE49-F238E27FC236}">
-                <a16:creationId xmlns:a16="http://schemas.microsoft.com/office/drawing/2014/main" id="{5FCDFF39-5721-45B6-8437-D164767F3933}"/>
+          </a:p>
+        </p:txBody>
+      </p:sp>
+      <p:sp>
+        <p:nvSpPr>
+          <p:cNvPr id="7" name="Espaço Reservado para Número de Slide 6">
+            <a:extLst>
+              <a:ext uri="{FF2B5EF4-FFF2-40B4-BE49-F238E27FC236}">
+                <a16:creationId xmlns:a16="http://schemas.microsoft.com/office/drawing/2014/main" id="{B4277B3A-E682-4B41-8819-082C707144E9}"/>
               </a:ext>
             </a:extLst>
           </p:cNvPr>
@@ -24528,745 +24361,6 @@
             <a:fld id="{8579997A-84E9-4B38-967C-2D4A110C3049}" type="slidenum">
               <a:rPr lang="pt-BR" smtClean="0"/>
               <a:t>39</a:t>
-            </a:fld>
-            <a:endParaRPr lang="pt-BR"/>
-          </a:p>
-        </p:txBody>
-      </p:sp>
-      <p:sp>
-        <p:nvSpPr>
-          <p:cNvPr id="8" name="Retângulo 7">
-            <a:extLst>
-              <a:ext uri="{FF2B5EF4-FFF2-40B4-BE49-F238E27FC236}">
-                <a16:creationId xmlns:a16="http://schemas.microsoft.com/office/drawing/2014/main" id="{2036A7F4-7696-4007-AB70-0B46BEF189A8}"/>
-              </a:ext>
-            </a:extLst>
-          </p:cNvPr>
-          <p:cNvSpPr/>
-          <p:nvPr/>
-        </p:nvSpPr>
-        <p:spPr>
-          <a:xfrm>
-            <a:off x="838200" y="3013501"/>
-            <a:ext cx="10374297" cy="646331"/>
-          </a:xfrm>
-          <a:prstGeom prst="rect">
-            <a:avLst/>
-          </a:prstGeom>
-        </p:spPr>
-        <p:txBody>
-          <a:bodyPr wrap="square">
-            <a:spAutoFit/>
-          </a:bodyPr>
-          <a:lstStyle/>
-          <a:p>
-            <a:r>
-              <a:rPr lang="pt-BR" sz="1200" dirty="0">
-                <a:solidFill>
-                  <a:srgbClr val="000000"/>
-                </a:solidFill>
-                <a:latin typeface="Courier New" panose="02070309020205020404" pitchFamily="49" charset="0"/>
-              </a:rPr>
-              <a:t> </a:t>
-            </a:r>
-            <a:r>
-              <a:rPr lang="pt-BR" sz="1200" dirty="0" err="1">
-                <a:solidFill>
-                  <a:srgbClr val="000000"/>
-                </a:solidFill>
-                <a:latin typeface="Courier New" panose="02070309020205020404" pitchFamily="49" charset="0"/>
-              </a:rPr>
-              <a:t>options</a:t>
-            </a:r>
-            <a:r>
-              <a:rPr lang="pt-BR" sz="1200" dirty="0">
-                <a:solidFill>
-                  <a:srgbClr val="000000"/>
-                </a:solidFill>
-                <a:latin typeface="Courier New" panose="02070309020205020404" pitchFamily="49" charset="0"/>
-              </a:rPr>
-              <a:t> = </a:t>
-            </a:r>
-            <a:r>
-              <a:rPr lang="pt-BR" sz="1200" dirty="0" err="1">
-                <a:solidFill>
-                  <a:srgbClr val="000000"/>
-                </a:solidFill>
-                <a:latin typeface="Courier New" panose="02070309020205020404" pitchFamily="49" charset="0"/>
-              </a:rPr>
-              <a:t>optimset</a:t>
-            </a:r>
-            <a:r>
-              <a:rPr lang="pt-BR" sz="1200" dirty="0">
-                <a:solidFill>
-                  <a:srgbClr val="000000"/>
-                </a:solidFill>
-                <a:latin typeface="Courier New" panose="02070309020205020404" pitchFamily="49" charset="0"/>
-              </a:rPr>
-              <a:t>(</a:t>
-            </a:r>
-            <a:r>
-              <a:rPr lang="pt-BR" sz="1200" dirty="0">
-                <a:solidFill>
-                  <a:srgbClr val="A020F0"/>
-                </a:solidFill>
-                <a:latin typeface="Courier New" panose="02070309020205020404" pitchFamily="49" charset="0"/>
-              </a:rPr>
-              <a:t>'</a:t>
-            </a:r>
-            <a:r>
-              <a:rPr lang="pt-BR" sz="1200" dirty="0" err="1">
-                <a:solidFill>
-                  <a:srgbClr val="A020F0"/>
-                </a:solidFill>
-                <a:latin typeface="Courier New" panose="02070309020205020404" pitchFamily="49" charset="0"/>
-              </a:rPr>
-              <a:t>MaxFunEvals</a:t>
-            </a:r>
-            <a:r>
-              <a:rPr lang="pt-BR" sz="1200" dirty="0">
-                <a:solidFill>
-                  <a:srgbClr val="A020F0"/>
-                </a:solidFill>
-                <a:latin typeface="Courier New" panose="02070309020205020404" pitchFamily="49" charset="0"/>
-              </a:rPr>
-              <a:t>'</a:t>
-            </a:r>
-            <a:r>
-              <a:rPr lang="pt-BR" sz="1200" dirty="0">
-                <a:solidFill>
-                  <a:srgbClr val="000000"/>
-                </a:solidFill>
-                <a:latin typeface="Courier New" panose="02070309020205020404" pitchFamily="49" charset="0"/>
-              </a:rPr>
-              <a:t>, 99999, </a:t>
-            </a:r>
-            <a:r>
-              <a:rPr lang="pt-BR" sz="1200" dirty="0">
-                <a:solidFill>
-                  <a:srgbClr val="A020F0"/>
-                </a:solidFill>
-                <a:latin typeface="Courier New" panose="02070309020205020404" pitchFamily="49" charset="0"/>
-              </a:rPr>
-              <a:t>'</a:t>
-            </a:r>
-            <a:r>
-              <a:rPr lang="pt-BR" sz="1200" dirty="0" err="1">
-                <a:solidFill>
-                  <a:srgbClr val="A020F0"/>
-                </a:solidFill>
-                <a:latin typeface="Courier New" panose="02070309020205020404" pitchFamily="49" charset="0"/>
-              </a:rPr>
-              <a:t>MaxIter</a:t>
-            </a:r>
-            <a:r>
-              <a:rPr lang="pt-BR" sz="1200" dirty="0">
-                <a:solidFill>
-                  <a:srgbClr val="A020F0"/>
-                </a:solidFill>
-                <a:latin typeface="Courier New" panose="02070309020205020404" pitchFamily="49" charset="0"/>
-              </a:rPr>
-              <a:t>'</a:t>
-            </a:r>
-            <a:r>
-              <a:rPr lang="pt-BR" sz="1200" dirty="0">
-                <a:solidFill>
-                  <a:srgbClr val="000000"/>
-                </a:solidFill>
-                <a:latin typeface="Courier New" panose="02070309020205020404" pitchFamily="49" charset="0"/>
-              </a:rPr>
-              <a:t>, 999, </a:t>
-            </a:r>
-            <a:r>
-              <a:rPr lang="pt-BR" sz="1200" dirty="0">
-                <a:solidFill>
-                  <a:srgbClr val="A020F0"/>
-                </a:solidFill>
-                <a:latin typeface="Courier New" panose="02070309020205020404" pitchFamily="49" charset="0"/>
-              </a:rPr>
-              <a:t>'</a:t>
-            </a:r>
-            <a:r>
-              <a:rPr lang="pt-BR" sz="1200" dirty="0" err="1">
-                <a:solidFill>
-                  <a:srgbClr val="A020F0"/>
-                </a:solidFill>
-                <a:latin typeface="Courier New" panose="02070309020205020404" pitchFamily="49" charset="0"/>
-              </a:rPr>
-              <a:t>Algorithm</a:t>
-            </a:r>
-            <a:r>
-              <a:rPr lang="pt-BR" sz="1200" dirty="0">
-                <a:solidFill>
-                  <a:srgbClr val="A020F0"/>
-                </a:solidFill>
-                <a:latin typeface="Courier New" panose="02070309020205020404" pitchFamily="49" charset="0"/>
-              </a:rPr>
-              <a:t>'</a:t>
-            </a:r>
-            <a:r>
-              <a:rPr lang="pt-BR" sz="1200" dirty="0">
-                <a:solidFill>
-                  <a:srgbClr val="000000"/>
-                </a:solidFill>
-                <a:latin typeface="Courier New" panose="02070309020205020404" pitchFamily="49" charset="0"/>
-              </a:rPr>
-              <a:t>,</a:t>
-            </a:r>
-            <a:r>
-              <a:rPr lang="pt-BR" sz="1200" dirty="0">
-                <a:solidFill>
-                  <a:srgbClr val="A020F0"/>
-                </a:solidFill>
-                <a:latin typeface="Courier New" panose="02070309020205020404" pitchFamily="49" charset="0"/>
-              </a:rPr>
-              <a:t>'interior-point'</a:t>
-            </a:r>
-            <a:r>
-              <a:rPr lang="pt-BR" sz="1200" dirty="0">
-                <a:solidFill>
-                  <a:srgbClr val="000000"/>
-                </a:solidFill>
-                <a:latin typeface="Courier New" panose="02070309020205020404" pitchFamily="49" charset="0"/>
-              </a:rPr>
-              <a:t>); </a:t>
-            </a:r>
-            <a:r>
-              <a:rPr lang="pt-BR" sz="1200" dirty="0">
-                <a:solidFill>
-                  <a:srgbClr val="228B22"/>
-                </a:solidFill>
-                <a:latin typeface="Courier New" panose="02070309020205020404" pitchFamily="49" charset="0"/>
-              </a:rPr>
-              <a:t>%necessário aumentar o numero de iterações do default (400) para convergir </a:t>
-            </a:r>
-          </a:p>
-          <a:p>
-            <a:r>
-              <a:rPr lang="pt-BR" sz="1200" dirty="0">
-                <a:solidFill>
-                  <a:srgbClr val="000000"/>
-                </a:solidFill>
-                <a:latin typeface="Courier New" panose="02070309020205020404" pitchFamily="49" charset="0"/>
-              </a:rPr>
-              <a:t> [</a:t>
-            </a:r>
-            <a:r>
-              <a:rPr lang="pt-BR" sz="1200" dirty="0" err="1">
-                <a:solidFill>
-                  <a:srgbClr val="000000"/>
-                </a:solidFill>
-                <a:latin typeface="Courier New" panose="02070309020205020404" pitchFamily="49" charset="0"/>
-              </a:rPr>
-              <a:t>X,fval,ef,output,lambda</a:t>
-            </a:r>
-            <a:r>
-              <a:rPr lang="pt-BR" sz="1200" dirty="0">
-                <a:solidFill>
-                  <a:srgbClr val="000000"/>
-                </a:solidFill>
-                <a:latin typeface="Courier New" panose="02070309020205020404" pitchFamily="49" charset="0"/>
-              </a:rPr>
-              <a:t>] = </a:t>
-            </a:r>
-            <a:r>
-              <a:rPr lang="pt-BR" sz="1200" dirty="0" err="1">
-                <a:solidFill>
-                  <a:srgbClr val="000000"/>
-                </a:solidFill>
-                <a:latin typeface="Courier New" panose="02070309020205020404" pitchFamily="49" charset="0"/>
-              </a:rPr>
-              <a:t>fmincon</a:t>
-            </a:r>
-            <a:r>
-              <a:rPr lang="pt-BR" sz="1200" dirty="0">
-                <a:solidFill>
-                  <a:srgbClr val="000000"/>
-                </a:solidFill>
-                <a:latin typeface="Courier New" panose="02070309020205020404" pitchFamily="49" charset="0"/>
-              </a:rPr>
-              <a:t>(</a:t>
-            </a:r>
-            <a:r>
-              <a:rPr lang="pt-BR" sz="1200" dirty="0" err="1">
-                <a:solidFill>
-                  <a:srgbClr val="000000"/>
-                </a:solidFill>
-                <a:latin typeface="Courier New" panose="02070309020205020404" pitchFamily="49" charset="0"/>
-              </a:rPr>
-              <a:t>J,x,A,b,Aeq,beq,lb,ub,nonlincon,options</a:t>
-            </a:r>
-            <a:r>
-              <a:rPr lang="pt-BR" sz="1200" dirty="0">
-                <a:solidFill>
-                  <a:srgbClr val="000000"/>
-                </a:solidFill>
-                <a:latin typeface="Courier New" panose="02070309020205020404" pitchFamily="49" charset="0"/>
-              </a:rPr>
-              <a:t>);</a:t>
-            </a:r>
-            <a:endParaRPr lang="pt-BR" sz="1200" dirty="0"/>
-          </a:p>
-        </p:txBody>
-      </p:sp>
-    </p:spTree>
-    <p:extLst>
-      <p:ext uri="{BB962C8B-B14F-4D97-AF65-F5344CB8AC3E}">
-        <p14:creationId xmlns:p14="http://schemas.microsoft.com/office/powerpoint/2010/main" val="2353882798"/>
-      </p:ext>
-    </p:extLst>
-  </p:cSld>
-  <p:clrMapOvr>
-    <a:masterClrMapping/>
-  </p:clrMapOvr>
-</p:sld>
-</file>
-
-<file path=ppt/slides/slide4.xml><?xml version="1.0" encoding="utf-8"?>
-<p:sld xmlns:a="http://schemas.openxmlformats.org/drawingml/2006/main" xmlns:r="http://schemas.openxmlformats.org/officeDocument/2006/relationships" xmlns:p="http://schemas.openxmlformats.org/presentationml/2006/main">
-  <p:cSld>
-    <p:spTree>
-      <p:nvGrpSpPr>
-        <p:cNvPr id="1" name=""/>
-        <p:cNvGrpSpPr/>
-        <p:nvPr/>
-      </p:nvGrpSpPr>
-      <p:grpSpPr>
-        <a:xfrm>
-          <a:off x="0" y="0"/>
-          <a:ext cx="0" cy="0"/>
-          <a:chOff x="0" y="0"/>
-          <a:chExt cx="0" cy="0"/>
-        </a:xfrm>
-      </p:grpSpPr>
-      <p:sp>
-        <p:nvSpPr>
-          <p:cNvPr id="2" name="Título 1">
-            <a:extLst>
-              <a:ext uri="{FF2B5EF4-FFF2-40B4-BE49-F238E27FC236}">
-                <a16:creationId xmlns:a16="http://schemas.microsoft.com/office/drawing/2014/main" id="{C786C0C3-DF52-417A-A71C-1FE35D7BFF56}"/>
-              </a:ext>
-            </a:extLst>
-          </p:cNvPr>
-          <p:cNvSpPr>
-            <a:spLocks noGrp="1"/>
-          </p:cNvSpPr>
-          <p:nvPr>
-            <p:ph type="title"/>
-          </p:nvPr>
-        </p:nvSpPr>
-        <p:spPr/>
-        <p:txBody>
-          <a:bodyPr/>
-          <a:lstStyle/>
-          <a:p>
-            <a:r>
-              <a:rPr lang="pt-BR" dirty="0"/>
-              <a:t>Como obter dados para elaborar um estudo?</a:t>
-            </a:r>
-          </a:p>
-        </p:txBody>
-      </p:sp>
-      <p:sp>
-        <p:nvSpPr>
-          <p:cNvPr id="4" name="Espaço Reservado para Data 3">
-            <a:extLst>
-              <a:ext uri="{FF2B5EF4-FFF2-40B4-BE49-F238E27FC236}">
-                <a16:creationId xmlns:a16="http://schemas.microsoft.com/office/drawing/2014/main" id="{FA7383F8-5832-4E1B-AC37-ABEB7C985B21}"/>
-              </a:ext>
-            </a:extLst>
-          </p:cNvPr>
-          <p:cNvSpPr>
-            <a:spLocks noGrp="1"/>
-          </p:cNvSpPr>
-          <p:nvPr>
-            <p:ph type="dt" sz="half" idx="10"/>
-          </p:nvPr>
-        </p:nvSpPr>
-        <p:spPr/>
-        <p:txBody>
-          <a:bodyPr/>
-          <a:lstStyle/>
-          <a:p>
-            <a:r>
-              <a:rPr lang="pt-BR"/>
-              <a:t>Novembro 2019</a:t>
-            </a:r>
-          </a:p>
-        </p:txBody>
-      </p:sp>
-      <p:sp>
-        <p:nvSpPr>
-          <p:cNvPr id="5" name="Espaço Reservado para Rodapé 4">
-            <a:extLst>
-              <a:ext uri="{FF2B5EF4-FFF2-40B4-BE49-F238E27FC236}">
-                <a16:creationId xmlns:a16="http://schemas.microsoft.com/office/drawing/2014/main" id="{24B4C247-B48C-4874-935B-B1B3DB77B616}"/>
-              </a:ext>
-            </a:extLst>
-          </p:cNvPr>
-          <p:cNvSpPr>
-            <a:spLocks noGrp="1"/>
-          </p:cNvSpPr>
-          <p:nvPr>
-            <p:ph type="ftr" sz="quarter" idx="11"/>
-          </p:nvPr>
-        </p:nvSpPr>
-        <p:spPr/>
-        <p:txBody>
-          <a:bodyPr/>
-          <a:lstStyle/>
-          <a:p>
-            <a:r>
-              <a:rPr lang="pt-BR"/>
-              <a:t>IT306U - Planejamento e Programação da Operação</a:t>
-            </a:r>
-            <a:endParaRPr lang="pt-BR" dirty="0"/>
-          </a:p>
-        </p:txBody>
-      </p:sp>
-      <p:sp>
-        <p:nvSpPr>
-          <p:cNvPr id="6" name="Espaço Reservado para Número de Slide 5">
-            <a:extLst>
-              <a:ext uri="{FF2B5EF4-FFF2-40B4-BE49-F238E27FC236}">
-                <a16:creationId xmlns:a16="http://schemas.microsoft.com/office/drawing/2014/main" id="{5FCDFF39-5721-45B6-8437-D164767F3933}"/>
-              </a:ext>
-            </a:extLst>
-          </p:cNvPr>
-          <p:cNvSpPr>
-            <a:spLocks noGrp="1"/>
-          </p:cNvSpPr>
-          <p:nvPr>
-            <p:ph type="sldNum" sz="quarter" idx="12"/>
-          </p:nvPr>
-        </p:nvSpPr>
-        <p:spPr/>
-        <p:txBody>
-          <a:bodyPr/>
-          <a:lstStyle/>
-          <a:p>
-            <a:fld id="{8579997A-84E9-4B38-967C-2D4A110C3049}" type="slidenum">
-              <a:rPr lang="pt-BR" smtClean="0"/>
-              <a:t>4</a:t>
-            </a:fld>
-            <a:endParaRPr lang="pt-BR"/>
-          </a:p>
-        </p:txBody>
-      </p:sp>
-      <p:pic>
-        <p:nvPicPr>
-          <p:cNvPr id="7" name="Imagem 6">
-            <a:extLst>
-              <a:ext uri="{FF2B5EF4-FFF2-40B4-BE49-F238E27FC236}">
-                <a16:creationId xmlns:a16="http://schemas.microsoft.com/office/drawing/2014/main" id="{75EE7BD5-3BC2-4823-A3E0-A8F2D338E99C}"/>
-              </a:ext>
-            </a:extLst>
-          </p:cNvPr>
-          <p:cNvPicPr>
-            <a:picLocks noChangeAspect="1"/>
-          </p:cNvPicPr>
-          <p:nvPr/>
-        </p:nvPicPr>
-        <p:blipFill rotWithShape="1">
-          <a:blip r:embed="rId2"/>
-          <a:srcRect t="62093" b="5285"/>
-          <a:stretch/>
-        </p:blipFill>
-        <p:spPr>
-          <a:xfrm>
-            <a:off x="838200" y="1494585"/>
-            <a:ext cx="10534650" cy="1802167"/>
-          </a:xfrm>
-          <a:prstGeom prst="rect">
-            <a:avLst/>
-          </a:prstGeom>
-        </p:spPr>
-      </p:pic>
-      <p:pic>
-        <p:nvPicPr>
-          <p:cNvPr id="11" name="Imagem 10">
-            <a:extLst>
-              <a:ext uri="{FF2B5EF4-FFF2-40B4-BE49-F238E27FC236}">
-                <a16:creationId xmlns:a16="http://schemas.microsoft.com/office/drawing/2014/main" id="{CC47D800-2769-422C-BB9B-55CE1568F399}"/>
-              </a:ext>
-            </a:extLst>
-          </p:cNvPr>
-          <p:cNvPicPr>
-            <a:picLocks noChangeAspect="1"/>
-          </p:cNvPicPr>
-          <p:nvPr/>
-        </p:nvPicPr>
-        <p:blipFill rotWithShape="1">
-          <a:blip r:embed="rId3"/>
-          <a:srcRect l="3216" b="30769"/>
-          <a:stretch/>
-        </p:blipFill>
-        <p:spPr>
-          <a:xfrm>
-            <a:off x="3321780" y="3977956"/>
-            <a:ext cx="5503554" cy="685800"/>
-          </a:xfrm>
-          <a:prstGeom prst="rect">
-            <a:avLst/>
-          </a:prstGeom>
-        </p:spPr>
-      </p:pic>
-      <p:sp>
-        <p:nvSpPr>
-          <p:cNvPr id="12" name="CaixaDeTexto 11">
-            <a:extLst>
-              <a:ext uri="{FF2B5EF4-FFF2-40B4-BE49-F238E27FC236}">
-                <a16:creationId xmlns:a16="http://schemas.microsoft.com/office/drawing/2014/main" id="{6D2EB63C-7EA6-484E-BDD3-E0D0B7F4551E}"/>
-              </a:ext>
-            </a:extLst>
-          </p:cNvPr>
-          <p:cNvSpPr txBox="1"/>
-          <p:nvPr/>
-        </p:nvSpPr>
-        <p:spPr>
-          <a:xfrm>
-            <a:off x="5853625" y="4594943"/>
-            <a:ext cx="219932" cy="600164"/>
-          </a:xfrm>
-          <a:prstGeom prst="rect">
-            <a:avLst/>
-          </a:prstGeom>
-          <a:noFill/>
-        </p:spPr>
-        <p:txBody>
-          <a:bodyPr wrap="none" rtlCol="0">
-            <a:spAutoFit/>
-          </a:bodyPr>
-          <a:lstStyle/>
-          <a:p>
-            <a:r>
-              <a:rPr lang="pt-BR" sz="1100" dirty="0"/>
-              <a:t>.</a:t>
-            </a:r>
-          </a:p>
-          <a:p>
-            <a:r>
-              <a:rPr lang="pt-BR" sz="1100" dirty="0"/>
-              <a:t>.</a:t>
-            </a:r>
-          </a:p>
-          <a:p>
-            <a:r>
-              <a:rPr lang="pt-BR" sz="1100" dirty="0"/>
-              <a:t>.</a:t>
-            </a:r>
-            <a:endParaRPr lang="pt-BR" dirty="0"/>
-          </a:p>
-        </p:txBody>
-      </p:sp>
-      <p:pic>
-        <p:nvPicPr>
-          <p:cNvPr id="15" name="Imagem 14">
-            <a:extLst>
-              <a:ext uri="{FF2B5EF4-FFF2-40B4-BE49-F238E27FC236}">
-                <a16:creationId xmlns:a16="http://schemas.microsoft.com/office/drawing/2014/main" id="{8AD0F707-0357-4B4E-B25B-204B51F84AFD}"/>
-              </a:ext>
-            </a:extLst>
-          </p:cNvPr>
-          <p:cNvPicPr>
-            <a:picLocks noChangeAspect="1"/>
-          </p:cNvPicPr>
-          <p:nvPr/>
-        </p:nvPicPr>
-        <p:blipFill>
-          <a:blip r:embed="rId4"/>
-          <a:stretch>
-            <a:fillRect/>
-          </a:stretch>
-        </p:blipFill>
-        <p:spPr>
-          <a:xfrm>
-            <a:off x="3262312" y="5227954"/>
-            <a:ext cx="5667375" cy="685800"/>
-          </a:xfrm>
-          <a:prstGeom prst="rect">
-            <a:avLst/>
-          </a:prstGeom>
-        </p:spPr>
-      </p:pic>
-      <p:sp>
-        <p:nvSpPr>
-          <p:cNvPr id="16" name="CaixaDeTexto 15">
-            <a:extLst>
-              <a:ext uri="{FF2B5EF4-FFF2-40B4-BE49-F238E27FC236}">
-                <a16:creationId xmlns:a16="http://schemas.microsoft.com/office/drawing/2014/main" id="{12B3C420-6356-4132-9B4D-121D49FE049C}"/>
-              </a:ext>
-            </a:extLst>
-          </p:cNvPr>
-          <p:cNvSpPr txBox="1"/>
-          <p:nvPr/>
-        </p:nvSpPr>
-        <p:spPr>
-          <a:xfrm>
-            <a:off x="3485989" y="3467780"/>
-            <a:ext cx="4892686" cy="369332"/>
-          </a:xfrm>
-          <a:prstGeom prst="rect">
-            <a:avLst/>
-          </a:prstGeom>
-          <a:noFill/>
-        </p:spPr>
-        <p:txBody>
-          <a:bodyPr wrap="none" rtlCol="0">
-            <a:spAutoFit/>
-          </a:bodyPr>
-          <a:lstStyle/>
-          <a:p>
-            <a:r>
-              <a:rPr lang="pt-BR" dirty="0"/>
-              <a:t>Módulo 7 – Planejamento da Operação Energética</a:t>
-            </a:r>
-          </a:p>
-        </p:txBody>
-      </p:sp>
-    </p:spTree>
-    <p:extLst>
-      <p:ext uri="{BB962C8B-B14F-4D97-AF65-F5344CB8AC3E}">
-        <p14:creationId xmlns:p14="http://schemas.microsoft.com/office/powerpoint/2010/main" val="301870597"/>
-      </p:ext>
-    </p:extLst>
-  </p:cSld>
-  <p:clrMapOvr>
-    <a:masterClrMapping/>
-  </p:clrMapOvr>
-</p:sld>
-</file>
-
-<file path=ppt/slides/slide40.xml><?xml version="1.0" encoding="utf-8"?>
-<p:sld xmlns:a="http://schemas.openxmlformats.org/drawingml/2006/main" xmlns:r="http://schemas.openxmlformats.org/officeDocument/2006/relationships" xmlns:p="http://schemas.openxmlformats.org/presentationml/2006/main">
-  <p:cSld>
-    <p:spTree>
-      <p:nvGrpSpPr>
-        <p:cNvPr id="1" name=""/>
-        <p:cNvGrpSpPr/>
-        <p:nvPr/>
-      </p:nvGrpSpPr>
-      <p:grpSpPr>
-        <a:xfrm>
-          <a:off x="0" y="0"/>
-          <a:ext cx="0" cy="0"/>
-          <a:chOff x="0" y="0"/>
-          <a:chExt cx="0" cy="0"/>
-        </a:xfrm>
-      </p:grpSpPr>
-      <p:sp>
-        <p:nvSpPr>
-          <p:cNvPr id="12" name="Título 11">
-            <a:extLst>
-              <a:ext uri="{FF2B5EF4-FFF2-40B4-BE49-F238E27FC236}">
-                <a16:creationId xmlns:a16="http://schemas.microsoft.com/office/drawing/2014/main" id="{2832DA7E-F139-47C2-9BD0-C653F237A067}"/>
-              </a:ext>
-            </a:extLst>
-          </p:cNvPr>
-          <p:cNvSpPr>
-            <a:spLocks noGrp="1"/>
-          </p:cNvSpPr>
-          <p:nvPr>
-            <p:ph type="title"/>
-          </p:nvPr>
-        </p:nvSpPr>
-        <p:spPr/>
-        <p:txBody>
-          <a:bodyPr/>
-          <a:lstStyle/>
-          <a:p>
-            <a:pPr algn="ctr"/>
-            <a:r>
-              <a:rPr lang="pt-BR" dirty="0"/>
-              <a:t>Simulação PNL – Afluência Histórica </a:t>
-            </a:r>
-            <a:r>
-              <a:rPr lang="pt-BR" sz="1400" dirty="0"/>
-              <a:t>(1056 meses: t_exec~3,5h)</a:t>
-            </a:r>
-          </a:p>
-        </p:txBody>
-      </p:sp>
-      <p:sp>
-        <p:nvSpPr>
-          <p:cNvPr id="5" name="Espaço Reservado para Data 4">
-            <a:extLst>
-              <a:ext uri="{FF2B5EF4-FFF2-40B4-BE49-F238E27FC236}">
-                <a16:creationId xmlns:a16="http://schemas.microsoft.com/office/drawing/2014/main" id="{9A39578D-D67D-4E86-BD5B-E6236E7EDD22}"/>
-              </a:ext>
-            </a:extLst>
-          </p:cNvPr>
-          <p:cNvSpPr>
-            <a:spLocks noGrp="1"/>
-          </p:cNvSpPr>
-          <p:nvPr>
-            <p:ph type="dt" sz="half" idx="10"/>
-          </p:nvPr>
-        </p:nvSpPr>
-        <p:spPr/>
-        <p:txBody>
-          <a:bodyPr/>
-          <a:lstStyle/>
-          <a:p>
-            <a:r>
-              <a:rPr lang="pt-BR"/>
-              <a:t>Novembro 2019</a:t>
-            </a:r>
-          </a:p>
-        </p:txBody>
-      </p:sp>
-      <p:sp>
-        <p:nvSpPr>
-          <p:cNvPr id="6" name="Espaço Reservado para Rodapé 5">
-            <a:extLst>
-              <a:ext uri="{FF2B5EF4-FFF2-40B4-BE49-F238E27FC236}">
-                <a16:creationId xmlns:a16="http://schemas.microsoft.com/office/drawing/2014/main" id="{0C651934-FD18-4828-A880-88E5D4FDE4EF}"/>
-              </a:ext>
-            </a:extLst>
-          </p:cNvPr>
-          <p:cNvSpPr>
-            <a:spLocks noGrp="1"/>
-          </p:cNvSpPr>
-          <p:nvPr>
-            <p:ph type="ftr" sz="quarter" idx="11"/>
-          </p:nvPr>
-        </p:nvSpPr>
-        <p:spPr/>
-        <p:txBody>
-          <a:bodyPr/>
-          <a:lstStyle/>
-          <a:p>
-            <a:r>
-              <a:rPr lang="pt-BR"/>
-              <a:t>IT306U - Planejamento e Programação da Operação</a:t>
-            </a:r>
-          </a:p>
-        </p:txBody>
-      </p:sp>
-      <p:sp>
-        <p:nvSpPr>
-          <p:cNvPr id="7" name="Espaço Reservado para Número de Slide 6">
-            <a:extLst>
-              <a:ext uri="{FF2B5EF4-FFF2-40B4-BE49-F238E27FC236}">
-                <a16:creationId xmlns:a16="http://schemas.microsoft.com/office/drawing/2014/main" id="{B4277B3A-E682-4B41-8819-082C707144E9}"/>
-              </a:ext>
-            </a:extLst>
-          </p:cNvPr>
-          <p:cNvSpPr>
-            <a:spLocks noGrp="1"/>
-          </p:cNvSpPr>
-          <p:nvPr>
-            <p:ph type="sldNum" sz="quarter" idx="12"/>
-          </p:nvPr>
-        </p:nvSpPr>
-        <p:spPr/>
-        <p:txBody>
-          <a:bodyPr/>
-          <a:lstStyle/>
-          <a:p>
-            <a:fld id="{8579997A-84E9-4B38-967C-2D4A110C3049}" type="slidenum">
-              <a:rPr lang="pt-BR" smtClean="0"/>
-              <a:t>40</a:t>
             </a:fld>
             <a:endParaRPr lang="pt-BR"/>
           </a:p>
@@ -25314,7 +24408,7 @@
 </p:sld>
 </file>
 
-<file path=ppt/slides/slide41.xml><?xml version="1.0" encoding="utf-8"?>
+<file path=ppt/slides/slide4.xml><?xml version="1.0" encoding="utf-8"?>
 <p:sld xmlns:a="http://schemas.openxmlformats.org/drawingml/2006/main" xmlns:r="http://schemas.openxmlformats.org/officeDocument/2006/relationships" xmlns:p="http://schemas.openxmlformats.org/presentationml/2006/main">
   <p:cSld>
     <p:spTree>
@@ -25333,10 +24427,10 @@
       </p:grpSpPr>
       <p:sp>
         <p:nvSpPr>
-          <p:cNvPr id="12" name="Título 11">
-            <a:extLst>
-              <a:ext uri="{FF2B5EF4-FFF2-40B4-BE49-F238E27FC236}">
-                <a16:creationId xmlns:a16="http://schemas.microsoft.com/office/drawing/2014/main" id="{2832DA7E-F139-47C2-9BD0-C653F237A067}"/>
+          <p:cNvPr id="2" name="Título 1">
+            <a:extLst>
+              <a:ext uri="{FF2B5EF4-FFF2-40B4-BE49-F238E27FC236}">
+                <a16:creationId xmlns:a16="http://schemas.microsoft.com/office/drawing/2014/main" id="{C786C0C3-DF52-417A-A71C-1FE35D7BFF56}"/>
               </a:ext>
             </a:extLst>
           </p:cNvPr>
@@ -25352,25 +24446,19 @@
           <a:bodyPr/>
           <a:lstStyle/>
           <a:p>
-            <a:pPr algn="ctr"/>
             <a:r>
               <a:rPr lang="pt-BR" dirty="0"/>
-              <a:t>Simulação PNL – Afluência Histórica </a:t>
-            </a:r>
-            <a:r>
-              <a:rPr lang="pt-BR" sz="1400" dirty="0"/>
-              <a:t>(1056 meses: t_exec~3,5h) </a:t>
-            </a:r>
-            <a:endParaRPr lang="pt-BR" sz="1500" dirty="0"/>
-          </a:p>
-        </p:txBody>
-      </p:sp>
-      <p:sp>
-        <p:nvSpPr>
-          <p:cNvPr id="5" name="Espaço Reservado para Data 4">
-            <a:extLst>
-              <a:ext uri="{FF2B5EF4-FFF2-40B4-BE49-F238E27FC236}">
-                <a16:creationId xmlns:a16="http://schemas.microsoft.com/office/drawing/2014/main" id="{9A39578D-D67D-4E86-BD5B-E6236E7EDD22}"/>
+              <a:t>Como obter dados para elaborar um estudo?</a:t>
+            </a:r>
+          </a:p>
+        </p:txBody>
+      </p:sp>
+      <p:sp>
+        <p:nvSpPr>
+          <p:cNvPr id="4" name="Espaço Reservado para Data 3">
+            <a:extLst>
+              <a:ext uri="{FF2B5EF4-FFF2-40B4-BE49-F238E27FC236}">
+                <a16:creationId xmlns:a16="http://schemas.microsoft.com/office/drawing/2014/main" id="{FA7383F8-5832-4E1B-AC37-ABEB7C985B21}"/>
               </a:ext>
             </a:extLst>
           </p:cNvPr>
@@ -25395,10 +24483,10 @@
       </p:sp>
       <p:sp>
         <p:nvSpPr>
-          <p:cNvPr id="6" name="Espaço Reservado para Rodapé 5">
-            <a:extLst>
-              <a:ext uri="{FF2B5EF4-FFF2-40B4-BE49-F238E27FC236}">
-                <a16:creationId xmlns:a16="http://schemas.microsoft.com/office/drawing/2014/main" id="{0C651934-FD18-4828-A880-88E5D4FDE4EF}"/>
+          <p:cNvPr id="5" name="Espaço Reservado para Rodapé 4">
+            <a:extLst>
+              <a:ext uri="{FF2B5EF4-FFF2-40B4-BE49-F238E27FC236}">
+                <a16:creationId xmlns:a16="http://schemas.microsoft.com/office/drawing/2014/main" id="{24B4C247-B48C-4874-935B-B1B3DB77B616}"/>
               </a:ext>
             </a:extLst>
           </p:cNvPr>
@@ -25418,15 +24506,16 @@
               <a:rPr lang="pt-BR"/>
               <a:t>IT306U - Planejamento e Programação da Operação</a:t>
             </a:r>
-          </a:p>
-        </p:txBody>
-      </p:sp>
-      <p:sp>
-        <p:nvSpPr>
-          <p:cNvPr id="7" name="Espaço Reservado para Número de Slide 6">
-            <a:extLst>
-              <a:ext uri="{FF2B5EF4-FFF2-40B4-BE49-F238E27FC236}">
-                <a16:creationId xmlns:a16="http://schemas.microsoft.com/office/drawing/2014/main" id="{B4277B3A-E682-4B41-8819-082C707144E9}"/>
+            <a:endParaRPr lang="pt-BR" dirty="0"/>
+          </a:p>
+        </p:txBody>
+      </p:sp>
+      <p:sp>
+        <p:nvSpPr>
+          <p:cNvPr id="6" name="Espaço Reservado para Número de Slide 5">
+            <a:extLst>
+              <a:ext uri="{FF2B5EF4-FFF2-40B4-BE49-F238E27FC236}">
+                <a16:creationId xmlns:a16="http://schemas.microsoft.com/office/drawing/2014/main" id="{5FCDFF39-5721-45B6-8437-D164767F3933}"/>
               </a:ext>
             </a:extLst>
           </p:cNvPr>
@@ -25444,7 +24533,327 @@
           <a:p>
             <a:fld id="{8579997A-84E9-4B38-967C-2D4A110C3049}" type="slidenum">
               <a:rPr lang="pt-BR" smtClean="0"/>
-              <a:t>41</a:t>
+              <a:t>4</a:t>
+            </a:fld>
+            <a:endParaRPr lang="pt-BR"/>
+          </a:p>
+        </p:txBody>
+      </p:sp>
+      <p:pic>
+        <p:nvPicPr>
+          <p:cNvPr id="7" name="Imagem 6">
+            <a:extLst>
+              <a:ext uri="{FF2B5EF4-FFF2-40B4-BE49-F238E27FC236}">
+                <a16:creationId xmlns:a16="http://schemas.microsoft.com/office/drawing/2014/main" id="{75EE7BD5-3BC2-4823-A3E0-A8F2D338E99C}"/>
+              </a:ext>
+            </a:extLst>
+          </p:cNvPr>
+          <p:cNvPicPr>
+            <a:picLocks noChangeAspect="1"/>
+          </p:cNvPicPr>
+          <p:nvPr/>
+        </p:nvPicPr>
+        <p:blipFill rotWithShape="1">
+          <a:blip r:embed="rId2"/>
+          <a:srcRect t="62093" b="5285"/>
+          <a:stretch/>
+        </p:blipFill>
+        <p:spPr>
+          <a:xfrm>
+            <a:off x="838200" y="1494585"/>
+            <a:ext cx="10534650" cy="1802167"/>
+          </a:xfrm>
+          <a:prstGeom prst="rect">
+            <a:avLst/>
+          </a:prstGeom>
+        </p:spPr>
+      </p:pic>
+      <p:pic>
+        <p:nvPicPr>
+          <p:cNvPr id="11" name="Imagem 10">
+            <a:extLst>
+              <a:ext uri="{FF2B5EF4-FFF2-40B4-BE49-F238E27FC236}">
+                <a16:creationId xmlns:a16="http://schemas.microsoft.com/office/drawing/2014/main" id="{CC47D800-2769-422C-BB9B-55CE1568F399}"/>
+              </a:ext>
+            </a:extLst>
+          </p:cNvPr>
+          <p:cNvPicPr>
+            <a:picLocks noChangeAspect="1"/>
+          </p:cNvPicPr>
+          <p:nvPr/>
+        </p:nvPicPr>
+        <p:blipFill rotWithShape="1">
+          <a:blip r:embed="rId3"/>
+          <a:srcRect l="3216" b="30769"/>
+          <a:stretch/>
+        </p:blipFill>
+        <p:spPr>
+          <a:xfrm>
+            <a:off x="3321780" y="3977956"/>
+            <a:ext cx="5503554" cy="685800"/>
+          </a:xfrm>
+          <a:prstGeom prst="rect">
+            <a:avLst/>
+          </a:prstGeom>
+        </p:spPr>
+      </p:pic>
+      <p:sp>
+        <p:nvSpPr>
+          <p:cNvPr id="12" name="CaixaDeTexto 11">
+            <a:extLst>
+              <a:ext uri="{FF2B5EF4-FFF2-40B4-BE49-F238E27FC236}">
+                <a16:creationId xmlns:a16="http://schemas.microsoft.com/office/drawing/2014/main" id="{6D2EB63C-7EA6-484E-BDD3-E0D0B7F4551E}"/>
+              </a:ext>
+            </a:extLst>
+          </p:cNvPr>
+          <p:cNvSpPr txBox="1"/>
+          <p:nvPr/>
+        </p:nvSpPr>
+        <p:spPr>
+          <a:xfrm>
+            <a:off x="5853625" y="4594943"/>
+            <a:ext cx="219932" cy="600164"/>
+          </a:xfrm>
+          <a:prstGeom prst="rect">
+            <a:avLst/>
+          </a:prstGeom>
+          <a:noFill/>
+        </p:spPr>
+        <p:txBody>
+          <a:bodyPr wrap="none" rtlCol="0">
+            <a:spAutoFit/>
+          </a:bodyPr>
+          <a:lstStyle/>
+          <a:p>
+            <a:r>
+              <a:rPr lang="pt-BR" sz="1100" dirty="0"/>
+              <a:t>.</a:t>
+            </a:r>
+          </a:p>
+          <a:p>
+            <a:r>
+              <a:rPr lang="pt-BR" sz="1100" dirty="0"/>
+              <a:t>.</a:t>
+            </a:r>
+          </a:p>
+          <a:p>
+            <a:r>
+              <a:rPr lang="pt-BR" sz="1100" dirty="0"/>
+              <a:t>.</a:t>
+            </a:r>
+            <a:endParaRPr lang="pt-BR" dirty="0"/>
+          </a:p>
+        </p:txBody>
+      </p:sp>
+      <p:pic>
+        <p:nvPicPr>
+          <p:cNvPr id="15" name="Imagem 14">
+            <a:extLst>
+              <a:ext uri="{FF2B5EF4-FFF2-40B4-BE49-F238E27FC236}">
+                <a16:creationId xmlns:a16="http://schemas.microsoft.com/office/drawing/2014/main" id="{8AD0F707-0357-4B4E-B25B-204B51F84AFD}"/>
+              </a:ext>
+            </a:extLst>
+          </p:cNvPr>
+          <p:cNvPicPr>
+            <a:picLocks noChangeAspect="1"/>
+          </p:cNvPicPr>
+          <p:nvPr/>
+        </p:nvPicPr>
+        <p:blipFill>
+          <a:blip r:embed="rId4"/>
+          <a:stretch>
+            <a:fillRect/>
+          </a:stretch>
+        </p:blipFill>
+        <p:spPr>
+          <a:xfrm>
+            <a:off x="3262312" y="5227954"/>
+            <a:ext cx="5667375" cy="685800"/>
+          </a:xfrm>
+          <a:prstGeom prst="rect">
+            <a:avLst/>
+          </a:prstGeom>
+        </p:spPr>
+      </p:pic>
+      <p:sp>
+        <p:nvSpPr>
+          <p:cNvPr id="16" name="CaixaDeTexto 15">
+            <a:extLst>
+              <a:ext uri="{FF2B5EF4-FFF2-40B4-BE49-F238E27FC236}">
+                <a16:creationId xmlns:a16="http://schemas.microsoft.com/office/drawing/2014/main" id="{12B3C420-6356-4132-9B4D-121D49FE049C}"/>
+              </a:ext>
+            </a:extLst>
+          </p:cNvPr>
+          <p:cNvSpPr txBox="1"/>
+          <p:nvPr/>
+        </p:nvSpPr>
+        <p:spPr>
+          <a:xfrm>
+            <a:off x="3485989" y="3467780"/>
+            <a:ext cx="4892686" cy="369332"/>
+          </a:xfrm>
+          <a:prstGeom prst="rect">
+            <a:avLst/>
+          </a:prstGeom>
+          <a:noFill/>
+        </p:spPr>
+        <p:txBody>
+          <a:bodyPr wrap="none" rtlCol="0">
+            <a:spAutoFit/>
+          </a:bodyPr>
+          <a:lstStyle/>
+          <a:p>
+            <a:r>
+              <a:rPr lang="pt-BR" dirty="0"/>
+              <a:t>Módulo 7 – Planejamento da Operação Energética</a:t>
+            </a:r>
+          </a:p>
+        </p:txBody>
+      </p:sp>
+    </p:spTree>
+    <p:extLst>
+      <p:ext uri="{BB962C8B-B14F-4D97-AF65-F5344CB8AC3E}">
+        <p14:creationId xmlns:p14="http://schemas.microsoft.com/office/powerpoint/2010/main" val="301870597"/>
+      </p:ext>
+    </p:extLst>
+  </p:cSld>
+  <p:clrMapOvr>
+    <a:masterClrMapping/>
+  </p:clrMapOvr>
+</p:sld>
+</file>
+
+<file path=ppt/slides/slide40.xml><?xml version="1.0" encoding="utf-8"?>
+<p:sld xmlns:a="http://schemas.openxmlformats.org/drawingml/2006/main" xmlns:r="http://schemas.openxmlformats.org/officeDocument/2006/relationships" xmlns:p="http://schemas.openxmlformats.org/presentationml/2006/main">
+  <p:cSld>
+    <p:spTree>
+      <p:nvGrpSpPr>
+        <p:cNvPr id="1" name=""/>
+        <p:cNvGrpSpPr/>
+        <p:nvPr/>
+      </p:nvGrpSpPr>
+      <p:grpSpPr>
+        <a:xfrm>
+          <a:off x="0" y="0"/>
+          <a:ext cx="0" cy="0"/>
+          <a:chOff x="0" y="0"/>
+          <a:chExt cx="0" cy="0"/>
+        </a:xfrm>
+      </p:grpSpPr>
+      <p:sp>
+        <p:nvSpPr>
+          <p:cNvPr id="12" name="Título 11">
+            <a:extLst>
+              <a:ext uri="{FF2B5EF4-FFF2-40B4-BE49-F238E27FC236}">
+                <a16:creationId xmlns:a16="http://schemas.microsoft.com/office/drawing/2014/main" id="{2832DA7E-F139-47C2-9BD0-C653F237A067}"/>
+              </a:ext>
+            </a:extLst>
+          </p:cNvPr>
+          <p:cNvSpPr>
+            <a:spLocks noGrp="1"/>
+          </p:cNvSpPr>
+          <p:nvPr>
+            <p:ph type="title"/>
+          </p:nvPr>
+        </p:nvSpPr>
+        <p:spPr/>
+        <p:txBody>
+          <a:bodyPr/>
+          <a:lstStyle/>
+          <a:p>
+            <a:pPr algn="ctr"/>
+            <a:r>
+              <a:rPr lang="pt-BR" dirty="0"/>
+              <a:t>Simulação PNL – Afluência Histórica </a:t>
+            </a:r>
+            <a:r>
+              <a:rPr lang="pt-BR" sz="1400" dirty="0"/>
+              <a:t>(1056 meses: t_exec~3,5h) </a:t>
+            </a:r>
+            <a:endParaRPr lang="pt-BR" sz="1500" dirty="0"/>
+          </a:p>
+        </p:txBody>
+      </p:sp>
+      <p:sp>
+        <p:nvSpPr>
+          <p:cNvPr id="5" name="Espaço Reservado para Data 4">
+            <a:extLst>
+              <a:ext uri="{FF2B5EF4-FFF2-40B4-BE49-F238E27FC236}">
+                <a16:creationId xmlns:a16="http://schemas.microsoft.com/office/drawing/2014/main" id="{9A39578D-D67D-4E86-BD5B-E6236E7EDD22}"/>
+              </a:ext>
+            </a:extLst>
+          </p:cNvPr>
+          <p:cNvSpPr>
+            <a:spLocks noGrp="1"/>
+          </p:cNvSpPr>
+          <p:nvPr>
+            <p:ph type="dt" sz="half" idx="10"/>
+          </p:nvPr>
+        </p:nvSpPr>
+        <p:spPr/>
+        <p:txBody>
+          <a:bodyPr/>
+          <a:lstStyle/>
+          <a:p>
+            <a:r>
+              <a:rPr lang="pt-BR"/>
+              <a:t>Novembro 2019</a:t>
+            </a:r>
+          </a:p>
+        </p:txBody>
+      </p:sp>
+      <p:sp>
+        <p:nvSpPr>
+          <p:cNvPr id="6" name="Espaço Reservado para Rodapé 5">
+            <a:extLst>
+              <a:ext uri="{FF2B5EF4-FFF2-40B4-BE49-F238E27FC236}">
+                <a16:creationId xmlns:a16="http://schemas.microsoft.com/office/drawing/2014/main" id="{0C651934-FD18-4828-A880-88E5D4FDE4EF}"/>
+              </a:ext>
+            </a:extLst>
+          </p:cNvPr>
+          <p:cNvSpPr>
+            <a:spLocks noGrp="1"/>
+          </p:cNvSpPr>
+          <p:nvPr>
+            <p:ph type="ftr" sz="quarter" idx="11"/>
+          </p:nvPr>
+        </p:nvSpPr>
+        <p:spPr/>
+        <p:txBody>
+          <a:bodyPr/>
+          <a:lstStyle/>
+          <a:p>
+            <a:r>
+              <a:rPr lang="pt-BR"/>
+              <a:t>IT306U - Planejamento e Programação da Operação</a:t>
+            </a:r>
+          </a:p>
+        </p:txBody>
+      </p:sp>
+      <p:sp>
+        <p:nvSpPr>
+          <p:cNvPr id="7" name="Espaço Reservado para Número de Slide 6">
+            <a:extLst>
+              <a:ext uri="{FF2B5EF4-FFF2-40B4-BE49-F238E27FC236}">
+                <a16:creationId xmlns:a16="http://schemas.microsoft.com/office/drawing/2014/main" id="{B4277B3A-E682-4B41-8819-082C707144E9}"/>
+              </a:ext>
+            </a:extLst>
+          </p:cNvPr>
+          <p:cNvSpPr>
+            <a:spLocks noGrp="1"/>
+          </p:cNvSpPr>
+          <p:nvPr>
+            <p:ph type="sldNum" sz="quarter" idx="12"/>
+          </p:nvPr>
+        </p:nvSpPr>
+        <p:spPr/>
+        <p:txBody>
+          <a:bodyPr/>
+          <a:lstStyle/>
+          <a:p>
+            <a:fld id="{8579997A-84E9-4B38-967C-2D4A110C3049}" type="slidenum">
+              <a:rPr lang="pt-BR" smtClean="0"/>
+              <a:t>40</a:t>
             </a:fld>
             <a:endParaRPr lang="pt-BR"/>
           </a:p>
@@ -25492,7 +24901,7 @@
 </p:sld>
 </file>
 
-<file path=ppt/slides/slide42.xml><?xml version="1.0" encoding="utf-8"?>
+<file path=ppt/slides/slide41.xml><?xml version="1.0" encoding="utf-8"?>
 <p:sld xmlns:a="http://schemas.openxmlformats.org/drawingml/2006/main" xmlns:r="http://schemas.openxmlformats.org/officeDocument/2006/relationships" xmlns:p="http://schemas.openxmlformats.org/presentationml/2006/main">
   <p:cSld>
     <p:spTree>
@@ -25617,7 +25026,7 @@
           <a:p>
             <a:fld id="{8579997A-84E9-4B38-967C-2D4A110C3049}" type="slidenum">
               <a:rPr lang="pt-BR" smtClean="0"/>
-              <a:t>42</a:t>
+              <a:t>41</a:t>
             </a:fld>
             <a:endParaRPr lang="pt-BR"/>
           </a:p>
@@ -26523,7 +25932,7 @@
 </p:sld>
 </file>
 
-<file path=ppt/slides/slide43.xml><?xml version="1.0" encoding="utf-8"?>
+<file path=ppt/slides/slide42.xml><?xml version="1.0" encoding="utf-8"?>
 <p:sld xmlns:a="http://schemas.openxmlformats.org/drawingml/2006/main" xmlns:r="http://schemas.openxmlformats.org/officeDocument/2006/relationships" xmlns:p="http://schemas.openxmlformats.org/presentationml/2006/main">
   <p:cSld>
     <p:spTree>
@@ -26648,7 +26057,7 @@
           <a:p>
             <a:fld id="{8579997A-84E9-4B38-967C-2D4A110C3049}" type="slidenum">
               <a:rPr lang="pt-BR" smtClean="0"/>
-              <a:t>43</a:t>
+              <a:t>42</a:t>
             </a:fld>
             <a:endParaRPr lang="pt-BR"/>
           </a:p>
@@ -27918,7 +27327,7 @@
 </p:sld>
 </file>
 
-<file path=ppt/slides/slide44.xml><?xml version="1.0" encoding="utf-8"?>
+<file path=ppt/slides/slide43.xml><?xml version="1.0" encoding="utf-8"?>
 <p:sld xmlns:a="http://schemas.openxmlformats.org/drawingml/2006/main" xmlns:r="http://schemas.openxmlformats.org/officeDocument/2006/relationships" xmlns:p="http://schemas.openxmlformats.org/presentationml/2006/main">
   <p:cSld>
     <p:spTree>
@@ -28102,7 +27511,7 @@
           <a:p>
             <a:fld id="{8579997A-84E9-4B38-967C-2D4A110C3049}" type="slidenum">
               <a:rPr lang="pt-BR" smtClean="0"/>
-              <a:t>44</a:t>
+              <a:t>43</a:t>
             </a:fld>
             <a:endParaRPr lang="pt-BR"/>
           </a:p>
@@ -28684,7 +28093,7 @@
 </p:sld>
 </file>
 
-<file path=ppt/slides/slide45.xml><?xml version="1.0" encoding="utf-8"?>
+<file path=ppt/slides/slide44.xml><?xml version="1.0" encoding="utf-8"?>
 <p:sld xmlns:a="http://schemas.openxmlformats.org/drawingml/2006/main" xmlns:r="http://schemas.openxmlformats.org/officeDocument/2006/relationships" xmlns:p="http://schemas.openxmlformats.org/presentationml/2006/main">
   <p:cSld>
     <p:spTree>
@@ -28755,7 +28164,7 @@
           <a:p>
             <a:r>
               <a:rPr lang="pt-BR" sz="2200" dirty="0"/>
-              <a:t>Adaptar entrada de dados para modelo de subsistemas do NEWAVE (sistema hidráulico equivalente, )</a:t>
+              <a:t>Adaptar entrada de dados para modelo de subsistemas do NEWAVE (sistema hidráulico equivalente)</a:t>
             </a:r>
           </a:p>
           <a:p>
@@ -28851,7 +28260,7 @@
           <a:p>
             <a:fld id="{8579997A-84E9-4B38-967C-2D4A110C3049}" type="slidenum">
               <a:rPr lang="pt-BR" smtClean="0"/>
-              <a:t>45</a:t>
+              <a:t>44</a:t>
             </a:fld>
             <a:endParaRPr lang="pt-BR"/>
           </a:p>
@@ -28890,6 +28299,200 @@
     <p:extLst>
       <p:ext uri="{BB962C8B-B14F-4D97-AF65-F5344CB8AC3E}">
         <p14:creationId xmlns:p14="http://schemas.microsoft.com/office/powerpoint/2010/main" val="1261776918"/>
+      </p:ext>
+    </p:extLst>
+  </p:cSld>
+  <p:clrMapOvr>
+    <a:masterClrMapping/>
+  </p:clrMapOvr>
+</p:sld>
+</file>
+
+<file path=ppt/slides/slide45.xml><?xml version="1.0" encoding="utf-8"?>
+<p:sld xmlns:a="http://schemas.openxmlformats.org/drawingml/2006/main" xmlns:r="http://schemas.openxmlformats.org/officeDocument/2006/relationships" xmlns:p="http://schemas.openxmlformats.org/presentationml/2006/main">
+  <p:cSld>
+    <p:spTree>
+      <p:nvGrpSpPr>
+        <p:cNvPr id="1" name=""/>
+        <p:cNvGrpSpPr/>
+        <p:nvPr/>
+      </p:nvGrpSpPr>
+      <p:grpSpPr>
+        <a:xfrm>
+          <a:off x="0" y="0"/>
+          <a:ext cx="0" cy="0"/>
+          <a:chOff x="0" y="0"/>
+          <a:chExt cx="0" cy="0"/>
+        </a:xfrm>
+      </p:grpSpPr>
+      <p:sp>
+        <p:nvSpPr>
+          <p:cNvPr id="5" name="Título 4">
+            <a:extLst>
+              <a:ext uri="{FF2B5EF4-FFF2-40B4-BE49-F238E27FC236}">
+                <a16:creationId xmlns:a16="http://schemas.microsoft.com/office/drawing/2014/main" id="{7257F22A-3199-43F6-B790-0373E14E37D8}"/>
+              </a:ext>
+            </a:extLst>
+          </p:cNvPr>
+          <p:cNvSpPr>
+            <a:spLocks noGrp="1"/>
+          </p:cNvSpPr>
+          <p:nvPr>
+            <p:ph type="ctrTitle"/>
+          </p:nvPr>
+        </p:nvSpPr>
+        <p:spPr/>
+        <p:txBody>
+          <a:bodyPr/>
+          <a:lstStyle/>
+          <a:p>
+            <a:r>
+              <a:rPr lang="pt-BR" dirty="0"/>
+              <a:t>Despacho Econômico Hidrotérmico</a:t>
+            </a:r>
+          </a:p>
+        </p:txBody>
+      </p:sp>
+      <p:sp>
+        <p:nvSpPr>
+          <p:cNvPr id="7" name="Subtítulo 6">
+            <a:extLst>
+              <a:ext uri="{FF2B5EF4-FFF2-40B4-BE49-F238E27FC236}">
+                <a16:creationId xmlns:a16="http://schemas.microsoft.com/office/drawing/2014/main" id="{C98639C8-8FDA-48B3-BE6E-0F5EFF7807E7}"/>
+              </a:ext>
+            </a:extLst>
+          </p:cNvPr>
+          <p:cNvSpPr>
+            <a:spLocks noGrp="1"/>
+          </p:cNvSpPr>
+          <p:nvPr>
+            <p:ph type="subTitle" idx="1"/>
+          </p:nvPr>
+        </p:nvSpPr>
+        <p:spPr/>
+        <p:txBody>
+          <a:bodyPr>
+            <a:normAutofit/>
+          </a:bodyPr>
+          <a:lstStyle/>
+          <a:p>
+            <a:r>
+              <a:rPr lang="pt-BR" dirty="0"/>
+              <a:t>Solução PDD, PDEI e PNL em MATLAB</a:t>
+            </a:r>
+          </a:p>
+          <a:p>
+            <a:endParaRPr lang="pt-BR" dirty="0"/>
+          </a:p>
+          <a:p>
+            <a:r>
+              <a:rPr lang="pt-BR" sz="1800" dirty="0"/>
+              <a:t>Filipe Salles de Oliveira</a:t>
+            </a:r>
+          </a:p>
+          <a:p>
+            <a:r>
+              <a:rPr lang="pt-BR" sz="1800" dirty="0"/>
+              <a:t>fsaolive@gmail.com</a:t>
+            </a:r>
+          </a:p>
+          <a:p>
+            <a:endParaRPr lang="pt-BR" dirty="0"/>
+          </a:p>
+        </p:txBody>
+      </p:sp>
+      <p:sp>
+        <p:nvSpPr>
+          <p:cNvPr id="13" name="Espaço Reservado para Data 12">
+            <a:extLst>
+              <a:ext uri="{FF2B5EF4-FFF2-40B4-BE49-F238E27FC236}">
+                <a16:creationId xmlns:a16="http://schemas.microsoft.com/office/drawing/2014/main" id="{7B2EC9B4-31FA-4873-83B6-52EE84359103}"/>
+              </a:ext>
+            </a:extLst>
+          </p:cNvPr>
+          <p:cNvSpPr>
+            <a:spLocks noGrp="1"/>
+          </p:cNvSpPr>
+          <p:nvPr>
+            <p:ph type="dt" sz="half" idx="10"/>
+          </p:nvPr>
+        </p:nvSpPr>
+        <p:spPr/>
+        <p:txBody>
+          <a:bodyPr/>
+          <a:lstStyle/>
+          <a:p>
+            <a:r>
+              <a:rPr lang="pt-BR"/>
+              <a:t>Novembro 2019</a:t>
+            </a:r>
+            <a:endParaRPr lang="pt-BR" dirty="0"/>
+          </a:p>
+        </p:txBody>
+      </p:sp>
+      <p:sp>
+        <p:nvSpPr>
+          <p:cNvPr id="11" name="Espaço Reservado para Rodapé 10">
+            <a:extLst>
+              <a:ext uri="{FF2B5EF4-FFF2-40B4-BE49-F238E27FC236}">
+                <a16:creationId xmlns:a16="http://schemas.microsoft.com/office/drawing/2014/main" id="{01EF3F91-6E1F-4F0F-BD5A-44DC770965E9}"/>
+              </a:ext>
+            </a:extLst>
+          </p:cNvPr>
+          <p:cNvSpPr>
+            <a:spLocks noGrp="1"/>
+          </p:cNvSpPr>
+          <p:nvPr>
+            <p:ph type="ftr" sz="quarter" idx="11"/>
+          </p:nvPr>
+        </p:nvSpPr>
+        <p:spPr/>
+        <p:txBody>
+          <a:bodyPr/>
+          <a:lstStyle/>
+          <a:p>
+            <a:r>
+              <a:rPr lang="pt-BR"/>
+              <a:t>IT306U - Planejamento e Programação da Operação</a:t>
+            </a:r>
+            <a:endParaRPr lang="pt-BR" dirty="0"/>
+          </a:p>
+        </p:txBody>
+      </p:sp>
+      <p:sp>
+        <p:nvSpPr>
+          <p:cNvPr id="12" name="Espaço Reservado para Número de Slide 11">
+            <a:extLst>
+              <a:ext uri="{FF2B5EF4-FFF2-40B4-BE49-F238E27FC236}">
+                <a16:creationId xmlns:a16="http://schemas.microsoft.com/office/drawing/2014/main" id="{C7786D52-37B5-41E3-B58C-33DE9CA327F7}"/>
+              </a:ext>
+            </a:extLst>
+          </p:cNvPr>
+          <p:cNvSpPr>
+            <a:spLocks noGrp="1"/>
+          </p:cNvSpPr>
+          <p:nvPr>
+            <p:ph type="sldNum" sz="quarter" idx="12"/>
+          </p:nvPr>
+        </p:nvSpPr>
+        <p:spPr/>
+        <p:txBody>
+          <a:bodyPr/>
+          <a:lstStyle/>
+          <a:p>
+            <a:fld id="{8579997A-84E9-4B38-967C-2D4A110C3049}" type="slidenum">
+              <a:rPr lang="pt-BR" smtClean="0"/>
+              <a:pPr/>
+              <a:t>45</a:t>
+            </a:fld>
+            <a:endParaRPr lang="pt-BR"/>
+          </a:p>
+        </p:txBody>
+      </p:sp>
+    </p:spTree>
+    <p:extLst>
+      <p:ext uri="{BB962C8B-B14F-4D97-AF65-F5344CB8AC3E}">
+        <p14:creationId xmlns:p14="http://schemas.microsoft.com/office/powerpoint/2010/main" val="3705314618"/>
       </p:ext>
     </p:extLst>
   </p:cSld>

--- a/Rel_slides_rev1.pptx
+++ b/Rel_slides_rev1.pptx
@@ -270,7 +270,7 @@
           <a:p>
             <a:fld id="{524D8F04-E896-470B-8806-1AE90D4BFF20}" type="datetimeFigureOut">
               <a:rPr lang="pt-BR" smtClean="0"/>
-              <a:t>26/11/2019</a:t>
+              <a:t>27/11/2019</a:t>
             </a:fld>
             <a:endParaRPr lang="pt-BR"/>
           </a:p>
@@ -447,7 +447,7 @@
           <a:p>
             <a:fld id="{871E507B-F072-4CFD-8819-6CD31F4B6DB2}" type="datetimeFigureOut">
               <a:rPr lang="pt-BR" smtClean="0"/>
-              <a:t>26/11/2019</a:t>
+              <a:t>27/11/2019</a:t>
             </a:fld>
             <a:endParaRPr lang="pt-BR"/>
           </a:p>
@@ -20776,14 +20776,14 @@
           <p:nvPr>
             <p:extLst>
               <p:ext uri="{D42A27DB-BD31-4B8C-83A1-F6EECF244321}">
-                <p14:modId xmlns:p14="http://schemas.microsoft.com/office/powerpoint/2010/main" val="3846913108"/>
+                <p14:modId xmlns:p14="http://schemas.microsoft.com/office/powerpoint/2010/main" val="3896022501"/>
               </p:ext>
             </p:extLst>
           </p:nvPr>
         </p:nvGraphicFramePr>
         <p:xfrm>
           <a:off x="1826927" y="3757475"/>
-          <a:ext cx="8538145" cy="1463040"/>
+          <a:ext cx="8538144" cy="1737360"/>
         </p:xfrm>
         <a:graphic>
           <a:graphicData uri="http://schemas.openxmlformats.org/drawingml/2006/table">
@@ -20792,17 +20792,24 @@
                 <a:tableStyleId>{5C22544A-7EE6-4342-B048-85BDC9FD1C3A}</a:tableStyleId>
               </a:tblPr>
               <a:tblGrid>
-                <a:gridCol w="4278657">
+                <a:gridCol w="2854574">
                   <a:extLst>
                     <a:ext uri="{9D8B030D-6E8A-4147-A177-3AD203B41FA5}">
                       <a16:colId xmlns:a16="http://schemas.microsoft.com/office/drawing/2014/main" val="694391006"/>
                     </a:ext>
                   </a:extLst>
                 </a:gridCol>
-                <a:gridCol w="4259488">
+                <a:gridCol w="2841785">
                   <a:extLst>
                     <a:ext uri="{9D8B030D-6E8A-4147-A177-3AD203B41FA5}">
                       <a16:colId xmlns:a16="http://schemas.microsoft.com/office/drawing/2014/main" val="2011496195"/>
+                    </a:ext>
+                  </a:extLst>
+                </a:gridCol>
+                <a:gridCol w="2841785">
+                  <a:extLst>
+                    <a:ext uri="{9D8B030D-6E8A-4147-A177-3AD203B41FA5}">
+                      <a16:colId xmlns:a16="http://schemas.microsoft.com/office/drawing/2014/main" val="2106406121"/>
                     </a:ext>
                   </a:extLst>
                 </a:gridCol>
@@ -20849,6 +20856,45 @@
                       <a:r>
                         <a:rPr lang="pt-BR" dirty="0"/>
                         <a:t>Tempo médio de execução (convergir) [s]</a:t>
+                      </a:r>
+                    </a:p>
+                  </a:txBody>
+                  <a:tcPr anchor="ctr">
+                    <a:lnL w="12700" cmpd="sng">
+                      <a:noFill/>
+                    </a:lnL>
+                    <a:lnR w="12700" cmpd="sng">
+                      <a:noFill/>
+                    </a:lnR>
+                    <a:lnT w="12700" cap="flat" cmpd="sng" algn="ctr">
+                      <a:noFill/>
+                      <a:prstDash val="solid"/>
+                      <a:round/>
+                      <a:headEnd type="none" w="med" len="med"/>
+                      <a:tailEnd type="none" w="med" len="med"/>
+                    </a:lnT>
+                    <a:lnB w="38100" cmpd="sng">
+                      <a:noFill/>
+                    </a:lnB>
+                    <a:lnTlToBr w="12700" cmpd="sng">
+                      <a:noFill/>
+                      <a:prstDash val="solid"/>
+                    </a:lnTlToBr>
+                    <a:lnBlToTr w="12700" cmpd="sng">
+                      <a:noFill/>
+                      <a:prstDash val="solid"/>
+                    </a:lnBlToTr>
+                  </a:tcPr>
+                </a:tc>
+                <a:tc>
+                  <a:txBody>
+                    <a:bodyPr/>
+                    <a:lstStyle/>
+                    <a:p>
+                      <a:pPr algn="ctr"/>
+                      <a:r>
+                        <a:rPr lang="pt-BR" dirty="0"/>
+                        <a:t>Expectativa de tempo simulação 1056 meses</a:t>
                       </a:r>
                     </a:p>
                   </a:txBody>
@@ -20969,6 +21015,41 @@
                     </a:lnBlToTr>
                   </a:tcPr>
                 </a:tc>
+                <a:tc>
+                  <a:txBody>
+                    <a:bodyPr/>
+                    <a:lstStyle/>
+                    <a:p>
+                      <a:pPr algn="ctr"/>
+                      <a:r>
+                        <a:rPr lang="pt-BR" dirty="0"/>
+                        <a:t>17,6h</a:t>
+                      </a:r>
+                    </a:p>
+                  </a:txBody>
+                  <a:tcPr anchor="ctr">
+                    <a:lnL w="12700" cmpd="sng">
+                      <a:noFill/>
+                    </a:lnL>
+                    <a:lnR w="12700" cmpd="sng">
+                      <a:noFill/>
+                    </a:lnR>
+                    <a:lnT w="38100" cmpd="sng">
+                      <a:noFill/>
+                    </a:lnT>
+                    <a:lnB w="12700" cmpd="sng">
+                      <a:noFill/>
+                    </a:lnB>
+                    <a:lnTlToBr w="12700" cmpd="sng">
+                      <a:noFill/>
+                      <a:prstDash val="solid"/>
+                    </a:lnTlToBr>
+                    <a:lnBlToTr w="12700" cmpd="sng">
+                      <a:noFill/>
+                      <a:prstDash val="solid"/>
+                    </a:lnBlToTr>
+                  </a:tcPr>
+                </a:tc>
                 <a:extLst>
                   <a:ext uri="{0D108BD9-81ED-4DB2-BD59-A6C34878D82A}">
                     <a16:rowId xmlns:a16="http://schemas.microsoft.com/office/drawing/2014/main" val="4207033774"/>
@@ -21026,6 +21107,41 @@
                       <a:r>
                         <a:rPr lang="pt-BR" dirty="0"/>
                         <a:t>25,612</a:t>
+                      </a:r>
+                    </a:p>
+                  </a:txBody>
+                  <a:tcPr anchor="ctr">
+                    <a:lnL w="12700" cmpd="sng">
+                      <a:noFill/>
+                    </a:lnL>
+                    <a:lnR w="12700" cmpd="sng">
+                      <a:noFill/>
+                    </a:lnR>
+                    <a:lnT w="12700" cmpd="sng">
+                      <a:noFill/>
+                    </a:lnT>
+                    <a:lnB w="12700" cmpd="sng">
+                      <a:noFill/>
+                    </a:lnB>
+                    <a:lnTlToBr w="12700" cmpd="sng">
+                      <a:noFill/>
+                      <a:prstDash val="solid"/>
+                    </a:lnTlToBr>
+                    <a:lnBlToTr w="12700" cmpd="sng">
+                      <a:noFill/>
+                      <a:prstDash val="solid"/>
+                    </a:lnBlToTr>
+                  </a:tcPr>
+                </a:tc>
+                <a:tc>
+                  <a:txBody>
+                    <a:bodyPr/>
+                    <a:lstStyle/>
+                    <a:p>
+                      <a:pPr algn="ctr"/>
+                      <a:r>
+                        <a:rPr lang="pt-BR" dirty="0"/>
+                        <a:t>7,33h</a:t>
                       </a:r>
                     </a:p>
                   </a:txBody>
@@ -21130,6 +21246,41 @@
                       <a:r>
                         <a:rPr lang="pt-BR" dirty="0"/>
                         <a:t>30,955</a:t>
+                      </a:r>
+                    </a:p>
+                  </a:txBody>
+                  <a:tcPr anchor="ctr">
+                    <a:lnL w="12700" cmpd="sng">
+                      <a:noFill/>
+                    </a:lnL>
+                    <a:lnR w="12700" cmpd="sng">
+                      <a:noFill/>
+                    </a:lnR>
+                    <a:lnT w="12700" cmpd="sng">
+                      <a:noFill/>
+                    </a:lnT>
+                    <a:lnB w="12700" cmpd="sng">
+                      <a:noFill/>
+                    </a:lnB>
+                    <a:lnTlToBr w="12700" cmpd="sng">
+                      <a:noFill/>
+                      <a:prstDash val="solid"/>
+                    </a:lnTlToBr>
+                    <a:lnBlToTr w="12700" cmpd="sng">
+                      <a:noFill/>
+                      <a:prstDash val="solid"/>
+                    </a:lnBlToTr>
+                  </a:tcPr>
+                </a:tc>
+                <a:tc>
+                  <a:txBody>
+                    <a:bodyPr/>
+                    <a:lstStyle/>
+                    <a:p>
+                      <a:pPr algn="ctr"/>
+                      <a:r>
+                        <a:rPr lang="pt-BR" dirty="0"/>
+                        <a:t>9,07h</a:t>
                       </a:r>
                     </a:p>
                   </a:txBody>

--- a/Rel_slides_rev1.pptx
+++ b/Rel_slides_rev1.pptx
@@ -5,10 +5,10 @@
     <p:sldMasterId id="2147483660" r:id="rId1"/>
   </p:sldMasterIdLst>
   <p:notesMasterIdLst>
-    <p:notesMasterId r:id="rId47"/>
+    <p:notesMasterId r:id="rId48"/>
   </p:notesMasterIdLst>
   <p:handoutMasterIdLst>
-    <p:handoutMasterId r:id="rId48"/>
+    <p:handoutMasterId r:id="rId49"/>
   </p:handoutMasterIdLst>
   <p:sldIdLst>
     <p:sldId id="256" r:id="rId2"/>
@@ -53,9 +53,10 @@
     <p:sldId id="293" r:id="rId41"/>
     <p:sldId id="296" r:id="rId42"/>
     <p:sldId id="308" r:id="rId43"/>
-    <p:sldId id="309" r:id="rId44"/>
-    <p:sldId id="310" r:id="rId45"/>
-    <p:sldId id="312" r:id="rId46"/>
+    <p:sldId id="313" r:id="rId44"/>
+    <p:sldId id="309" r:id="rId45"/>
+    <p:sldId id="310" r:id="rId46"/>
+    <p:sldId id="312" r:id="rId47"/>
   </p:sldIdLst>
   <p:sldSz cx="12192000" cy="6858000"/>
   <p:notesSz cx="6858000" cy="9144000"/>
@@ -26214,6 +26215,179 @@
           </a:p>
         </p:txBody>
       </p:sp>
+      <p:pic>
+        <p:nvPicPr>
+          <p:cNvPr id="2" name="Imagem 1">
+            <a:extLst>
+              <a:ext uri="{FF2B5EF4-FFF2-40B4-BE49-F238E27FC236}">
+                <a16:creationId xmlns:a16="http://schemas.microsoft.com/office/drawing/2014/main" id="{13197988-FE0A-4062-9121-B9C7C44C3CB9}"/>
+              </a:ext>
+            </a:extLst>
+          </p:cNvPr>
+          <p:cNvPicPr>
+            <a:picLocks noChangeAspect="1"/>
+          </p:cNvPicPr>
+          <p:nvPr/>
+        </p:nvPicPr>
+        <p:blipFill rotWithShape="1">
+          <a:blip r:embed="rId2"/>
+          <a:srcRect l="10850" t="5044" r="6875" b="6302"/>
+          <a:stretch/>
+        </p:blipFill>
+        <p:spPr>
+          <a:xfrm>
+            <a:off x="0" y="1408360"/>
+            <a:ext cx="12192000" cy="4941902"/>
+          </a:xfrm>
+          <a:prstGeom prst="rect">
+            <a:avLst/>
+          </a:prstGeom>
+        </p:spPr>
+      </p:pic>
+    </p:spTree>
+    <p:extLst>
+      <p:ext uri="{BB962C8B-B14F-4D97-AF65-F5344CB8AC3E}">
+        <p14:creationId xmlns:p14="http://schemas.microsoft.com/office/powerpoint/2010/main" val="1415383612"/>
+      </p:ext>
+    </p:extLst>
+  </p:cSld>
+  <p:clrMapOvr>
+    <a:masterClrMapping/>
+  </p:clrMapOvr>
+</p:sld>
+</file>
+
+<file path=ppt/slides/slide43.xml><?xml version="1.0" encoding="utf-8"?>
+<p:sld xmlns:a="http://schemas.openxmlformats.org/drawingml/2006/main" xmlns:r="http://schemas.openxmlformats.org/officeDocument/2006/relationships" xmlns:p="http://schemas.openxmlformats.org/presentationml/2006/main">
+  <p:cSld>
+    <p:spTree>
+      <p:nvGrpSpPr>
+        <p:cNvPr id="1" name=""/>
+        <p:cNvGrpSpPr/>
+        <p:nvPr/>
+      </p:nvGrpSpPr>
+      <p:grpSpPr>
+        <a:xfrm>
+          <a:off x="0" y="0"/>
+          <a:ext cx="0" cy="0"/>
+          <a:chOff x="0" y="0"/>
+          <a:chExt cx="0" cy="0"/>
+        </a:xfrm>
+      </p:grpSpPr>
+      <p:sp>
+        <p:nvSpPr>
+          <p:cNvPr id="12" name="Título 11">
+            <a:extLst>
+              <a:ext uri="{FF2B5EF4-FFF2-40B4-BE49-F238E27FC236}">
+                <a16:creationId xmlns:a16="http://schemas.microsoft.com/office/drawing/2014/main" id="{2832DA7E-F139-47C2-9BD0-C653F237A067}"/>
+              </a:ext>
+            </a:extLst>
+          </p:cNvPr>
+          <p:cNvSpPr>
+            <a:spLocks noGrp="1"/>
+          </p:cNvSpPr>
+          <p:nvPr>
+            <p:ph type="title"/>
+          </p:nvPr>
+        </p:nvSpPr>
+        <p:spPr/>
+        <p:txBody>
+          <a:bodyPr/>
+          <a:lstStyle/>
+          <a:p>
+            <a:pPr algn="ctr"/>
+            <a:r>
+              <a:rPr lang="pt-BR" dirty="0"/>
+              <a:t>Conclusões</a:t>
+            </a:r>
+          </a:p>
+        </p:txBody>
+      </p:sp>
+      <p:sp>
+        <p:nvSpPr>
+          <p:cNvPr id="5" name="Espaço Reservado para Data 4">
+            <a:extLst>
+              <a:ext uri="{FF2B5EF4-FFF2-40B4-BE49-F238E27FC236}">
+                <a16:creationId xmlns:a16="http://schemas.microsoft.com/office/drawing/2014/main" id="{9A39578D-D67D-4E86-BD5B-E6236E7EDD22}"/>
+              </a:ext>
+            </a:extLst>
+          </p:cNvPr>
+          <p:cNvSpPr>
+            <a:spLocks noGrp="1"/>
+          </p:cNvSpPr>
+          <p:nvPr>
+            <p:ph type="dt" sz="half" idx="10"/>
+          </p:nvPr>
+        </p:nvSpPr>
+        <p:spPr/>
+        <p:txBody>
+          <a:bodyPr/>
+          <a:lstStyle/>
+          <a:p>
+            <a:r>
+              <a:rPr lang="pt-BR" dirty="0"/>
+              <a:t>Novembro 2019</a:t>
+            </a:r>
+          </a:p>
+        </p:txBody>
+      </p:sp>
+      <p:sp>
+        <p:nvSpPr>
+          <p:cNvPr id="6" name="Espaço Reservado para Rodapé 5">
+            <a:extLst>
+              <a:ext uri="{FF2B5EF4-FFF2-40B4-BE49-F238E27FC236}">
+                <a16:creationId xmlns:a16="http://schemas.microsoft.com/office/drawing/2014/main" id="{0C651934-FD18-4828-A880-88E5D4FDE4EF}"/>
+              </a:ext>
+            </a:extLst>
+          </p:cNvPr>
+          <p:cNvSpPr>
+            <a:spLocks noGrp="1"/>
+          </p:cNvSpPr>
+          <p:nvPr>
+            <p:ph type="ftr" sz="quarter" idx="11"/>
+          </p:nvPr>
+        </p:nvSpPr>
+        <p:spPr/>
+        <p:txBody>
+          <a:bodyPr/>
+          <a:lstStyle/>
+          <a:p>
+            <a:r>
+              <a:rPr lang="pt-BR"/>
+              <a:t>IT306U - Planejamento e Programação da Operação</a:t>
+            </a:r>
+          </a:p>
+        </p:txBody>
+      </p:sp>
+      <p:sp>
+        <p:nvSpPr>
+          <p:cNvPr id="7" name="Espaço Reservado para Número de Slide 6">
+            <a:extLst>
+              <a:ext uri="{FF2B5EF4-FFF2-40B4-BE49-F238E27FC236}">
+                <a16:creationId xmlns:a16="http://schemas.microsoft.com/office/drawing/2014/main" id="{B4277B3A-E682-4B41-8819-082C707144E9}"/>
+              </a:ext>
+            </a:extLst>
+          </p:cNvPr>
+          <p:cNvSpPr>
+            <a:spLocks noGrp="1"/>
+          </p:cNvSpPr>
+          <p:nvPr>
+            <p:ph type="sldNum" sz="quarter" idx="12"/>
+          </p:nvPr>
+        </p:nvSpPr>
+        <p:spPr/>
+        <p:txBody>
+          <a:bodyPr/>
+          <a:lstStyle/>
+          <a:p>
+            <a:fld id="{8579997A-84E9-4B38-967C-2D4A110C3049}" type="slidenum">
+              <a:rPr lang="pt-BR" smtClean="0"/>
+              <a:t>43</a:t>
+            </a:fld>
+            <a:endParaRPr lang="pt-BR"/>
+          </a:p>
+        </p:txBody>
+      </p:sp>
       <p:graphicFrame>
         <p:nvGraphicFramePr>
           <p:cNvPr id="14" name="Tabela 14">
@@ -26229,14 +26403,14 @@
           <p:nvPr>
             <p:extLst>
               <p:ext uri="{D42A27DB-BD31-4B8C-83A1-F6EECF244321}">
-                <p14:modId xmlns:p14="http://schemas.microsoft.com/office/powerpoint/2010/main" val="310475553"/>
+                <p14:modId xmlns:p14="http://schemas.microsoft.com/office/powerpoint/2010/main" val="3683112587"/>
               </p:ext>
             </p:extLst>
           </p:nvPr>
         </p:nvGraphicFramePr>
         <p:xfrm>
-          <a:off x="1668630" y="1470275"/>
-          <a:ext cx="8854740" cy="4681538"/>
+          <a:off x="914028" y="1399254"/>
+          <a:ext cx="10439771" cy="4681538"/>
         </p:xfrm>
         <a:graphic>
           <a:graphicData uri="http://schemas.openxmlformats.org/drawingml/2006/table">
@@ -26245,45 +26419,52 @@
                 <a:tableStyleId>{5C22544A-7EE6-4342-B048-85BDC9FD1C3A}</a:tableStyleId>
               </a:tblPr>
               <a:tblGrid>
-                <a:gridCol w="1668332">
+                <a:gridCol w="1656302">
                   <a:extLst>
                     <a:ext uri="{9D8B030D-6E8A-4147-A177-3AD203B41FA5}">
                       <a16:colId xmlns:a16="http://schemas.microsoft.com/office/drawing/2014/main" val="694391006"/>
                     </a:ext>
                   </a:extLst>
                 </a:gridCol>
-                <a:gridCol w="1102926">
+                <a:gridCol w="1094972">
                   <a:extLst>
                     <a:ext uri="{9D8B030D-6E8A-4147-A177-3AD203B41FA5}">
                       <a16:colId xmlns:a16="http://schemas.microsoft.com/office/drawing/2014/main" val="4048368483"/>
                     </a:ext>
                   </a:extLst>
                 </a:gridCol>
-                <a:gridCol w="1100911">
+                <a:gridCol w="1092973">
                   <a:extLst>
                     <a:ext uri="{9D8B030D-6E8A-4147-A177-3AD203B41FA5}">
                       <a16:colId xmlns:a16="http://schemas.microsoft.com/office/drawing/2014/main" val="3894115826"/>
                     </a:ext>
                   </a:extLst>
                 </a:gridCol>
-                <a:gridCol w="1660857">
+                <a:gridCol w="1648881">
                   <a:extLst>
                     <a:ext uri="{9D8B030D-6E8A-4147-A177-3AD203B41FA5}">
                       <a16:colId xmlns:a16="http://schemas.microsoft.com/office/drawing/2014/main" val="2011496195"/>
                     </a:ext>
                   </a:extLst>
                 </a:gridCol>
-                <a:gridCol w="1660857">
+                <a:gridCol w="1648881">
                   <a:extLst>
                     <a:ext uri="{9D8B030D-6E8A-4147-A177-3AD203B41FA5}">
                       <a16:colId xmlns:a16="http://schemas.microsoft.com/office/drawing/2014/main" val="801150506"/>
                     </a:ext>
                   </a:extLst>
                 </a:gridCol>
-                <a:gridCol w="1660857">
+                <a:gridCol w="1648881">
                   <a:extLst>
                     <a:ext uri="{9D8B030D-6E8A-4147-A177-3AD203B41FA5}">
                       <a16:colId xmlns:a16="http://schemas.microsoft.com/office/drawing/2014/main" val="3212106695"/>
+                    </a:ext>
+                  </a:extLst>
+                </a:gridCol>
+                <a:gridCol w="1648881">
+                  <a:extLst>
+                    <a:ext uri="{9D8B030D-6E8A-4147-A177-3AD203B41FA5}">
+                      <a16:colId xmlns:a16="http://schemas.microsoft.com/office/drawing/2014/main" val="852784999"/>
                     </a:ext>
                   </a:extLst>
                 </a:gridCol>
@@ -26296,6 +26477,41 @@
                     <a:p>
                       <a:pPr algn="ctr"/>
                       <a:endParaRPr lang="pt-BR" dirty="0"/>
+                    </a:p>
+                  </a:txBody>
+                  <a:tcPr anchor="ctr">
+                    <a:lnL w="12700" cmpd="sng">
+                      <a:noFill/>
+                    </a:lnL>
+                    <a:lnR w="12700" cmpd="sng">
+                      <a:noFill/>
+                    </a:lnR>
+                    <a:lnT w="12700" cmpd="sng">
+                      <a:noFill/>
+                    </a:lnT>
+                    <a:lnB w="38100" cmpd="sng">
+                      <a:noFill/>
+                    </a:lnB>
+                    <a:lnTlToBr w="12700" cmpd="sng">
+                      <a:noFill/>
+                      <a:prstDash val="solid"/>
+                    </a:lnTlToBr>
+                    <a:lnBlToTr w="12700" cmpd="sng">
+                      <a:noFill/>
+                      <a:prstDash val="solid"/>
+                    </a:lnBlToTr>
+                  </a:tcPr>
+                </a:tc>
+                <a:tc>
+                  <a:txBody>
+                    <a:bodyPr/>
+                    <a:lstStyle/>
+                    <a:p>
+                      <a:pPr algn="ctr"/>
+                      <a:r>
+                        <a:rPr lang="pt-BR" dirty="0"/>
+                        <a:t>OPP</a:t>
+                      </a:r>
                     </a:p>
                   </a:txBody>
                   <a:tcPr anchor="ctr">
@@ -26340,8 +26556,12 @@
                     <a:lnR w="12700" cmpd="sng">
                       <a:noFill/>
                     </a:lnR>
-                    <a:lnT w="12700" cmpd="sng">
-                      <a:noFill/>
+                    <a:lnT w="12700" cap="flat" cmpd="sng" algn="ctr">
+                      <a:noFill/>
+                      <a:prstDash val="solid"/>
+                      <a:round/>
+                      <a:headEnd type="none" w="med" len="med"/>
+                      <a:tailEnd type="none" w="med" len="med"/>
                     </a:lnT>
                     <a:lnB w="38100" cmpd="sng">
                       <a:noFill/>
@@ -26600,6 +26820,45 @@
                     <a:p>
                       <a:pPr algn="ctr"/>
                       <a:r>
+                        <a:rPr lang="pt-BR" b="1" dirty="0">
+                          <a:solidFill>
+                            <a:schemeClr val="tx1"/>
+                          </a:solidFill>
+                        </a:rPr>
+                        <a:t>0,8004</a:t>
+                      </a:r>
+                    </a:p>
+                  </a:txBody>
+                  <a:tcPr anchor="ctr">
+                    <a:lnL w="12700" cmpd="sng">
+                      <a:noFill/>
+                    </a:lnL>
+                    <a:lnR w="12700" cmpd="sng">
+                      <a:noFill/>
+                    </a:lnR>
+                    <a:lnT w="38100" cmpd="sng">
+                      <a:noFill/>
+                    </a:lnT>
+                    <a:lnB w="12700" cmpd="sng">
+                      <a:noFill/>
+                    </a:lnB>
+                    <a:lnTlToBr w="12700" cmpd="sng">
+                      <a:noFill/>
+                      <a:prstDash val="solid"/>
+                    </a:lnTlToBr>
+                    <a:lnBlToTr w="12700" cmpd="sng">
+                      <a:noFill/>
+                      <a:prstDash val="solid"/>
+                    </a:lnBlToTr>
+                  </a:tcPr>
+                </a:tc>
+                <a:tc>
+                  <a:txBody>
+                    <a:bodyPr/>
+                    <a:lstStyle/>
+                    <a:p>
+                      <a:pPr algn="ctr"/>
+                      <a:r>
                         <a:rPr lang="pt-BR" dirty="0">
                           <a:solidFill>
                             <a:srgbClr val="00B050"/>
@@ -26837,6 +27096,45 @@
                     <a:p>
                       <a:pPr algn="ctr"/>
                       <a:r>
+                        <a:rPr lang="pt-BR" b="1" dirty="0">
+                          <a:solidFill>
+                            <a:schemeClr val="tx1"/>
+                          </a:solidFill>
+                        </a:rPr>
+                        <a:t>761.400</a:t>
+                      </a:r>
+                    </a:p>
+                  </a:txBody>
+                  <a:tcPr anchor="ctr">
+                    <a:lnL w="12700" cmpd="sng">
+                      <a:noFill/>
+                    </a:lnL>
+                    <a:lnR w="12700" cmpd="sng">
+                      <a:noFill/>
+                    </a:lnR>
+                    <a:lnT w="12700" cmpd="sng">
+                      <a:noFill/>
+                    </a:lnT>
+                    <a:lnB w="12700" cmpd="sng">
+                      <a:noFill/>
+                    </a:lnB>
+                    <a:lnTlToBr w="12700" cmpd="sng">
+                      <a:noFill/>
+                      <a:prstDash val="solid"/>
+                    </a:lnTlToBr>
+                    <a:lnBlToTr w="12700" cmpd="sng">
+                      <a:noFill/>
+                      <a:prstDash val="solid"/>
+                    </a:lnBlToTr>
+                  </a:tcPr>
+                </a:tc>
+                <a:tc>
+                  <a:txBody>
+                    <a:bodyPr/>
+                    <a:lstStyle/>
+                    <a:p>
+                      <a:pPr algn="ctr"/>
+                      <a:r>
                         <a:rPr lang="pt-BR" dirty="0"/>
                         <a:t>705.690</a:t>
                       </a:r>
@@ -27060,6 +27358,61 @@
                     <a:bodyPr/>
                     <a:lstStyle/>
                     <a:p>
+                      <a:pPr marL="0" marR="0" lvl="0" indent="0" algn="ctr" defTabSz="914400" rtl="0" eaLnBrk="1" fontAlgn="auto" latinLnBrk="0" hangingPunct="1">
+                        <a:lnSpc>
+                          <a:spcPct val="100000"/>
+                        </a:lnSpc>
+                        <a:spcBef>
+                          <a:spcPts val="0"/>
+                        </a:spcBef>
+                        <a:spcAft>
+                          <a:spcPts val="0"/>
+                        </a:spcAft>
+                        <a:buClrTx/>
+                        <a:buSzTx/>
+                        <a:buFontTx/>
+                        <a:buNone/>
+                        <a:tabLst/>
+                        <a:defRPr/>
+                      </a:pPr>
+                      <a:r>
+                        <a:rPr lang="pt-BR" b="1" dirty="0">
+                          <a:solidFill>
+                            <a:schemeClr val="tx1"/>
+                          </a:solidFill>
+                        </a:rPr>
+                        <a:t>16483</a:t>
+                      </a:r>
+                    </a:p>
+                  </a:txBody>
+                  <a:tcPr anchor="ctr">
+                    <a:lnL w="12700" cmpd="sng">
+                      <a:noFill/>
+                    </a:lnL>
+                    <a:lnR w="12700" cmpd="sng">
+                      <a:noFill/>
+                    </a:lnR>
+                    <a:lnT w="12700" cmpd="sng">
+                      <a:noFill/>
+                    </a:lnT>
+                    <a:lnB w="12700" cmpd="sng">
+                      <a:noFill/>
+                    </a:lnB>
+                    <a:lnTlToBr w="12700" cmpd="sng">
+                      <a:noFill/>
+                      <a:prstDash val="solid"/>
+                    </a:lnTlToBr>
+                    <a:lnBlToTr w="12700" cmpd="sng">
+                      <a:noFill/>
+                      <a:prstDash val="solid"/>
+                    </a:lnBlToTr>
+                  </a:tcPr>
+                </a:tc>
+                <a:tc>
+                  <a:txBody>
+                    <a:bodyPr/>
+                    <a:lstStyle/>
+                    <a:p>
                       <a:pPr algn="ctr"/>
                       <a:r>
                         <a:rPr lang="pt-BR" dirty="0">
@@ -27283,6 +27636,45 @@
                     <a:p>
                       <a:pPr algn="ctr"/>
                       <a:r>
+                        <a:rPr lang="pt-BR" b="1" dirty="0">
+                          <a:solidFill>
+                            <a:schemeClr val="tx1"/>
+                          </a:solidFill>
+                        </a:rPr>
+                        <a:t>7,9650</a:t>
+                      </a:r>
+                    </a:p>
+                  </a:txBody>
+                  <a:tcPr anchor="ctr">
+                    <a:lnL w="12700" cmpd="sng">
+                      <a:noFill/>
+                    </a:lnL>
+                    <a:lnR w="12700" cmpd="sng">
+                      <a:noFill/>
+                    </a:lnR>
+                    <a:lnT w="12700" cmpd="sng">
+                      <a:noFill/>
+                    </a:lnT>
+                    <a:lnB w="12700" cmpd="sng">
+                      <a:noFill/>
+                    </a:lnB>
+                    <a:lnTlToBr w="12700" cmpd="sng">
+                      <a:noFill/>
+                      <a:prstDash val="solid"/>
+                    </a:lnTlToBr>
+                    <a:lnBlToTr w="12700" cmpd="sng">
+                      <a:noFill/>
+                      <a:prstDash val="solid"/>
+                    </a:lnBlToTr>
+                  </a:tcPr>
+                </a:tc>
+                <a:tc>
+                  <a:txBody>
+                    <a:bodyPr/>
+                    <a:lstStyle/>
+                    <a:p>
+                      <a:pPr algn="ctr"/>
+                      <a:r>
                         <a:rPr lang="pt-BR" dirty="0"/>
                         <a:t>10,325</a:t>
                       </a:r>
@@ -27468,7 +27860,7 @@
     </p:spTree>
     <p:extLst>
       <p:ext uri="{BB962C8B-B14F-4D97-AF65-F5344CB8AC3E}">
-        <p14:creationId xmlns:p14="http://schemas.microsoft.com/office/powerpoint/2010/main" val="1415383612"/>
+        <p14:creationId xmlns:p14="http://schemas.microsoft.com/office/powerpoint/2010/main" val="1330999694"/>
       </p:ext>
     </p:extLst>
   </p:cSld>
@@ -27478,7 +27870,7 @@
 </p:sld>
 </file>
 
-<file path=ppt/slides/slide43.xml><?xml version="1.0" encoding="utf-8"?>
+<file path=ppt/slides/slide44.xml><?xml version="1.0" encoding="utf-8"?>
 <p:sld xmlns:a="http://schemas.openxmlformats.org/drawingml/2006/main" xmlns:r="http://schemas.openxmlformats.org/officeDocument/2006/relationships" xmlns:p="http://schemas.openxmlformats.org/presentationml/2006/main">
   <p:cSld>
     <p:spTree>
@@ -27662,7 +28054,7 @@
           <a:p>
             <a:fld id="{8579997A-84E9-4B38-967C-2D4A110C3049}" type="slidenum">
               <a:rPr lang="pt-BR" smtClean="0"/>
-              <a:t>43</a:t>
+              <a:t>44</a:t>
             </a:fld>
             <a:endParaRPr lang="pt-BR"/>
           </a:p>
@@ -28244,7 +28636,7 @@
 </p:sld>
 </file>
 
-<file path=ppt/slides/slide44.xml><?xml version="1.0" encoding="utf-8"?>
+<file path=ppt/slides/slide45.xml><?xml version="1.0" encoding="utf-8"?>
 <p:sld xmlns:a="http://schemas.openxmlformats.org/drawingml/2006/main" xmlns:r="http://schemas.openxmlformats.org/officeDocument/2006/relationships" xmlns:p="http://schemas.openxmlformats.org/presentationml/2006/main">
   <p:cSld>
     <p:spTree>
@@ -28411,7 +28803,7 @@
           <a:p>
             <a:fld id="{8579997A-84E9-4B38-967C-2D4A110C3049}" type="slidenum">
               <a:rPr lang="pt-BR" smtClean="0"/>
-              <a:t>44</a:t>
+              <a:t>45</a:t>
             </a:fld>
             <a:endParaRPr lang="pt-BR"/>
           </a:p>
@@ -28459,7 +28851,7 @@
 </p:sld>
 </file>
 
-<file path=ppt/slides/slide45.xml><?xml version="1.0" encoding="utf-8"?>
+<file path=ppt/slides/slide46.xml><?xml version="1.0" encoding="utf-8"?>
 <p:sld xmlns:a="http://schemas.openxmlformats.org/drawingml/2006/main" xmlns:r="http://schemas.openxmlformats.org/officeDocument/2006/relationships" xmlns:p="http://schemas.openxmlformats.org/presentationml/2006/main">
   <p:cSld>
     <p:spTree>
@@ -28634,7 +29026,7 @@
             <a:fld id="{8579997A-84E9-4B38-967C-2D4A110C3049}" type="slidenum">
               <a:rPr lang="pt-BR" smtClean="0"/>
               <a:pPr/>
-              <a:t>45</a:t>
+              <a:t>46</a:t>
             </a:fld>
             <a:endParaRPr lang="pt-BR"/>
           </a:p>
